--- a/docs/wf.pptx
+++ b/docs/wf.pptx
@@ -6,8 +6,9 @@
   </p:sldMasterIdLst>
   <p:sldIdLst>
     <p:sldId id="256" r:id="rId2"/>
-    <p:sldId id="258" r:id="rId3"/>
-    <p:sldId id="257" r:id="rId4"/>
+    <p:sldId id="259" r:id="rId3"/>
+    <p:sldId id="258" r:id="rId4"/>
+    <p:sldId id="257" r:id="rId5"/>
   </p:sldIdLst>
   <p:sldSz cx="9144000" cy="6858000" type="screen4x3"/>
   <p:notesSz cx="6858000" cy="9144000"/>
@@ -13623,7 +13624,7 @@
           <a:noFill/>
           <a:extLst>
             <a:ext uri="{909E8E84-426E-40dd-AFC4-6F175D3DCCD1}">
-              <a14:hiddenFill xmlns="" xmlns:a14="http://schemas.microsoft.com/office/drawing/2010/main">
+              <a14:hiddenFill xmlns:a14="http://schemas.microsoft.com/office/drawing/2010/main" xmlns="">
                 <a:solidFill>
                   <a:srgbClr val="FFFFFF"/>
                 </a:solidFill>
@@ -13683,7 +13684,7 @@
             </a:ln>
             <a:extLst>
               <a:ext uri="{91240B29-F687-4f45-9708-019B960494DF}">
-                <a14:hiddenLine xmlns="" xmlns:a14="http://schemas.microsoft.com/office/drawing/2010/main" w="9525">
+                <a14:hiddenLine xmlns:a14="http://schemas.microsoft.com/office/drawing/2010/main" xmlns="" w="9525">
                   <a:solidFill>
                     <a:srgbClr val="000000"/>
                   </a:solidFill>
@@ -13773,7 +13774,7 @@
             </a:ln>
             <a:extLst>
               <a:ext uri="{91240B29-F687-4f45-9708-019B960494DF}">
-                <a14:hiddenLine xmlns="" xmlns:a14="http://schemas.microsoft.com/office/drawing/2010/main" w="9525">
+                <a14:hiddenLine xmlns:a14="http://schemas.microsoft.com/office/drawing/2010/main" xmlns="" w="9525">
                   <a:solidFill>
                     <a:srgbClr val="000000"/>
                   </a:solidFill>
@@ -13863,7 +13864,7 @@
             </a:ln>
             <a:extLst>
               <a:ext uri="{91240B29-F687-4f45-9708-019B960494DF}">
-                <a14:hiddenLine xmlns="" xmlns:a14="http://schemas.microsoft.com/office/drawing/2010/main" w="9525">
+                <a14:hiddenLine xmlns:a14="http://schemas.microsoft.com/office/drawing/2010/main" xmlns="" w="9525">
                   <a:solidFill>
                     <a:srgbClr val="000000"/>
                   </a:solidFill>
@@ -13897,7 +13898,7 @@
             </a:ln>
             <a:extLst>
               <a:ext uri="{91240B29-F687-4f45-9708-019B960494DF}">
-                <a14:hiddenLine xmlns="" xmlns:a14="http://schemas.microsoft.com/office/drawing/2010/main" w="9525">
+                <a14:hiddenLine xmlns:a14="http://schemas.microsoft.com/office/drawing/2010/main" xmlns="" w="9525">
                   <a:solidFill>
                     <a:srgbClr val="000000"/>
                   </a:solidFill>
@@ -13987,7 +13988,7 @@
             </a:ln>
             <a:extLst>
               <a:ext uri="{91240B29-F687-4f45-9708-019B960494DF}">
-                <a14:hiddenLine xmlns="" xmlns:a14="http://schemas.microsoft.com/office/drawing/2010/main" w="9525">
+                <a14:hiddenLine xmlns:a14="http://schemas.microsoft.com/office/drawing/2010/main" xmlns="" w="9525">
                   <a:solidFill>
                     <a:srgbClr val="000000"/>
                   </a:solidFill>
@@ -14049,7 +14050,7 @@
             </a:ln>
             <a:extLst>
               <a:ext uri="{91240B29-F687-4f45-9708-019B960494DF}">
-                <a14:hiddenLine xmlns="" xmlns:a14="http://schemas.microsoft.com/office/drawing/2010/main" w="9525">
+                <a14:hiddenLine xmlns:a14="http://schemas.microsoft.com/office/drawing/2010/main" xmlns="" w="9525">
                   <a:solidFill>
                     <a:srgbClr val="000000"/>
                   </a:solidFill>
@@ -14111,7 +14112,7 @@
             </a:ln>
             <a:extLst>
               <a:ext uri="{91240B29-F687-4f45-9708-019B960494DF}">
-                <a14:hiddenLine xmlns="" xmlns:a14="http://schemas.microsoft.com/office/drawing/2010/main" w="9525">
+                <a14:hiddenLine xmlns:a14="http://schemas.microsoft.com/office/drawing/2010/main" xmlns="" w="9525">
                   <a:solidFill>
                     <a:srgbClr val="000000"/>
                   </a:solidFill>
@@ -14201,7 +14202,7 @@
             </a:ln>
             <a:extLst>
               <a:ext uri="{91240B29-F687-4f45-9708-019B960494DF}">
-                <a14:hiddenLine xmlns="" xmlns:a14="http://schemas.microsoft.com/office/drawing/2010/main" w="9525">
+                <a14:hiddenLine xmlns:a14="http://schemas.microsoft.com/office/drawing/2010/main" xmlns="" w="9525">
                   <a:solidFill>
                     <a:srgbClr val="000000"/>
                   </a:solidFill>
@@ -14263,7 +14264,7 @@
             </a:ln>
             <a:extLst>
               <a:ext uri="{91240B29-F687-4f45-9708-019B960494DF}">
-                <a14:hiddenLine xmlns="" xmlns:a14="http://schemas.microsoft.com/office/drawing/2010/main" w="9525">
+                <a14:hiddenLine xmlns:a14="http://schemas.microsoft.com/office/drawing/2010/main" xmlns="" w="9525">
                   <a:solidFill>
                     <a:srgbClr val="000000"/>
                   </a:solidFill>
@@ -14325,7 +14326,7 @@
             </a:ln>
             <a:extLst>
               <a:ext uri="{91240B29-F687-4f45-9708-019B960494DF}">
-                <a14:hiddenLine xmlns="" xmlns:a14="http://schemas.microsoft.com/office/drawing/2010/main" w="9525">
+                <a14:hiddenLine xmlns:a14="http://schemas.microsoft.com/office/drawing/2010/main" xmlns="" w="9525">
                   <a:solidFill>
                     <a:srgbClr val="000000"/>
                   </a:solidFill>
@@ -14415,7 +14416,7 @@
             </a:ln>
             <a:extLst>
               <a:ext uri="{91240B29-F687-4f45-9708-019B960494DF}">
-                <a14:hiddenLine xmlns="" xmlns:a14="http://schemas.microsoft.com/office/drawing/2010/main" w="9525">
+                <a14:hiddenLine xmlns:a14="http://schemas.microsoft.com/office/drawing/2010/main" xmlns="" w="9525">
                   <a:solidFill>
                     <a:srgbClr val="000000"/>
                   </a:solidFill>
@@ -14505,7 +14506,7 @@
             </a:ln>
             <a:extLst>
               <a:ext uri="{91240B29-F687-4f45-9708-019B960494DF}">
-                <a14:hiddenLine xmlns="" xmlns:a14="http://schemas.microsoft.com/office/drawing/2010/main" w="9525">
+                <a14:hiddenLine xmlns:a14="http://schemas.microsoft.com/office/drawing/2010/main" xmlns="" w="9525">
                   <a:solidFill>
                     <a:srgbClr val="000000"/>
                   </a:solidFill>
@@ -14567,7 +14568,7 @@
             </a:ln>
             <a:extLst>
               <a:ext uri="{91240B29-F687-4f45-9708-019B960494DF}">
-                <a14:hiddenLine xmlns="" xmlns:a14="http://schemas.microsoft.com/office/drawing/2010/main" w="9525">
+                <a14:hiddenLine xmlns:a14="http://schemas.microsoft.com/office/drawing/2010/main" xmlns="" w="9525">
                   <a:solidFill>
                     <a:srgbClr val="000000"/>
                   </a:solidFill>
@@ -14677,7 +14678,7 @@
             </a:ln>
             <a:extLst>
               <a:ext uri="{91240B29-F687-4f45-9708-019B960494DF}">
-                <a14:hiddenLine xmlns="" xmlns:a14="http://schemas.microsoft.com/office/drawing/2010/main" w="9525">
+                <a14:hiddenLine xmlns:a14="http://schemas.microsoft.com/office/drawing/2010/main" xmlns="" w="9525">
                   <a:solidFill>
                     <a:srgbClr val="000000"/>
                   </a:solidFill>
@@ -14739,7 +14740,7 @@
             </a:ln>
             <a:extLst>
               <a:ext uri="{91240B29-F687-4f45-9708-019B960494DF}">
-                <a14:hiddenLine xmlns="" xmlns:a14="http://schemas.microsoft.com/office/drawing/2010/main" w="9525">
+                <a14:hiddenLine xmlns:a14="http://schemas.microsoft.com/office/drawing/2010/main" xmlns="" w="9525">
                   <a:solidFill>
                     <a:srgbClr val="000000"/>
                   </a:solidFill>
@@ -14829,7 +14830,7 @@
             </a:ln>
             <a:extLst>
               <a:ext uri="{91240B29-F687-4f45-9708-019B960494DF}">
-                <a14:hiddenLine xmlns="" xmlns:a14="http://schemas.microsoft.com/office/drawing/2010/main" w="9525">
+                <a14:hiddenLine xmlns:a14="http://schemas.microsoft.com/office/drawing/2010/main" xmlns="" w="9525">
                   <a:solidFill>
                     <a:srgbClr val="000000"/>
                   </a:solidFill>
@@ -14919,7 +14920,7 @@
             </a:ln>
             <a:extLst>
               <a:ext uri="{91240B29-F687-4f45-9708-019B960494DF}">
-                <a14:hiddenLine xmlns="" xmlns:a14="http://schemas.microsoft.com/office/drawing/2010/main" w="9525">
+                <a14:hiddenLine xmlns:a14="http://schemas.microsoft.com/office/drawing/2010/main" xmlns="" w="9525">
                   <a:solidFill>
                     <a:srgbClr val="000000"/>
                   </a:solidFill>
@@ -14981,7 +14982,7 @@
             </a:ln>
             <a:extLst>
               <a:ext uri="{91240B29-F687-4f45-9708-019B960494DF}">
-                <a14:hiddenLine xmlns="" xmlns:a14="http://schemas.microsoft.com/office/drawing/2010/main" w="9525">
+                <a14:hiddenLine xmlns:a14="http://schemas.microsoft.com/office/drawing/2010/main" xmlns="" w="9525">
                   <a:solidFill>
                     <a:srgbClr val="000000"/>
                   </a:solidFill>
@@ -15071,7 +15072,7 @@
             </a:ln>
             <a:extLst>
               <a:ext uri="{91240B29-F687-4f45-9708-019B960494DF}">
-                <a14:hiddenLine xmlns="" xmlns:a14="http://schemas.microsoft.com/office/drawing/2010/main" w="9525">
+                <a14:hiddenLine xmlns:a14="http://schemas.microsoft.com/office/drawing/2010/main" xmlns="" w="9525">
                   <a:solidFill>
                     <a:srgbClr val="000000"/>
                   </a:solidFill>
@@ -15161,7 +15162,7 @@
             </a:ln>
             <a:extLst>
               <a:ext uri="{91240B29-F687-4f45-9708-019B960494DF}">
-                <a14:hiddenLine xmlns="" xmlns:a14="http://schemas.microsoft.com/office/drawing/2010/main" w="9525">
+                <a14:hiddenLine xmlns:a14="http://schemas.microsoft.com/office/drawing/2010/main" xmlns="" w="9525">
                   <a:solidFill>
                     <a:srgbClr val="000000"/>
                   </a:solidFill>
@@ -15217,7 +15218,7 @@
             </a:ln>
             <a:extLst>
               <a:ext uri="{91240B29-F687-4f45-9708-019B960494DF}">
-                <a14:hiddenLine xmlns="" xmlns:a14="http://schemas.microsoft.com/office/drawing/2010/main" w="9525">
+                <a14:hiddenLine xmlns:a14="http://schemas.microsoft.com/office/drawing/2010/main" xmlns="" w="9525">
                   <a:solidFill>
                     <a:srgbClr val="000000"/>
                   </a:solidFill>
@@ -15307,7 +15308,7 @@
             </a:ln>
             <a:extLst>
               <a:ext uri="{91240B29-F687-4f45-9708-019B960494DF}">
-                <a14:hiddenLine xmlns="" xmlns:a14="http://schemas.microsoft.com/office/drawing/2010/main" w="9525">
+                <a14:hiddenLine xmlns:a14="http://schemas.microsoft.com/office/drawing/2010/main" xmlns="" w="9525">
                   <a:solidFill>
                     <a:srgbClr val="000000"/>
                   </a:solidFill>
@@ -15363,7 +15364,7 @@
             </a:ln>
             <a:extLst>
               <a:ext uri="{91240B29-F687-4f45-9708-019B960494DF}">
-                <a14:hiddenLine xmlns="" xmlns:a14="http://schemas.microsoft.com/office/drawing/2010/main" w="9525">
+                <a14:hiddenLine xmlns:a14="http://schemas.microsoft.com/office/drawing/2010/main" xmlns="" w="9525">
                   <a:solidFill>
                     <a:srgbClr val="000000"/>
                   </a:solidFill>
@@ -15453,7 +15454,7 @@
             </a:ln>
             <a:extLst>
               <a:ext uri="{91240B29-F687-4f45-9708-019B960494DF}">
-                <a14:hiddenLine xmlns="" xmlns:a14="http://schemas.microsoft.com/office/drawing/2010/main" w="9525">
+                <a14:hiddenLine xmlns:a14="http://schemas.microsoft.com/office/drawing/2010/main" xmlns="" w="9525">
                   <a:solidFill>
                     <a:srgbClr val="000000"/>
                   </a:solidFill>
@@ -15521,7 +15522,7 @@
             </a:ln>
             <a:extLst>
               <a:ext uri="{91240B29-F687-4f45-9708-019B960494DF}">
-                <a14:hiddenLine xmlns="" xmlns:a14="http://schemas.microsoft.com/office/drawing/2010/main" w="9525">
+                <a14:hiddenLine xmlns:a14="http://schemas.microsoft.com/office/drawing/2010/main" xmlns="" w="9525">
                   <a:solidFill>
                     <a:srgbClr val="000000"/>
                   </a:solidFill>
@@ -15611,7 +15612,7 @@
             </a:ln>
             <a:extLst>
               <a:ext uri="{91240B29-F687-4f45-9708-019B960494DF}">
-                <a14:hiddenLine xmlns="" xmlns:a14="http://schemas.microsoft.com/office/drawing/2010/main" w="9525">
+                <a14:hiddenLine xmlns:a14="http://schemas.microsoft.com/office/drawing/2010/main" xmlns="" w="9525">
                   <a:solidFill>
                     <a:srgbClr val="000000"/>
                   </a:solidFill>
@@ -15679,7 +15680,7 @@
             </a:ln>
             <a:extLst>
               <a:ext uri="{91240B29-F687-4f45-9708-019B960494DF}">
-                <a14:hiddenLine xmlns="" xmlns:a14="http://schemas.microsoft.com/office/drawing/2010/main" w="9525">
+                <a14:hiddenLine xmlns:a14="http://schemas.microsoft.com/office/drawing/2010/main" xmlns="" w="9525">
                   <a:solidFill>
                     <a:srgbClr val="000000"/>
                   </a:solidFill>
@@ -15769,7 +15770,7 @@
             </a:ln>
             <a:extLst>
               <a:ext uri="{91240B29-F687-4f45-9708-019B960494DF}">
-                <a14:hiddenLine xmlns="" xmlns:a14="http://schemas.microsoft.com/office/drawing/2010/main" w="9525">
+                <a14:hiddenLine xmlns:a14="http://schemas.microsoft.com/office/drawing/2010/main" xmlns="" w="9525">
                   <a:solidFill>
                     <a:srgbClr val="000000"/>
                   </a:solidFill>
@@ -15803,7 +15804,7 @@
             </a:ln>
             <a:extLst>
               <a:ext uri="{91240B29-F687-4f45-9708-019B960494DF}">
-                <a14:hiddenLine xmlns="" xmlns:a14="http://schemas.microsoft.com/office/drawing/2010/main" w="9525">
+                <a14:hiddenLine xmlns:a14="http://schemas.microsoft.com/office/drawing/2010/main" xmlns="" w="9525">
                   <a:solidFill>
                     <a:srgbClr val="000000"/>
                   </a:solidFill>
@@ -15893,7 +15894,7 @@
             </a:ln>
             <a:extLst>
               <a:ext uri="{91240B29-F687-4f45-9708-019B960494DF}">
-                <a14:hiddenLine xmlns="" xmlns:a14="http://schemas.microsoft.com/office/drawing/2010/main" w="9525">
+                <a14:hiddenLine xmlns:a14="http://schemas.microsoft.com/office/drawing/2010/main" xmlns="" w="9525">
                   <a:solidFill>
                     <a:srgbClr val="000000"/>
                   </a:solidFill>
@@ -15955,7 +15956,7 @@
             </a:ln>
             <a:extLst>
               <a:ext uri="{91240B29-F687-4f45-9708-019B960494DF}">
-                <a14:hiddenLine xmlns="" xmlns:a14="http://schemas.microsoft.com/office/drawing/2010/main" w="9525">
+                <a14:hiddenLine xmlns:a14="http://schemas.microsoft.com/office/drawing/2010/main" xmlns="" w="9525">
                   <a:solidFill>
                     <a:srgbClr val="000000"/>
                   </a:solidFill>
@@ -16017,7 +16018,7 @@
             </a:ln>
             <a:extLst>
               <a:ext uri="{91240B29-F687-4f45-9708-019B960494DF}">
-                <a14:hiddenLine xmlns="" xmlns:a14="http://schemas.microsoft.com/office/drawing/2010/main" w="9525">
+                <a14:hiddenLine xmlns:a14="http://schemas.microsoft.com/office/drawing/2010/main" xmlns="" w="9525">
                   <a:solidFill>
                     <a:srgbClr val="000000"/>
                   </a:solidFill>
@@ -16107,7 +16108,7 @@
             </a:ln>
             <a:extLst>
               <a:ext uri="{91240B29-F687-4f45-9708-019B960494DF}">
-                <a14:hiddenLine xmlns="" xmlns:a14="http://schemas.microsoft.com/office/drawing/2010/main" w="9525">
+                <a14:hiddenLine xmlns:a14="http://schemas.microsoft.com/office/drawing/2010/main" xmlns="" w="9525">
                   <a:solidFill>
                     <a:srgbClr val="000000"/>
                   </a:solidFill>
@@ -16175,7 +16176,7 @@
             </a:ln>
             <a:extLst>
               <a:ext uri="{91240B29-F687-4f45-9708-019B960494DF}">
-                <a14:hiddenLine xmlns="" xmlns:a14="http://schemas.microsoft.com/office/drawing/2010/main" w="9525">
+                <a14:hiddenLine xmlns:a14="http://schemas.microsoft.com/office/drawing/2010/main" xmlns="" w="9525">
                   <a:solidFill>
                     <a:srgbClr val="000000"/>
                   </a:solidFill>
@@ -16237,7 +16238,7 @@
             </a:ln>
             <a:extLst>
               <a:ext uri="{91240B29-F687-4f45-9708-019B960494DF}">
-                <a14:hiddenLine xmlns="" xmlns:a14="http://schemas.microsoft.com/office/drawing/2010/main" w="9525">
+                <a14:hiddenLine xmlns:a14="http://schemas.microsoft.com/office/drawing/2010/main" xmlns="" w="9525">
                   <a:solidFill>
                     <a:srgbClr val="000000"/>
                   </a:solidFill>
@@ -16327,7 +16328,7 @@
             </a:ln>
             <a:extLst>
               <a:ext uri="{91240B29-F687-4f45-9708-019B960494DF}">
-                <a14:hiddenLine xmlns="" xmlns:a14="http://schemas.microsoft.com/office/drawing/2010/main" w="9525">
+                <a14:hiddenLine xmlns:a14="http://schemas.microsoft.com/office/drawing/2010/main" xmlns="" w="9525">
                   <a:solidFill>
                     <a:srgbClr val="000000"/>
                   </a:solidFill>
@@ -16389,7 +16390,7 @@
             </a:ln>
             <a:extLst>
               <a:ext uri="{91240B29-F687-4f45-9708-019B960494DF}">
-                <a14:hiddenLine xmlns="" xmlns:a14="http://schemas.microsoft.com/office/drawing/2010/main" w="9525">
+                <a14:hiddenLine xmlns:a14="http://schemas.microsoft.com/office/drawing/2010/main" xmlns="" w="9525">
                   <a:solidFill>
                     <a:srgbClr val="000000"/>
                   </a:solidFill>
@@ -16479,7 +16480,7 @@
             </a:ln>
             <a:extLst>
               <a:ext uri="{91240B29-F687-4f45-9708-019B960494DF}">
-                <a14:hiddenLine xmlns="" xmlns:a14="http://schemas.microsoft.com/office/drawing/2010/main" w="9525">
+                <a14:hiddenLine xmlns:a14="http://schemas.microsoft.com/office/drawing/2010/main" xmlns="" w="9525">
                   <a:solidFill>
                     <a:srgbClr val="000000"/>
                   </a:solidFill>
@@ -16541,7 +16542,7 @@
             </a:ln>
             <a:extLst>
               <a:ext uri="{91240B29-F687-4f45-9708-019B960494DF}">
-                <a14:hiddenLine xmlns="" xmlns:a14="http://schemas.microsoft.com/office/drawing/2010/main" w="9525">
+                <a14:hiddenLine xmlns:a14="http://schemas.microsoft.com/office/drawing/2010/main" xmlns="" w="9525">
                   <a:solidFill>
                     <a:srgbClr val="000000"/>
                   </a:solidFill>
@@ -16631,7 +16632,7 @@
             </a:ln>
             <a:extLst>
               <a:ext uri="{91240B29-F687-4f45-9708-019B960494DF}">
-                <a14:hiddenLine xmlns="" xmlns:a14="http://schemas.microsoft.com/office/drawing/2010/main" w="9525">
+                <a14:hiddenLine xmlns:a14="http://schemas.microsoft.com/office/drawing/2010/main" xmlns="" w="9525">
                   <a:solidFill>
                     <a:srgbClr val="000000"/>
                   </a:solidFill>
@@ -16665,7 +16666,7 @@
             </a:ln>
             <a:extLst>
               <a:ext uri="{91240B29-F687-4f45-9708-019B960494DF}">
-                <a14:hiddenLine xmlns="" xmlns:a14="http://schemas.microsoft.com/office/drawing/2010/main" w="9525">
+                <a14:hiddenLine xmlns:a14="http://schemas.microsoft.com/office/drawing/2010/main" xmlns="" w="9525">
                   <a:solidFill>
                     <a:srgbClr val="000000"/>
                   </a:solidFill>
@@ -16730,7 +16731,7 @@
             </a:ln>
             <a:extLst>
               <a:ext uri="{91240B29-F687-4f45-9708-019B960494DF}">
-                <a14:hiddenLine xmlns="" xmlns:a14="http://schemas.microsoft.com/office/drawing/2010/main" w="9525">
+                <a14:hiddenLine xmlns:a14="http://schemas.microsoft.com/office/drawing/2010/main" xmlns="" w="9525">
                   <a:solidFill>
                     <a:srgbClr val="000000"/>
                   </a:solidFill>
@@ -16820,7 +16821,7 @@
             </a:ln>
             <a:extLst>
               <a:ext uri="{91240B29-F687-4f45-9708-019B960494DF}">
-                <a14:hiddenLine xmlns="" xmlns:a14="http://schemas.microsoft.com/office/drawing/2010/main" w="9525">
+                <a14:hiddenLine xmlns:a14="http://schemas.microsoft.com/office/drawing/2010/main" xmlns="" w="9525">
                   <a:solidFill>
                     <a:srgbClr val="000000"/>
                   </a:solidFill>
@@ -16882,7 +16883,7 @@
             </a:ln>
             <a:extLst>
               <a:ext uri="{91240B29-F687-4f45-9708-019B960494DF}">
-                <a14:hiddenLine xmlns="" xmlns:a14="http://schemas.microsoft.com/office/drawing/2010/main" w="9525">
+                <a14:hiddenLine xmlns:a14="http://schemas.microsoft.com/office/drawing/2010/main" xmlns="" w="9525">
                   <a:solidFill>
                     <a:srgbClr val="000000"/>
                   </a:solidFill>
@@ -16972,7 +16973,7 @@
             </a:ln>
             <a:extLst>
               <a:ext uri="{91240B29-F687-4f45-9708-019B960494DF}">
-                <a14:hiddenLine xmlns="" xmlns:a14="http://schemas.microsoft.com/office/drawing/2010/main" w="9525">
+                <a14:hiddenLine xmlns:a14="http://schemas.microsoft.com/office/drawing/2010/main" xmlns="" w="9525">
                   <a:solidFill>
                     <a:srgbClr val="000000"/>
                   </a:solidFill>
@@ -17062,7 +17063,7 @@
             </a:ln>
             <a:extLst>
               <a:ext uri="{91240B29-F687-4f45-9708-019B960494DF}">
-                <a14:hiddenLine xmlns="" xmlns:a14="http://schemas.microsoft.com/office/drawing/2010/main" w="9525">
+                <a14:hiddenLine xmlns:a14="http://schemas.microsoft.com/office/drawing/2010/main" xmlns="" w="9525">
                   <a:solidFill>
                     <a:srgbClr val="000000"/>
                   </a:solidFill>
@@ -17127,7 +17128,7 @@
             </a:ln>
             <a:extLst>
               <a:ext uri="{91240B29-F687-4f45-9708-019B960494DF}">
-                <a14:hiddenLine xmlns="" xmlns:a14="http://schemas.microsoft.com/office/drawing/2010/main" w="9525">
+                <a14:hiddenLine xmlns:a14="http://schemas.microsoft.com/office/drawing/2010/main" xmlns="" w="9525">
                   <a:solidFill>
                     <a:srgbClr val="000000"/>
                   </a:solidFill>
@@ -17189,7 +17190,7 @@
             </a:ln>
             <a:extLst>
               <a:ext uri="{91240B29-F687-4f45-9708-019B960494DF}">
-                <a14:hiddenLine xmlns="" xmlns:a14="http://schemas.microsoft.com/office/drawing/2010/main" w="9525">
+                <a14:hiddenLine xmlns:a14="http://schemas.microsoft.com/office/drawing/2010/main" xmlns="" w="9525">
                   <a:solidFill>
                     <a:srgbClr val="000000"/>
                   </a:solidFill>
@@ -17279,7 +17280,7 @@
             </a:ln>
             <a:extLst>
               <a:ext uri="{91240B29-F687-4f45-9708-019B960494DF}">
-                <a14:hiddenLine xmlns="" xmlns:a14="http://schemas.microsoft.com/office/drawing/2010/main" w="9525">
+                <a14:hiddenLine xmlns:a14="http://schemas.microsoft.com/office/drawing/2010/main" xmlns="" w="9525">
                   <a:solidFill>
                     <a:srgbClr val="000000"/>
                   </a:solidFill>
@@ -17369,7 +17370,7 @@
             </a:ln>
             <a:extLst>
               <a:ext uri="{91240B29-F687-4f45-9708-019B960494DF}">
-                <a14:hiddenLine xmlns="" xmlns:a14="http://schemas.microsoft.com/office/drawing/2010/main" w="9525">
+                <a14:hiddenLine xmlns:a14="http://schemas.microsoft.com/office/drawing/2010/main" xmlns="" w="9525">
                   <a:solidFill>
                     <a:srgbClr val="000000"/>
                   </a:solidFill>
@@ -17431,7 +17432,7 @@
             </a:ln>
             <a:extLst>
               <a:ext uri="{91240B29-F687-4f45-9708-019B960494DF}">
-                <a14:hiddenLine xmlns="" xmlns:a14="http://schemas.microsoft.com/office/drawing/2010/main" w="9525">
+                <a14:hiddenLine xmlns:a14="http://schemas.microsoft.com/office/drawing/2010/main" xmlns="" w="9525">
                   <a:solidFill>
                     <a:srgbClr val="000000"/>
                   </a:solidFill>
@@ -17551,7 +17552,7 @@
             </a:ln>
             <a:extLst>
               <a:ext uri="{91240B29-F687-4f45-9708-019B960494DF}">
-                <a14:hiddenLine xmlns="" xmlns:a14="http://schemas.microsoft.com/office/drawing/2010/main" w="9525">
+                <a14:hiddenLine xmlns:a14="http://schemas.microsoft.com/office/drawing/2010/main" xmlns="" w="9525">
                   <a:solidFill>
                     <a:srgbClr val="000000"/>
                   </a:solidFill>
@@ -17619,7 +17620,7 @@
             </a:ln>
             <a:extLst>
               <a:ext uri="{91240B29-F687-4f45-9708-019B960494DF}">
-                <a14:hiddenLine xmlns="" xmlns:a14="http://schemas.microsoft.com/office/drawing/2010/main" w="9525">
+                <a14:hiddenLine xmlns:a14="http://schemas.microsoft.com/office/drawing/2010/main" xmlns="" w="9525">
                   <a:solidFill>
                     <a:srgbClr val="000000"/>
                   </a:solidFill>
@@ -17709,7 +17710,7 @@
             </a:ln>
             <a:extLst>
               <a:ext uri="{91240B29-F687-4f45-9708-019B960494DF}">
-                <a14:hiddenLine xmlns="" xmlns:a14="http://schemas.microsoft.com/office/drawing/2010/main" w="9525">
+                <a14:hiddenLine xmlns:a14="http://schemas.microsoft.com/office/drawing/2010/main" xmlns="" w="9525">
                   <a:solidFill>
                     <a:srgbClr val="000000"/>
                   </a:solidFill>
@@ -17849,7 +17850,7 @@
           <a:p>
             <a:fld id="{80139259-DACC-E64E-819B-A11CC9019836}" type="datetimeFigureOut">
               <a:rPr lang="en-US" smtClean="0"/>
-              <a:t>7/19/19</a:t>
+              <a:t>7/26/19</a:t>
             </a:fld>
             <a:endParaRPr lang="en-US"/>
           </a:p>
@@ -18116,7 +18117,7 @@
           <a:p>
             <a:fld id="{80139259-DACC-E64E-819B-A11CC9019836}" type="datetimeFigureOut">
               <a:rPr lang="en-US" smtClean="0"/>
-              <a:t>7/19/19</a:t>
+              <a:t>7/26/19</a:t>
             </a:fld>
             <a:endParaRPr lang="en-US"/>
           </a:p>
@@ -18312,7 +18313,7 @@
           <a:p>
             <a:fld id="{80139259-DACC-E64E-819B-A11CC9019836}" type="datetimeFigureOut">
               <a:rPr lang="en-US" smtClean="0"/>
-              <a:t>7/19/19</a:t>
+              <a:t>7/26/19</a:t>
             </a:fld>
             <a:endParaRPr lang="en-US"/>
           </a:p>
@@ -18575,7 +18576,7 @@
           <a:p>
             <a:fld id="{80139259-DACC-E64E-819B-A11CC9019836}" type="datetimeFigureOut">
               <a:rPr lang="en-US" smtClean="0"/>
-              <a:t>7/19/19</a:t>
+              <a:t>7/26/19</a:t>
             </a:fld>
             <a:endParaRPr lang="en-US"/>
           </a:p>
@@ -19009,7 +19010,7 @@
           <a:p>
             <a:fld id="{80139259-DACC-E64E-819B-A11CC9019836}" type="datetimeFigureOut">
               <a:rPr lang="en-US" smtClean="0"/>
-              <a:t>7/19/19</a:t>
+              <a:t>7/26/19</a:t>
             </a:fld>
             <a:endParaRPr lang="en-US"/>
           </a:p>
@@ -19555,7 +19556,7 @@
           <a:p>
             <a:fld id="{80139259-DACC-E64E-819B-A11CC9019836}" type="datetimeFigureOut">
               <a:rPr lang="en-US" smtClean="0"/>
-              <a:t>7/19/19</a:t>
+              <a:t>7/26/19</a:t>
             </a:fld>
             <a:endParaRPr lang="en-US"/>
           </a:p>
@@ -20275,7 +20276,7 @@
           <a:p>
             <a:fld id="{80139259-DACC-E64E-819B-A11CC9019836}" type="datetimeFigureOut">
               <a:rPr lang="en-US" smtClean="0"/>
-              <a:t>7/19/19</a:t>
+              <a:t>7/26/19</a:t>
             </a:fld>
             <a:endParaRPr lang="en-US"/>
           </a:p>
@@ -20449,7 +20450,7 @@
           <a:p>
             <a:fld id="{80139259-DACC-E64E-819B-A11CC9019836}" type="datetimeFigureOut">
               <a:rPr lang="en-US" smtClean="0"/>
-              <a:t>7/19/19</a:t>
+              <a:t>7/26/19</a:t>
             </a:fld>
             <a:endParaRPr lang="en-US"/>
           </a:p>
@@ -20629,7 +20630,7 @@
           <a:p>
             <a:fld id="{80139259-DACC-E64E-819B-A11CC9019836}" type="datetimeFigureOut">
               <a:rPr lang="en-US" smtClean="0"/>
-              <a:t>7/19/19</a:t>
+              <a:t>7/26/19</a:t>
             </a:fld>
             <a:endParaRPr lang="en-US"/>
           </a:p>
@@ -20814,7 +20815,7 @@
           <a:p>
             <a:fld id="{80139259-DACC-E64E-819B-A11CC9019836}" type="datetimeFigureOut">
               <a:rPr lang="en-US" smtClean="0"/>
-              <a:t>7/19/19</a:t>
+              <a:t>7/26/19</a:t>
             </a:fld>
             <a:endParaRPr lang="en-US"/>
           </a:p>
@@ -21074,7 +21075,7 @@
           <a:p>
             <a:fld id="{80139259-DACC-E64E-819B-A11CC9019836}" type="datetimeFigureOut">
               <a:rPr lang="en-US" smtClean="0"/>
-              <a:t>7/19/19</a:t>
+              <a:t>7/26/19</a:t>
             </a:fld>
             <a:endParaRPr lang="en-US"/>
           </a:p>
@@ -21306,7 +21307,7 @@
           <a:p>
             <a:fld id="{80139259-DACC-E64E-819B-A11CC9019836}" type="datetimeFigureOut">
               <a:rPr lang="en-US" smtClean="0"/>
-              <a:t>7/19/19</a:t>
+              <a:t>7/26/19</a:t>
             </a:fld>
             <a:endParaRPr lang="en-US"/>
           </a:p>
@@ -21687,7 +21688,7 @@
           <a:p>
             <a:fld id="{80139259-DACC-E64E-819B-A11CC9019836}" type="datetimeFigureOut">
               <a:rPr lang="en-US" smtClean="0"/>
-              <a:t>7/19/19</a:t>
+              <a:t>7/26/19</a:t>
             </a:fld>
             <a:endParaRPr lang="en-US"/>
           </a:p>
@@ -21805,7 +21806,7 @@
           <a:p>
             <a:fld id="{80139259-DACC-E64E-819B-A11CC9019836}" type="datetimeFigureOut">
               <a:rPr lang="en-US" smtClean="0"/>
-              <a:t>7/19/19</a:t>
+              <a:t>7/26/19</a:t>
             </a:fld>
             <a:endParaRPr lang="en-US"/>
           </a:p>
@@ -21900,7 +21901,7 @@
           <a:p>
             <a:fld id="{80139259-DACC-E64E-819B-A11CC9019836}" type="datetimeFigureOut">
               <a:rPr lang="en-US" smtClean="0"/>
-              <a:t>7/19/19</a:t>
+              <a:t>7/26/19</a:t>
             </a:fld>
             <a:endParaRPr lang="en-US"/>
           </a:p>
@@ -22149,7 +22150,7 @@
           <a:p>
             <a:fld id="{80139259-DACC-E64E-819B-A11CC9019836}" type="datetimeFigureOut">
               <a:rPr lang="en-US" smtClean="0"/>
-              <a:t>7/19/19</a:t>
+              <a:t>7/26/19</a:t>
             </a:fld>
             <a:endParaRPr lang="en-US"/>
           </a:p>
@@ -22401,7 +22402,7 @@
           <a:p>
             <a:fld id="{80139259-DACC-E64E-819B-A11CC9019836}" type="datetimeFigureOut">
               <a:rPr lang="en-US" smtClean="0"/>
-              <a:t>7/19/19</a:t>
+              <a:t>7/26/19</a:t>
             </a:fld>
             <a:endParaRPr lang="en-US"/>
           </a:p>
@@ -22524,7 +22525,7 @@
           <a:noFill/>
           <a:extLst>
             <a:ext uri="{909E8E84-426E-40dd-AFC4-6F175D3DCCD1}">
-              <a14:hiddenFill xmlns="" xmlns:a14="http://schemas.microsoft.com/office/drawing/2010/main">
+              <a14:hiddenFill xmlns:a14="http://schemas.microsoft.com/office/drawing/2010/main" xmlns="">
                 <a:solidFill>
                   <a:srgbClr val="FFFFFF"/>
                 </a:solidFill>
@@ -22598,7 +22599,7 @@
               </a:ln>
               <a:extLst>
                 <a:ext uri="{91240B29-F687-4f45-9708-019B960494DF}">
-                  <a14:hiddenLine xmlns="" xmlns:a14="http://schemas.microsoft.com/office/drawing/2010/main" w="9525">
+                  <a14:hiddenLine xmlns:a14="http://schemas.microsoft.com/office/drawing/2010/main" xmlns="" w="9525">
                     <a:solidFill>
                       <a:srgbClr val="000000"/>
                     </a:solidFill>
@@ -22688,7 +22689,7 @@
               </a:ln>
               <a:extLst>
                 <a:ext uri="{91240B29-F687-4f45-9708-019B960494DF}">
-                  <a14:hiddenLine xmlns="" xmlns:a14="http://schemas.microsoft.com/office/drawing/2010/main" w="9525">
+                  <a14:hiddenLine xmlns:a14="http://schemas.microsoft.com/office/drawing/2010/main" xmlns="" w="9525">
                     <a:solidFill>
                       <a:srgbClr val="000000"/>
                     </a:solidFill>
@@ -22778,7 +22779,7 @@
               </a:ln>
               <a:extLst>
                 <a:ext uri="{91240B29-F687-4f45-9708-019B960494DF}">
-                  <a14:hiddenLine xmlns="" xmlns:a14="http://schemas.microsoft.com/office/drawing/2010/main" w="9525">
+                  <a14:hiddenLine xmlns:a14="http://schemas.microsoft.com/office/drawing/2010/main" xmlns="" w="9525">
                     <a:solidFill>
                       <a:srgbClr val="000000"/>
                     </a:solidFill>
@@ -22840,7 +22841,7 @@
               </a:ln>
               <a:extLst>
                 <a:ext uri="{91240B29-F687-4f45-9708-019B960494DF}">
-                  <a14:hiddenLine xmlns="" xmlns:a14="http://schemas.microsoft.com/office/drawing/2010/main" w="9525">
+                  <a14:hiddenLine xmlns:a14="http://schemas.microsoft.com/office/drawing/2010/main" xmlns="" w="9525">
                     <a:solidFill>
                       <a:srgbClr val="000000"/>
                     </a:solidFill>
@@ -22930,7 +22931,7 @@
               </a:ln>
               <a:extLst>
                 <a:ext uri="{91240B29-F687-4f45-9708-019B960494DF}">
-                  <a14:hiddenLine xmlns="" xmlns:a14="http://schemas.microsoft.com/office/drawing/2010/main" w="9525">
+                  <a14:hiddenLine xmlns:a14="http://schemas.microsoft.com/office/drawing/2010/main" xmlns="" w="9525">
                     <a:solidFill>
                       <a:srgbClr val="000000"/>
                     </a:solidFill>
@@ -22992,7 +22993,7 @@
               </a:ln>
               <a:extLst>
                 <a:ext uri="{91240B29-F687-4f45-9708-019B960494DF}">
-                  <a14:hiddenLine xmlns="" xmlns:a14="http://schemas.microsoft.com/office/drawing/2010/main" w="9525">
+                  <a14:hiddenLine xmlns:a14="http://schemas.microsoft.com/office/drawing/2010/main" xmlns="" w="9525">
                     <a:solidFill>
                       <a:srgbClr val="000000"/>
                     </a:solidFill>
@@ -23054,7 +23055,7 @@
               </a:ln>
               <a:extLst>
                 <a:ext uri="{91240B29-F687-4f45-9708-019B960494DF}">
-                  <a14:hiddenLine xmlns="" xmlns:a14="http://schemas.microsoft.com/office/drawing/2010/main" w="9525">
+                  <a14:hiddenLine xmlns:a14="http://schemas.microsoft.com/office/drawing/2010/main" xmlns="" w="9525">
                     <a:solidFill>
                       <a:srgbClr val="000000"/>
                     </a:solidFill>
@@ -23144,7 +23145,7 @@
               </a:ln>
               <a:extLst>
                 <a:ext uri="{91240B29-F687-4f45-9708-019B960494DF}">
-                  <a14:hiddenLine xmlns="" xmlns:a14="http://schemas.microsoft.com/office/drawing/2010/main" w="9525">
+                  <a14:hiddenLine xmlns:a14="http://schemas.microsoft.com/office/drawing/2010/main" xmlns="" w="9525">
                     <a:solidFill>
                       <a:srgbClr val="000000"/>
                     </a:solidFill>
@@ -23234,7 +23235,7 @@
               </a:ln>
               <a:extLst>
                 <a:ext uri="{91240B29-F687-4f45-9708-019B960494DF}">
-                  <a14:hiddenLine xmlns="" xmlns:a14="http://schemas.microsoft.com/office/drawing/2010/main" w="9525">
+                  <a14:hiddenLine xmlns:a14="http://schemas.microsoft.com/office/drawing/2010/main" xmlns="" w="9525">
                     <a:solidFill>
                       <a:srgbClr val="000000"/>
                     </a:solidFill>
@@ -23296,7 +23297,7 @@
               </a:ln>
               <a:extLst>
                 <a:ext uri="{91240B29-F687-4f45-9708-019B960494DF}">
-                  <a14:hiddenLine xmlns="" xmlns:a14="http://schemas.microsoft.com/office/drawing/2010/main" w="9525">
+                  <a14:hiddenLine xmlns:a14="http://schemas.microsoft.com/office/drawing/2010/main" xmlns="" w="9525">
                     <a:solidFill>
                       <a:srgbClr val="000000"/>
                     </a:solidFill>
@@ -23406,7 +23407,7 @@
               </a:ln>
               <a:extLst>
                 <a:ext uri="{91240B29-F687-4f45-9708-019B960494DF}">
-                  <a14:hiddenLine xmlns="" xmlns:a14="http://schemas.microsoft.com/office/drawing/2010/main" w="9525">
+                  <a14:hiddenLine xmlns:a14="http://schemas.microsoft.com/office/drawing/2010/main" xmlns="" w="9525">
                     <a:solidFill>
                       <a:srgbClr val="000000"/>
                     </a:solidFill>
@@ -23490,7 +23491,7 @@
               </a:ln>
               <a:extLst>
                 <a:ext uri="{91240B29-F687-4f45-9708-019B960494DF}">
-                  <a14:hiddenLine xmlns="" xmlns:a14="http://schemas.microsoft.com/office/drawing/2010/main" w="9525">
+                  <a14:hiddenLine xmlns:a14="http://schemas.microsoft.com/office/drawing/2010/main" xmlns="" w="9525">
                     <a:solidFill>
                       <a:srgbClr val="000000"/>
                     </a:solidFill>
@@ -23552,7 +23553,7 @@
               </a:ln>
               <a:extLst>
                 <a:ext uri="{91240B29-F687-4f45-9708-019B960494DF}">
-                  <a14:hiddenLine xmlns="" xmlns:a14="http://schemas.microsoft.com/office/drawing/2010/main" w="9525">
+                  <a14:hiddenLine xmlns:a14="http://schemas.microsoft.com/office/drawing/2010/main" xmlns="" w="9525">
                     <a:solidFill>
                       <a:srgbClr val="000000"/>
                     </a:solidFill>
@@ -23614,7 +23615,7 @@
               </a:ln>
               <a:extLst>
                 <a:ext uri="{91240B29-F687-4f45-9708-019B960494DF}">
-                  <a14:hiddenLine xmlns="" xmlns:a14="http://schemas.microsoft.com/office/drawing/2010/main" w="9525">
+                  <a14:hiddenLine xmlns:a14="http://schemas.microsoft.com/office/drawing/2010/main" xmlns="" w="9525">
                     <a:solidFill>
                       <a:srgbClr val="000000"/>
                     </a:solidFill>
@@ -23704,7 +23705,7 @@
               </a:ln>
               <a:extLst>
                 <a:ext uri="{91240B29-F687-4f45-9708-019B960494DF}">
-                  <a14:hiddenLine xmlns="" xmlns:a14="http://schemas.microsoft.com/office/drawing/2010/main" w="9525">
+                  <a14:hiddenLine xmlns:a14="http://schemas.microsoft.com/office/drawing/2010/main" xmlns="" w="9525">
                     <a:solidFill>
                       <a:srgbClr val="000000"/>
                     </a:solidFill>
@@ -23738,7 +23739,7 @@
               </a:ln>
               <a:extLst>
                 <a:ext uri="{91240B29-F687-4f45-9708-019B960494DF}">
-                  <a14:hiddenLine xmlns="" xmlns:a14="http://schemas.microsoft.com/office/drawing/2010/main" w="9525">
+                  <a14:hiddenLine xmlns:a14="http://schemas.microsoft.com/office/drawing/2010/main" xmlns="" w="9525">
                     <a:solidFill>
                       <a:srgbClr val="000000"/>
                     </a:solidFill>
@@ -23803,7 +23804,7 @@
               </a:ln>
               <a:extLst>
                 <a:ext uri="{91240B29-F687-4f45-9708-019B960494DF}">
-                  <a14:hiddenLine xmlns="" xmlns:a14="http://schemas.microsoft.com/office/drawing/2010/main" w="9525">
+                  <a14:hiddenLine xmlns:a14="http://schemas.microsoft.com/office/drawing/2010/main" xmlns="" w="9525">
                     <a:solidFill>
                       <a:srgbClr val="000000"/>
                     </a:solidFill>
@@ -23893,7 +23894,7 @@
               </a:ln>
               <a:extLst>
                 <a:ext uri="{91240B29-F687-4f45-9708-019B960494DF}">
-                  <a14:hiddenLine xmlns="" xmlns:a14="http://schemas.microsoft.com/office/drawing/2010/main" w="9525">
+                  <a14:hiddenLine xmlns:a14="http://schemas.microsoft.com/office/drawing/2010/main" xmlns="" w="9525">
                     <a:solidFill>
                       <a:srgbClr val="000000"/>
                     </a:solidFill>
@@ -23955,7 +23956,7 @@
               </a:ln>
               <a:extLst>
                 <a:ext uri="{91240B29-F687-4f45-9708-019B960494DF}">
-                  <a14:hiddenLine xmlns="" xmlns:a14="http://schemas.microsoft.com/office/drawing/2010/main" w="9525">
+                  <a14:hiddenLine xmlns:a14="http://schemas.microsoft.com/office/drawing/2010/main" xmlns="" w="9525">
                     <a:solidFill>
                       <a:srgbClr val="000000"/>
                     </a:solidFill>
@@ -24045,7 +24046,7 @@
               </a:ln>
               <a:extLst>
                 <a:ext uri="{91240B29-F687-4f45-9708-019B960494DF}">
-                  <a14:hiddenLine xmlns="" xmlns:a14="http://schemas.microsoft.com/office/drawing/2010/main" w="9525">
+                  <a14:hiddenLine xmlns:a14="http://schemas.microsoft.com/office/drawing/2010/main" xmlns="" w="9525">
                     <a:solidFill>
                       <a:srgbClr val="000000"/>
                     </a:solidFill>
@@ -24110,7 +24111,7 @@
               </a:ln>
               <a:extLst>
                 <a:ext uri="{91240B29-F687-4f45-9708-019B960494DF}">
-                  <a14:hiddenLine xmlns="" xmlns:a14="http://schemas.microsoft.com/office/drawing/2010/main" w="9525">
+                  <a14:hiddenLine xmlns:a14="http://schemas.microsoft.com/office/drawing/2010/main" xmlns="" w="9525">
                     <a:solidFill>
                       <a:srgbClr val="000000"/>
                     </a:solidFill>
@@ -24172,7 +24173,7 @@
               </a:ln>
               <a:extLst>
                 <a:ext uri="{91240B29-F687-4f45-9708-019B960494DF}">
-                  <a14:hiddenLine xmlns="" xmlns:a14="http://schemas.microsoft.com/office/drawing/2010/main" w="9525">
+                  <a14:hiddenLine xmlns:a14="http://schemas.microsoft.com/office/drawing/2010/main" xmlns="" w="9525">
                     <a:solidFill>
                       <a:srgbClr val="000000"/>
                     </a:solidFill>
@@ -24262,7 +24263,7 @@
               </a:ln>
               <a:extLst>
                 <a:ext uri="{91240B29-F687-4f45-9708-019B960494DF}">
-                  <a14:hiddenLine xmlns="" xmlns:a14="http://schemas.microsoft.com/office/drawing/2010/main" w="9525">
+                  <a14:hiddenLine xmlns:a14="http://schemas.microsoft.com/office/drawing/2010/main" xmlns="" w="9525">
                     <a:solidFill>
                       <a:srgbClr val="000000"/>
                     </a:solidFill>
@@ -24352,7 +24353,7 @@
               </a:ln>
               <a:extLst>
                 <a:ext uri="{91240B29-F687-4f45-9708-019B960494DF}">
-                  <a14:hiddenLine xmlns="" xmlns:a14="http://schemas.microsoft.com/office/drawing/2010/main" w="9525">
+                  <a14:hiddenLine xmlns:a14="http://schemas.microsoft.com/office/drawing/2010/main" xmlns="" w="9525">
                     <a:solidFill>
                       <a:srgbClr val="000000"/>
                     </a:solidFill>
@@ -24417,7 +24418,7 @@
               </a:ln>
               <a:extLst>
                 <a:ext uri="{91240B29-F687-4f45-9708-019B960494DF}">
-                  <a14:hiddenLine xmlns="" xmlns:a14="http://schemas.microsoft.com/office/drawing/2010/main" w="9525">
+                  <a14:hiddenLine xmlns:a14="http://schemas.microsoft.com/office/drawing/2010/main" xmlns="" w="9525">
                     <a:solidFill>
                       <a:srgbClr val="000000"/>
                     </a:solidFill>
@@ -24537,7 +24538,7 @@
               </a:ln>
               <a:extLst>
                 <a:ext uri="{91240B29-F687-4f45-9708-019B960494DF}">
-                  <a14:hiddenLine xmlns="" xmlns:a14="http://schemas.microsoft.com/office/drawing/2010/main" w="9525">
+                  <a14:hiddenLine xmlns:a14="http://schemas.microsoft.com/office/drawing/2010/main" xmlns="" w="9525">
                     <a:solidFill>
                       <a:srgbClr val="000000"/>
                     </a:solidFill>
@@ -24635,7 +24636,7 @@
               </a:ln>
               <a:extLst>
                 <a:ext uri="{91240B29-F687-4f45-9708-019B960494DF}">
-                  <a14:hiddenLine xmlns="" xmlns:a14="http://schemas.microsoft.com/office/drawing/2010/main" w="9525">
+                  <a14:hiddenLine xmlns:a14="http://schemas.microsoft.com/office/drawing/2010/main" xmlns="" w="9525">
                     <a:solidFill>
                       <a:srgbClr val="000000"/>
                     </a:solidFill>
@@ -24750,7 +24751,7 @@
               </a:ln>
               <a:extLst>
                 <a:ext uri="{91240B29-F687-4f45-9708-019B960494DF}">
-                  <a14:hiddenLine xmlns="" xmlns:a14="http://schemas.microsoft.com/office/drawing/2010/main" w="9525">
+                  <a14:hiddenLine xmlns:a14="http://schemas.microsoft.com/office/drawing/2010/main" xmlns="" w="9525">
                     <a:solidFill>
                       <a:srgbClr val="000000"/>
                     </a:solidFill>
@@ -24840,7 +24841,7 @@
               </a:ln>
               <a:extLst>
                 <a:ext uri="{91240B29-F687-4f45-9708-019B960494DF}">
-                  <a14:hiddenLine xmlns="" xmlns:a14="http://schemas.microsoft.com/office/drawing/2010/main" w="9525">
+                  <a14:hiddenLine xmlns:a14="http://schemas.microsoft.com/office/drawing/2010/main" xmlns="" w="9525">
                     <a:solidFill>
                       <a:srgbClr val="000000"/>
                     </a:solidFill>
@@ -24905,7 +24906,7 @@
               </a:ln>
               <a:extLst>
                 <a:ext uri="{91240B29-F687-4f45-9708-019B960494DF}">
-                  <a14:hiddenLine xmlns="" xmlns:a14="http://schemas.microsoft.com/office/drawing/2010/main" w="9525">
+                  <a14:hiddenLine xmlns:a14="http://schemas.microsoft.com/office/drawing/2010/main" xmlns="" w="9525">
                     <a:solidFill>
                       <a:srgbClr val="000000"/>
                     </a:solidFill>
@@ -24995,7 +24996,7 @@
               </a:ln>
               <a:extLst>
                 <a:ext uri="{91240B29-F687-4f45-9708-019B960494DF}">
-                  <a14:hiddenLine xmlns="" xmlns:a14="http://schemas.microsoft.com/office/drawing/2010/main" w="9525">
+                  <a14:hiddenLine xmlns:a14="http://schemas.microsoft.com/office/drawing/2010/main" xmlns="" w="9525">
                     <a:solidFill>
                       <a:srgbClr val="000000"/>
                     </a:solidFill>
@@ -25063,7 +25064,7 @@
               </a:ln>
               <a:extLst>
                 <a:ext uri="{91240B29-F687-4f45-9708-019B960494DF}">
-                  <a14:hiddenLine xmlns="" xmlns:a14="http://schemas.microsoft.com/office/drawing/2010/main" w="9525">
+                  <a14:hiddenLine xmlns:a14="http://schemas.microsoft.com/office/drawing/2010/main" xmlns="" w="9525">
                     <a:solidFill>
                       <a:srgbClr val="000000"/>
                     </a:solidFill>
@@ -25153,7 +25154,7 @@
               </a:ln>
               <a:extLst>
                 <a:ext uri="{91240B29-F687-4f45-9708-019B960494DF}">
-                  <a14:hiddenLine xmlns="" xmlns:a14="http://schemas.microsoft.com/office/drawing/2010/main" w="9525">
+                  <a14:hiddenLine xmlns:a14="http://schemas.microsoft.com/office/drawing/2010/main" xmlns="" w="9525">
                     <a:solidFill>
                       <a:srgbClr val="000000"/>
                     </a:solidFill>
@@ -25221,7 +25222,7 @@
               </a:ln>
               <a:extLst>
                 <a:ext uri="{91240B29-F687-4f45-9708-019B960494DF}">
-                  <a14:hiddenLine xmlns="" xmlns:a14="http://schemas.microsoft.com/office/drawing/2010/main" w="9525">
+                  <a14:hiddenLine xmlns:a14="http://schemas.microsoft.com/office/drawing/2010/main" xmlns="" w="9525">
                     <a:solidFill>
                       <a:srgbClr val="000000"/>
                     </a:solidFill>
@@ -25311,7 +25312,7 @@
               </a:ln>
               <a:extLst>
                 <a:ext uri="{91240B29-F687-4f45-9708-019B960494DF}">
-                  <a14:hiddenLine xmlns="" xmlns:a14="http://schemas.microsoft.com/office/drawing/2010/main" w="9525">
+                  <a14:hiddenLine xmlns:a14="http://schemas.microsoft.com/office/drawing/2010/main" xmlns="" w="9525">
                     <a:solidFill>
                       <a:srgbClr val="000000"/>
                     </a:solidFill>
@@ -25345,7 +25346,7 @@
               </a:ln>
               <a:extLst>
                 <a:ext uri="{91240B29-F687-4f45-9708-019B960494DF}">
-                  <a14:hiddenLine xmlns="" xmlns:a14="http://schemas.microsoft.com/office/drawing/2010/main" w="9525">
+                  <a14:hiddenLine xmlns:a14="http://schemas.microsoft.com/office/drawing/2010/main" xmlns="" w="9525">
                     <a:solidFill>
                       <a:srgbClr val="000000"/>
                     </a:solidFill>
@@ -25485,7 +25486,7 @@
           <a:p>
             <a:fld id="{80139259-DACC-E64E-819B-A11CC9019836}" type="datetimeFigureOut">
               <a:rPr lang="en-US" smtClean="0"/>
-              <a:t>7/19/19</a:t>
+              <a:t>7/26/19</a:t>
             </a:fld>
             <a:endParaRPr lang="en-US"/>
           </a:p>
@@ -26316,6 +26317,3905 @@
 <file path=ppt/slides/slide2.xml><?xml version="1.0" encoding="utf-8"?>
 <p:sld xmlns:a="http://schemas.openxmlformats.org/drawingml/2006/main" xmlns:r="http://schemas.openxmlformats.org/officeDocument/2006/relationships" xmlns:p="http://schemas.openxmlformats.org/presentationml/2006/main">
   <p:cSld>
+    <p:bg>
+      <p:bgPr>
+        <a:gradFill>
+          <a:gsLst>
+            <a:gs pos="0">
+              <a:schemeClr val="accent1">
+                <a:lumMod val="5000"/>
+                <a:lumOff val="95000"/>
+              </a:schemeClr>
+            </a:gs>
+            <a:gs pos="51000">
+              <a:schemeClr val="accent1">
+                <a:lumMod val="45000"/>
+                <a:lumOff val="55000"/>
+              </a:schemeClr>
+            </a:gs>
+            <a:gs pos="76000">
+              <a:schemeClr val="accent1">
+                <a:lumMod val="45000"/>
+                <a:lumOff val="55000"/>
+              </a:schemeClr>
+            </a:gs>
+            <a:gs pos="100000">
+              <a:schemeClr val="accent1">
+                <a:lumMod val="30000"/>
+                <a:lumOff val="70000"/>
+              </a:schemeClr>
+            </a:gs>
+          </a:gsLst>
+          <a:lin ang="5400000" scaled="1"/>
+        </a:gradFill>
+        <a:effectLst/>
+      </p:bgPr>
+    </p:bg>
+    <p:spTree>
+      <p:nvGrpSpPr>
+        <p:cNvPr id="1" name=""/>
+        <p:cNvGrpSpPr/>
+        <p:nvPr/>
+      </p:nvGrpSpPr>
+      <p:grpSpPr>
+        <a:xfrm>
+          <a:off x="0" y="0"/>
+          <a:ext cx="0" cy="0"/>
+          <a:chOff x="0" y="0"/>
+          <a:chExt cx="0" cy="0"/>
+        </a:xfrm>
+      </p:grpSpPr>
+      <p:pic>
+        <p:nvPicPr>
+          <p:cNvPr id="13" name="Picture 2">
+            <a:extLst>
+              <a:ext uri="{FF2B5EF4-FFF2-40B4-BE49-F238E27FC236}">
+                <a16:creationId xmlns:a16="http://schemas.microsoft.com/office/drawing/2014/main" id="{6551C300-1D7A-46C3-9EF6-0EAC9B1E1F53}"/>
+              </a:ext>
+              <a:ext uri="{C183D7F6-B498-43B3-948B-1728B52AA6E4}">
+                <adec:decorative xmlns:adec="http://schemas.microsoft.com/office/drawing/2017/decorative" val="1"/>
+              </a:ext>
+            </a:extLst>
+          </p:cNvPr>
+          <p:cNvPicPr>
+            <a:picLocks noGrp="1" noRot="1" noChangeAspect="1" noMove="1" noResize="1" noEditPoints="1" noAdjustHandles="1" noChangeArrowheads="1" noChangeShapeType="1" noCrop="1"/>
+          </p:cNvPicPr>
+          <p:nvPr>
+            <p:extLst>
+              <p:ext uri="{386F3935-93C4-4BCD-93E2-E3B085C9AB24}">
+                <p16:designElem xmlns:p16="http://schemas.microsoft.com/office/powerpoint/2015/main" val="1"/>
+              </p:ext>
+            </p:extLst>
+          </p:nvPr>
+        </p:nvPicPr>
+        <p:blipFill>
+          <a:blip r:embed="rId2">
+            <a:alphaModFix amt="30000"/>
+            <a:extLst>
+              <a:ext uri="{28A0092B-C50C-407E-A947-70E740481C1C}">
+                <a14:useLocalDpi xmlns:a14="http://schemas.microsoft.com/office/drawing/2010/main" val="0"/>
+              </a:ext>
+            </a:extLst>
+          </a:blip>
+          <a:srcRect/>
+          <a:stretch>
+            <a:fillRect/>
+          </a:stretch>
+        </p:blipFill>
+        <p:spPr bwMode="auto">
+          <a:xfrm>
+            <a:off x="0" y="0"/>
+            <a:ext cx="9144002" cy="6858001"/>
+          </a:xfrm>
+          <a:prstGeom prst="rect">
+            <a:avLst/>
+          </a:prstGeom>
+          <a:noFill/>
+          <a:extLst>
+            <a:ext uri="{909E8E84-426E-40dd-AFC4-6F175D3DCCD1}">
+              <a14:hiddenFill xmlns="" xmlns:a16="http://schemas.microsoft.com/office/drawing/2014/main" xmlns:p14="http://schemas.microsoft.com/office/powerpoint/2010/main" xmlns:a14="http://schemas.microsoft.com/office/drawing/2010/main">
+                <a:solidFill>
+                  <a:srgbClr val="FFFFFF"/>
+                </a:solidFill>
+              </a14:hiddenFill>
+            </a:ext>
+          </a:extLst>
+        </p:spPr>
+      </p:pic>
+      <p:grpSp>
+        <p:nvGrpSpPr>
+          <p:cNvPr id="15" name="Group 14">
+            <a:extLst>
+              <a:ext uri="{FF2B5EF4-FFF2-40B4-BE49-F238E27FC236}">
+                <a16:creationId xmlns:a16="http://schemas.microsoft.com/office/drawing/2014/main" id="{8EC1EDC6-1B42-4FCD-BC53-B1D05BFF2E3F}"/>
+              </a:ext>
+              <a:ext uri="{C183D7F6-B498-43B3-948B-1728B52AA6E4}">
+                <adec:decorative xmlns:adec="http://schemas.microsoft.com/office/drawing/2017/decorative" val="1"/>
+              </a:ext>
+            </a:extLst>
+          </p:cNvPr>
+          <p:cNvGrpSpPr>
+            <a:grpSpLocks noGrp="1" noUngrp="1" noRot="1" noChangeAspect="1" noMove="1" noResize="1"/>
+          </p:cNvGrpSpPr>
+          <p:nvPr>
+            <p:extLst>
+              <p:ext uri="{386F3935-93C4-4BCD-93E2-E3B085C9AB24}">
+                <p16:designElem xmlns:p16="http://schemas.microsoft.com/office/powerpoint/2015/main" val="1"/>
+              </p:ext>
+            </p:extLst>
+          </p:nvPr>
+        </p:nvGrpSpPr>
+        <p:grpSpPr>
+          <a:xfrm>
+            <a:off x="-10715" y="0"/>
+            <a:ext cx="9040414" cy="6858001"/>
+            <a:chOff x="-14288" y="0"/>
+            <a:chExt cx="12053888" cy="6858001"/>
+          </a:xfrm>
+        </p:grpSpPr>
+        <p:grpSp>
+          <p:nvGrpSpPr>
+            <p:cNvPr id="16" name="Group 15">
+              <a:extLst>
+                <a:ext uri="{FF2B5EF4-FFF2-40B4-BE49-F238E27FC236}">
+                  <a16:creationId xmlns:a16="http://schemas.microsoft.com/office/drawing/2014/main" id="{633EFBCB-98A2-4F16-B3BB-BF9EC17846B7}"/>
+                </a:ext>
+                <a:ext uri="{C183D7F6-B498-43B3-948B-1728B52AA6E4}">
+                  <adec:decorative xmlns:adec="http://schemas.microsoft.com/office/drawing/2017/decorative" val="1"/>
+                </a:ext>
+              </a:extLst>
+            </p:cNvPr>
+            <p:cNvGrpSpPr/>
+            <p:nvPr>
+              <p:extLst>
+                <p:ext uri="{386F3935-93C4-4BCD-93E2-E3B085C9AB24}">
+                  <p16:designElem xmlns:p16="http://schemas.microsoft.com/office/powerpoint/2015/main" val="1"/>
+                </p:ext>
+              </p:extLst>
+            </p:nvPr>
+          </p:nvGrpSpPr>
+          <p:grpSpPr>
+            <a:xfrm>
+              <a:off x="-14288" y="0"/>
+              <a:ext cx="1220788" cy="6858001"/>
+              <a:chOff x="-14288" y="0"/>
+              <a:chExt cx="1220788" cy="6858001"/>
+            </a:xfrm>
+            <a:gradFill flip="none" rotWithShape="1">
+              <a:gsLst>
+                <a:gs pos="0">
+                  <a:schemeClr val="tx2"/>
+                </a:gs>
+                <a:gs pos="100000">
+                  <a:schemeClr val="bg2">
+                    <a:lumMod val="60000"/>
+                    <a:lumOff val="40000"/>
+                  </a:schemeClr>
+                </a:gs>
+              </a:gsLst>
+              <a:lin ang="5400000" scaled="0"/>
+              <a:tileRect/>
+            </a:gradFill>
+          </p:grpSpPr>
+          <p:sp>
+            <p:nvSpPr>
+              <p:cNvPr id="28" name="Rectangle 5">
+                <a:extLst>
+                  <a:ext uri="{FF2B5EF4-FFF2-40B4-BE49-F238E27FC236}">
+                    <a16:creationId xmlns:a16="http://schemas.microsoft.com/office/drawing/2014/main" id="{B399E29C-9CF8-4BD1-8750-949BA21268EA}"/>
+                  </a:ext>
+                  <a:ext uri="{C183D7F6-B498-43B3-948B-1728B52AA6E4}">
+                    <adec:decorative xmlns:adec="http://schemas.microsoft.com/office/drawing/2017/decorative" val="1"/>
+                  </a:ext>
+                </a:extLst>
+              </p:cNvPr>
+              <p:cNvSpPr>
+                <a:spLocks noChangeArrowheads="1"/>
+              </p:cNvSpPr>
+              <p:nvPr>
+                <p:extLst>
+                  <p:ext uri="{386F3935-93C4-4BCD-93E2-E3B085C9AB24}">
+                    <p16:designElem xmlns:p16="http://schemas.microsoft.com/office/powerpoint/2015/main" val="1"/>
+                  </p:ext>
+                </p:extLst>
+              </p:nvPr>
+            </p:nvSpPr>
+            <p:spPr bwMode="auto">
+              <a:xfrm>
+                <a:off x="114300" y="4763"/>
+                <a:ext cx="23813" cy="2181225"/>
+              </a:xfrm>
+              <a:prstGeom prst="rect">
+                <a:avLst/>
+              </a:prstGeom>
+              <a:grpFill/>
+              <a:ln>
+                <a:noFill/>
+              </a:ln>
+              <a:extLst>
+                <a:ext uri="{91240B29-F687-4f45-9708-019B960494DF}">
+                  <a14:hiddenLine xmlns="" xmlns:a16="http://schemas.microsoft.com/office/drawing/2014/main" xmlns:p14="http://schemas.microsoft.com/office/powerpoint/2010/main" xmlns:a14="http://schemas.microsoft.com/office/drawing/2010/main" w="9525">
+                    <a:solidFill>
+                      <a:srgbClr val="000000"/>
+                    </a:solidFill>
+                    <a:miter lim="800000"/>
+                    <a:headEnd/>
+                    <a:tailEnd/>
+                  </a14:hiddenLine>
+                </a:ext>
+              </a:extLst>
+            </p:spPr>
+          </p:sp>
+          <p:sp>
+            <p:nvSpPr>
+              <p:cNvPr id="29" name="Freeform 6">
+                <a:extLst>
+                  <a:ext uri="{FF2B5EF4-FFF2-40B4-BE49-F238E27FC236}">
+                    <a16:creationId xmlns:a16="http://schemas.microsoft.com/office/drawing/2014/main" id="{CB02DFF7-56DA-42B6-B49A-C8926B841ADD}"/>
+                  </a:ext>
+                  <a:ext uri="{C183D7F6-B498-43B3-948B-1728B52AA6E4}">
+                    <adec:decorative xmlns:adec="http://schemas.microsoft.com/office/drawing/2017/decorative" val="1"/>
+                  </a:ext>
+                </a:extLst>
+              </p:cNvPr>
+              <p:cNvSpPr>
+                <a:spLocks noEditPoints="1"/>
+              </p:cNvSpPr>
+              <p:nvPr>
+                <p:extLst>
+                  <p:ext uri="{386F3935-93C4-4BCD-93E2-E3B085C9AB24}">
+                    <p16:designElem xmlns:p16="http://schemas.microsoft.com/office/powerpoint/2015/main" val="1"/>
+                  </p:ext>
+                </p:extLst>
+              </p:nvPr>
+            </p:nvSpPr>
+            <p:spPr bwMode="auto">
+              <a:xfrm>
+                <a:off x="33337" y="2176463"/>
+                <a:ext cx="190500" cy="190500"/>
+              </a:xfrm>
+              <a:custGeom>
+                <a:avLst/>
+                <a:gdLst/>
+                <a:ahLst/>
+                <a:cxnLst/>
+                <a:rect l="0" t="0" r="r" b="b"/>
+                <a:pathLst>
+                  <a:path w="40" h="40">
+                    <a:moveTo>
+                      <a:pt x="20" y="40"/>
+                    </a:moveTo>
+                    <a:cubicBezTo>
+                      <a:pt x="9" y="40"/>
+                      <a:pt x="0" y="31"/>
+                      <a:pt x="0" y="20"/>
+                    </a:cubicBezTo>
+                    <a:cubicBezTo>
+                      <a:pt x="0" y="9"/>
+                      <a:pt x="9" y="0"/>
+                      <a:pt x="20" y="0"/>
+                    </a:cubicBezTo>
+                    <a:cubicBezTo>
+                      <a:pt x="31" y="0"/>
+                      <a:pt x="40" y="9"/>
+                      <a:pt x="40" y="20"/>
+                    </a:cubicBezTo>
+                    <a:cubicBezTo>
+                      <a:pt x="40" y="31"/>
+                      <a:pt x="31" y="40"/>
+                      <a:pt x="20" y="40"/>
+                    </a:cubicBezTo>
+                    <a:close/>
+                    <a:moveTo>
+                      <a:pt x="20" y="4"/>
+                    </a:moveTo>
+                    <a:cubicBezTo>
+                      <a:pt x="11" y="4"/>
+                      <a:pt x="4" y="11"/>
+                      <a:pt x="4" y="20"/>
+                    </a:cubicBezTo>
+                    <a:cubicBezTo>
+                      <a:pt x="4" y="29"/>
+                      <a:pt x="11" y="36"/>
+                      <a:pt x="20" y="36"/>
+                    </a:cubicBezTo>
+                    <a:cubicBezTo>
+                      <a:pt x="28" y="36"/>
+                      <a:pt x="36" y="29"/>
+                      <a:pt x="36" y="20"/>
+                    </a:cubicBezTo>
+                    <a:cubicBezTo>
+                      <a:pt x="36" y="11"/>
+                      <a:pt x="28" y="4"/>
+                      <a:pt x="20" y="4"/>
+                    </a:cubicBezTo>
+                    <a:close/>
+                  </a:path>
+                </a:pathLst>
+              </a:custGeom>
+              <a:grpFill/>
+              <a:ln>
+                <a:noFill/>
+              </a:ln>
+              <a:extLst>
+                <a:ext uri="{91240B29-F687-4f45-9708-019B960494DF}">
+                  <a14:hiddenLine xmlns="" xmlns:a16="http://schemas.microsoft.com/office/drawing/2014/main" xmlns:p14="http://schemas.microsoft.com/office/powerpoint/2010/main" xmlns:a14="http://schemas.microsoft.com/office/drawing/2010/main" w="9525">
+                    <a:solidFill>
+                      <a:srgbClr val="000000"/>
+                    </a:solidFill>
+                    <a:round/>
+                    <a:headEnd/>
+                    <a:tailEnd/>
+                  </a14:hiddenLine>
+                </a:ext>
+              </a:extLst>
+            </p:spPr>
+          </p:sp>
+          <p:sp>
+            <p:nvSpPr>
+              <p:cNvPr id="30" name="Freeform 7">
+                <a:extLst>
+                  <a:ext uri="{FF2B5EF4-FFF2-40B4-BE49-F238E27FC236}">
+                    <a16:creationId xmlns:a16="http://schemas.microsoft.com/office/drawing/2014/main" id="{07F77B45-21CD-43DB-AD58-24F8145021BC}"/>
+                  </a:ext>
+                  <a:ext uri="{C183D7F6-B498-43B3-948B-1728B52AA6E4}">
+                    <adec:decorative xmlns:adec="http://schemas.microsoft.com/office/drawing/2017/decorative" val="1"/>
+                  </a:ext>
+                </a:extLst>
+              </p:cNvPr>
+              <p:cNvSpPr>
+                <a:spLocks noEditPoints="1"/>
+              </p:cNvSpPr>
+              <p:nvPr>
+                <p:extLst>
+                  <p:ext uri="{386F3935-93C4-4BCD-93E2-E3B085C9AB24}">
+                    <p16:designElem xmlns:p16="http://schemas.microsoft.com/office/powerpoint/2015/main" val="1"/>
+                  </p:ext>
+                </p:extLst>
+              </p:nvPr>
+            </p:nvSpPr>
+            <p:spPr bwMode="auto">
+              <a:xfrm>
+                <a:off x="28575" y="4021138"/>
+                <a:ext cx="190500" cy="188913"/>
+              </a:xfrm>
+              <a:custGeom>
+                <a:avLst/>
+                <a:gdLst/>
+                <a:ahLst/>
+                <a:cxnLst/>
+                <a:rect l="0" t="0" r="r" b="b"/>
+                <a:pathLst>
+                  <a:path w="40" h="40">
+                    <a:moveTo>
+                      <a:pt x="20" y="40"/>
+                    </a:moveTo>
+                    <a:cubicBezTo>
+                      <a:pt x="9" y="40"/>
+                      <a:pt x="0" y="31"/>
+                      <a:pt x="0" y="20"/>
+                    </a:cubicBezTo>
+                    <a:cubicBezTo>
+                      <a:pt x="0" y="9"/>
+                      <a:pt x="9" y="0"/>
+                      <a:pt x="20" y="0"/>
+                    </a:cubicBezTo>
+                    <a:cubicBezTo>
+                      <a:pt x="31" y="0"/>
+                      <a:pt x="40" y="9"/>
+                      <a:pt x="40" y="20"/>
+                    </a:cubicBezTo>
+                    <a:cubicBezTo>
+                      <a:pt x="40" y="31"/>
+                      <a:pt x="31" y="40"/>
+                      <a:pt x="20" y="40"/>
+                    </a:cubicBezTo>
+                    <a:close/>
+                    <a:moveTo>
+                      <a:pt x="20" y="4"/>
+                    </a:moveTo>
+                    <a:cubicBezTo>
+                      <a:pt x="12" y="4"/>
+                      <a:pt x="4" y="11"/>
+                      <a:pt x="4" y="20"/>
+                    </a:cubicBezTo>
+                    <a:cubicBezTo>
+                      <a:pt x="4" y="29"/>
+                      <a:pt x="12" y="36"/>
+                      <a:pt x="20" y="36"/>
+                    </a:cubicBezTo>
+                    <a:cubicBezTo>
+                      <a:pt x="29" y="36"/>
+                      <a:pt x="36" y="29"/>
+                      <a:pt x="36" y="20"/>
+                    </a:cubicBezTo>
+                    <a:cubicBezTo>
+                      <a:pt x="36" y="11"/>
+                      <a:pt x="29" y="4"/>
+                      <a:pt x="20" y="4"/>
+                    </a:cubicBezTo>
+                    <a:close/>
+                  </a:path>
+                </a:pathLst>
+              </a:custGeom>
+              <a:grpFill/>
+              <a:ln>
+                <a:noFill/>
+              </a:ln>
+              <a:extLst>
+                <a:ext uri="{91240B29-F687-4f45-9708-019B960494DF}">
+                  <a14:hiddenLine xmlns="" xmlns:a16="http://schemas.microsoft.com/office/drawing/2014/main" xmlns:p14="http://schemas.microsoft.com/office/powerpoint/2010/main" xmlns:a14="http://schemas.microsoft.com/office/drawing/2010/main" w="9525">
+                    <a:solidFill>
+                      <a:srgbClr val="000000"/>
+                    </a:solidFill>
+                    <a:round/>
+                    <a:headEnd/>
+                    <a:tailEnd/>
+                  </a14:hiddenLine>
+                </a:ext>
+              </a:extLst>
+            </p:spPr>
+          </p:sp>
+          <p:sp>
+            <p:nvSpPr>
+              <p:cNvPr id="31" name="Freeform 8">
+                <a:extLst>
+                  <a:ext uri="{FF2B5EF4-FFF2-40B4-BE49-F238E27FC236}">
+                    <a16:creationId xmlns:a16="http://schemas.microsoft.com/office/drawing/2014/main" id="{F0151C40-12A4-4A09-A8B6-179A062EF649}"/>
+                  </a:ext>
+                  <a:ext uri="{C183D7F6-B498-43B3-948B-1728B52AA6E4}">
+                    <adec:decorative xmlns:adec="http://schemas.microsoft.com/office/drawing/2017/decorative" val="1"/>
+                  </a:ext>
+                </a:extLst>
+              </p:cNvPr>
+              <p:cNvSpPr/>
+              <p:nvPr>
+                <p:extLst>
+                  <p:ext uri="{386F3935-93C4-4BCD-93E2-E3B085C9AB24}">
+                    <p16:designElem xmlns:p16="http://schemas.microsoft.com/office/powerpoint/2015/main" val="1"/>
+                  </p:ext>
+                </p:extLst>
+              </p:nvPr>
+            </p:nvSpPr>
+            <p:spPr bwMode="auto">
+              <a:xfrm>
+                <a:off x="200025" y="4763"/>
+                <a:ext cx="369888" cy="1811338"/>
+              </a:xfrm>
+              <a:custGeom>
+                <a:avLst/>
+                <a:gdLst/>
+                <a:ahLst/>
+                <a:cxnLst/>
+                <a:rect l="0" t="0" r="r" b="b"/>
+                <a:pathLst>
+                  <a:path w="233" h="1141">
+                    <a:moveTo>
+                      <a:pt x="218" y="1141"/>
+                    </a:moveTo>
+                    <a:lnTo>
+                      <a:pt x="0" y="626"/>
+                    </a:lnTo>
+                    <a:lnTo>
+                      <a:pt x="0" y="0"/>
+                    </a:lnTo>
+                    <a:lnTo>
+                      <a:pt x="15" y="0"/>
+                    </a:lnTo>
+                    <a:lnTo>
+                      <a:pt x="15" y="623"/>
+                    </a:lnTo>
+                    <a:lnTo>
+                      <a:pt x="233" y="1135"/>
+                    </a:lnTo>
+                    <a:lnTo>
+                      <a:pt x="218" y="1141"/>
+                    </a:lnTo>
+                    <a:close/>
+                  </a:path>
+                </a:pathLst>
+              </a:custGeom>
+              <a:grpFill/>
+              <a:ln>
+                <a:noFill/>
+              </a:ln>
+              <a:extLst>
+                <a:ext uri="{91240B29-F687-4f45-9708-019B960494DF}">
+                  <a14:hiddenLine xmlns="" xmlns:a16="http://schemas.microsoft.com/office/drawing/2014/main" xmlns:p14="http://schemas.microsoft.com/office/powerpoint/2010/main" xmlns:a14="http://schemas.microsoft.com/office/drawing/2010/main" w="9525">
+                    <a:solidFill>
+                      <a:srgbClr val="000000"/>
+                    </a:solidFill>
+                    <a:round/>
+                    <a:headEnd/>
+                    <a:tailEnd/>
+                  </a14:hiddenLine>
+                </a:ext>
+              </a:extLst>
+            </p:spPr>
+          </p:sp>
+          <p:sp>
+            <p:nvSpPr>
+              <p:cNvPr id="32" name="Freeform 9">
+                <a:extLst>
+                  <a:ext uri="{FF2B5EF4-FFF2-40B4-BE49-F238E27FC236}">
+                    <a16:creationId xmlns:a16="http://schemas.microsoft.com/office/drawing/2014/main" id="{F0146EA7-EB82-410D-A6ED-7C10C525ADC4}"/>
+                  </a:ext>
+                  <a:ext uri="{C183D7F6-B498-43B3-948B-1728B52AA6E4}">
+                    <adec:decorative xmlns:adec="http://schemas.microsoft.com/office/drawing/2017/decorative" val="1"/>
+                  </a:ext>
+                </a:extLst>
+              </p:cNvPr>
+              <p:cNvSpPr>
+                <a:spLocks noEditPoints="1"/>
+              </p:cNvSpPr>
+              <p:nvPr>
+                <p:extLst>
+                  <p:ext uri="{386F3935-93C4-4BCD-93E2-E3B085C9AB24}">
+                    <p16:designElem xmlns:p16="http://schemas.microsoft.com/office/powerpoint/2015/main" val="1"/>
+                  </p:ext>
+                </p:extLst>
+              </p:nvPr>
+            </p:nvSpPr>
+            <p:spPr bwMode="auto">
+              <a:xfrm>
+                <a:off x="503237" y="1801813"/>
+                <a:ext cx="190500" cy="188913"/>
+              </a:xfrm>
+              <a:custGeom>
+                <a:avLst/>
+                <a:gdLst/>
+                <a:ahLst/>
+                <a:cxnLst/>
+                <a:rect l="0" t="0" r="r" b="b"/>
+                <a:pathLst>
+                  <a:path w="40" h="40">
+                    <a:moveTo>
+                      <a:pt x="20" y="40"/>
+                    </a:moveTo>
+                    <a:cubicBezTo>
+                      <a:pt x="9" y="40"/>
+                      <a:pt x="0" y="31"/>
+                      <a:pt x="0" y="20"/>
+                    </a:cubicBezTo>
+                    <a:cubicBezTo>
+                      <a:pt x="0" y="9"/>
+                      <a:pt x="9" y="0"/>
+                      <a:pt x="20" y="0"/>
+                    </a:cubicBezTo>
+                    <a:cubicBezTo>
+                      <a:pt x="33" y="0"/>
+                      <a:pt x="40" y="6"/>
+                      <a:pt x="40" y="20"/>
+                    </a:cubicBezTo>
+                    <a:cubicBezTo>
+                      <a:pt x="40" y="31"/>
+                      <a:pt x="31" y="40"/>
+                      <a:pt x="20" y="40"/>
+                    </a:cubicBezTo>
+                    <a:close/>
+                    <a:moveTo>
+                      <a:pt x="20" y="4"/>
+                    </a:moveTo>
+                    <a:cubicBezTo>
+                      <a:pt x="11" y="4"/>
+                      <a:pt x="4" y="11"/>
+                      <a:pt x="4" y="20"/>
+                    </a:cubicBezTo>
+                    <a:cubicBezTo>
+                      <a:pt x="4" y="29"/>
+                      <a:pt x="11" y="36"/>
+                      <a:pt x="20" y="36"/>
+                    </a:cubicBezTo>
+                    <a:cubicBezTo>
+                      <a:pt x="28" y="36"/>
+                      <a:pt x="36" y="29"/>
+                      <a:pt x="36" y="20"/>
+                    </a:cubicBezTo>
+                    <a:cubicBezTo>
+                      <a:pt x="36" y="9"/>
+                      <a:pt x="31" y="4"/>
+                      <a:pt x="20" y="4"/>
+                    </a:cubicBezTo>
+                    <a:close/>
+                  </a:path>
+                </a:pathLst>
+              </a:custGeom>
+              <a:grpFill/>
+              <a:ln>
+                <a:noFill/>
+              </a:ln>
+              <a:extLst>
+                <a:ext uri="{91240B29-F687-4f45-9708-019B960494DF}">
+                  <a14:hiddenLine xmlns="" xmlns:a16="http://schemas.microsoft.com/office/drawing/2014/main" xmlns:p14="http://schemas.microsoft.com/office/powerpoint/2010/main" xmlns:a14="http://schemas.microsoft.com/office/drawing/2010/main" w="9525">
+                    <a:solidFill>
+                      <a:srgbClr val="000000"/>
+                    </a:solidFill>
+                    <a:round/>
+                    <a:headEnd/>
+                    <a:tailEnd/>
+                  </a14:hiddenLine>
+                </a:ext>
+              </a:extLst>
+            </p:spPr>
+          </p:sp>
+          <p:sp>
+            <p:nvSpPr>
+              <p:cNvPr id="33" name="Freeform 10">
+                <a:extLst>
+                  <a:ext uri="{FF2B5EF4-FFF2-40B4-BE49-F238E27FC236}">
+                    <a16:creationId xmlns:a16="http://schemas.microsoft.com/office/drawing/2014/main" id="{20DD5C02-0C86-4FA9-B82A-254EF58D376A}"/>
+                  </a:ext>
+                  <a:ext uri="{C183D7F6-B498-43B3-948B-1728B52AA6E4}">
+                    <adec:decorative xmlns:adec="http://schemas.microsoft.com/office/drawing/2017/decorative" val="1"/>
+                  </a:ext>
+                </a:extLst>
+              </p:cNvPr>
+              <p:cNvSpPr/>
+              <p:nvPr>
+                <p:extLst>
+                  <p:ext uri="{386F3935-93C4-4BCD-93E2-E3B085C9AB24}">
+                    <p16:designElem xmlns:p16="http://schemas.microsoft.com/office/powerpoint/2015/main" val="1"/>
+                  </p:ext>
+                </p:extLst>
+              </p:nvPr>
+            </p:nvSpPr>
+            <p:spPr bwMode="auto">
+              <a:xfrm>
+                <a:off x="285750" y="4763"/>
+                <a:ext cx="369888" cy="1430338"/>
+              </a:xfrm>
+              <a:custGeom>
+                <a:avLst/>
+                <a:gdLst/>
+                <a:ahLst/>
+                <a:cxnLst/>
+                <a:rect l="0" t="0" r="r" b="b"/>
+                <a:pathLst>
+                  <a:path w="233" h="901">
+                    <a:moveTo>
+                      <a:pt x="221" y="901"/>
+                    </a:moveTo>
+                    <a:lnTo>
+                      <a:pt x="0" y="383"/>
+                    </a:lnTo>
+                    <a:lnTo>
+                      <a:pt x="0" y="0"/>
+                    </a:lnTo>
+                    <a:lnTo>
+                      <a:pt x="18" y="0"/>
+                    </a:lnTo>
+                    <a:lnTo>
+                      <a:pt x="18" y="380"/>
+                    </a:lnTo>
+                    <a:lnTo>
+                      <a:pt x="233" y="895"/>
+                    </a:lnTo>
+                    <a:lnTo>
+                      <a:pt x="221" y="901"/>
+                    </a:lnTo>
+                    <a:close/>
+                  </a:path>
+                </a:pathLst>
+              </a:custGeom>
+              <a:grpFill/>
+              <a:ln>
+                <a:noFill/>
+              </a:ln>
+              <a:extLst>
+                <a:ext uri="{91240B29-F687-4f45-9708-019B960494DF}">
+                  <a14:hiddenLine xmlns="" xmlns:a16="http://schemas.microsoft.com/office/drawing/2014/main" xmlns:p14="http://schemas.microsoft.com/office/powerpoint/2010/main" xmlns:a14="http://schemas.microsoft.com/office/drawing/2010/main" w="9525">
+                    <a:solidFill>
+                      <a:srgbClr val="000000"/>
+                    </a:solidFill>
+                    <a:round/>
+                    <a:headEnd/>
+                    <a:tailEnd/>
+                  </a14:hiddenLine>
+                </a:ext>
+              </a:extLst>
+            </p:spPr>
+          </p:sp>
+          <p:sp>
+            <p:nvSpPr>
+              <p:cNvPr id="34" name="Freeform 11">
+                <a:extLst>
+                  <a:ext uri="{FF2B5EF4-FFF2-40B4-BE49-F238E27FC236}">
+                    <a16:creationId xmlns:a16="http://schemas.microsoft.com/office/drawing/2014/main" id="{19ED9FD5-1147-400A-8A32-82A74F7AD8F9}"/>
+                  </a:ext>
+                  <a:ext uri="{C183D7F6-B498-43B3-948B-1728B52AA6E4}">
+                    <adec:decorative xmlns:adec="http://schemas.microsoft.com/office/drawing/2017/decorative" val="1"/>
+                  </a:ext>
+                </a:extLst>
+              </p:cNvPr>
+              <p:cNvSpPr/>
+              <p:nvPr>
+                <p:extLst>
+                  <p:ext uri="{386F3935-93C4-4BCD-93E2-E3B085C9AB24}">
+                    <p16:designElem xmlns:p16="http://schemas.microsoft.com/office/powerpoint/2015/main" val="1"/>
+                  </p:ext>
+                </p:extLst>
+              </p:nvPr>
+            </p:nvSpPr>
+            <p:spPr bwMode="auto">
+              <a:xfrm>
+                <a:off x="546100" y="0"/>
+                <a:ext cx="152400" cy="912813"/>
+              </a:xfrm>
+              <a:custGeom>
+                <a:avLst/>
+                <a:gdLst/>
+                <a:ahLst/>
+                <a:cxnLst/>
+                <a:rect l="0" t="0" r="r" b="b"/>
+                <a:pathLst>
+                  <a:path w="96" h="575">
+                    <a:moveTo>
+                      <a:pt x="96" y="575"/>
+                    </a:moveTo>
+                    <a:lnTo>
+                      <a:pt x="78" y="575"/>
+                    </a:lnTo>
+                    <a:lnTo>
+                      <a:pt x="78" y="192"/>
+                    </a:lnTo>
+                    <a:lnTo>
+                      <a:pt x="0" y="6"/>
+                    </a:lnTo>
+                    <a:lnTo>
+                      <a:pt x="15" y="0"/>
+                    </a:lnTo>
+                    <a:lnTo>
+                      <a:pt x="96" y="189"/>
+                    </a:lnTo>
+                    <a:lnTo>
+                      <a:pt x="96" y="575"/>
+                    </a:lnTo>
+                    <a:close/>
+                  </a:path>
+                </a:pathLst>
+              </a:custGeom>
+              <a:grpFill/>
+              <a:ln>
+                <a:noFill/>
+              </a:ln>
+              <a:extLst>
+                <a:ext uri="{91240B29-F687-4f45-9708-019B960494DF}">
+                  <a14:hiddenLine xmlns="" xmlns:a16="http://schemas.microsoft.com/office/drawing/2014/main" xmlns:p14="http://schemas.microsoft.com/office/powerpoint/2010/main" xmlns:a14="http://schemas.microsoft.com/office/drawing/2010/main" w="9525">
+                    <a:solidFill>
+                      <a:srgbClr val="000000"/>
+                    </a:solidFill>
+                    <a:round/>
+                    <a:headEnd/>
+                    <a:tailEnd/>
+                  </a14:hiddenLine>
+                </a:ext>
+              </a:extLst>
+            </p:spPr>
+          </p:sp>
+          <p:sp>
+            <p:nvSpPr>
+              <p:cNvPr id="35" name="Freeform 12">
+                <a:extLst>
+                  <a:ext uri="{FF2B5EF4-FFF2-40B4-BE49-F238E27FC236}">
+                    <a16:creationId xmlns:a16="http://schemas.microsoft.com/office/drawing/2014/main" id="{E79E6A0D-4D79-4788-8769-B989488019F4}"/>
+                  </a:ext>
+                  <a:ext uri="{C183D7F6-B498-43B3-948B-1728B52AA6E4}">
+                    <adec:decorative xmlns:adec="http://schemas.microsoft.com/office/drawing/2017/decorative" val="1"/>
+                  </a:ext>
+                </a:extLst>
+              </p:cNvPr>
+              <p:cNvSpPr>
+                <a:spLocks noEditPoints="1"/>
+              </p:cNvSpPr>
+              <p:nvPr>
+                <p:extLst>
+                  <p:ext uri="{386F3935-93C4-4BCD-93E2-E3B085C9AB24}">
+                    <p16:designElem xmlns:p16="http://schemas.microsoft.com/office/powerpoint/2015/main" val="1"/>
+                  </p:ext>
+                </p:extLst>
+              </p:nvPr>
+            </p:nvSpPr>
+            <p:spPr bwMode="auto">
+              <a:xfrm>
+                <a:off x="588962" y="1420813"/>
+                <a:ext cx="190500" cy="190500"/>
+              </a:xfrm>
+              <a:custGeom>
+                <a:avLst/>
+                <a:gdLst/>
+                <a:ahLst/>
+                <a:cxnLst/>
+                <a:rect l="0" t="0" r="r" b="b"/>
+                <a:pathLst>
+                  <a:path w="40" h="40">
+                    <a:moveTo>
+                      <a:pt x="20" y="40"/>
+                    </a:moveTo>
+                    <a:cubicBezTo>
+                      <a:pt x="9" y="40"/>
+                      <a:pt x="0" y="31"/>
+                      <a:pt x="0" y="20"/>
+                    </a:cubicBezTo>
+                    <a:cubicBezTo>
+                      <a:pt x="0" y="9"/>
+                      <a:pt x="9" y="0"/>
+                      <a:pt x="20" y="0"/>
+                    </a:cubicBezTo>
+                    <a:cubicBezTo>
+                      <a:pt x="33" y="0"/>
+                      <a:pt x="40" y="7"/>
+                      <a:pt x="40" y="20"/>
+                    </a:cubicBezTo>
+                    <a:cubicBezTo>
+                      <a:pt x="40" y="31"/>
+                      <a:pt x="31" y="40"/>
+                      <a:pt x="20" y="40"/>
+                    </a:cubicBezTo>
+                    <a:close/>
+                    <a:moveTo>
+                      <a:pt x="20" y="4"/>
+                    </a:moveTo>
+                    <a:cubicBezTo>
+                      <a:pt x="11" y="4"/>
+                      <a:pt x="4" y="11"/>
+                      <a:pt x="4" y="20"/>
+                    </a:cubicBezTo>
+                    <a:cubicBezTo>
+                      <a:pt x="4" y="29"/>
+                      <a:pt x="11" y="36"/>
+                      <a:pt x="20" y="36"/>
+                    </a:cubicBezTo>
+                    <a:cubicBezTo>
+                      <a:pt x="29" y="36"/>
+                      <a:pt x="36" y="29"/>
+                      <a:pt x="36" y="20"/>
+                    </a:cubicBezTo>
+                    <a:cubicBezTo>
+                      <a:pt x="36" y="9"/>
+                      <a:pt x="31" y="4"/>
+                      <a:pt x="20" y="4"/>
+                    </a:cubicBezTo>
+                    <a:close/>
+                  </a:path>
+                </a:pathLst>
+              </a:custGeom>
+              <a:grpFill/>
+              <a:ln>
+                <a:noFill/>
+              </a:ln>
+              <a:extLst>
+                <a:ext uri="{91240B29-F687-4f45-9708-019B960494DF}">
+                  <a14:hiddenLine xmlns="" xmlns:a16="http://schemas.microsoft.com/office/drawing/2014/main" xmlns:p14="http://schemas.microsoft.com/office/powerpoint/2010/main" xmlns:a14="http://schemas.microsoft.com/office/drawing/2010/main" w="9525">
+                    <a:solidFill>
+                      <a:srgbClr val="000000"/>
+                    </a:solidFill>
+                    <a:round/>
+                    <a:headEnd/>
+                    <a:tailEnd/>
+                  </a14:hiddenLine>
+                </a:ext>
+              </a:extLst>
+            </p:spPr>
+          </p:sp>
+          <p:sp>
+            <p:nvSpPr>
+              <p:cNvPr id="36" name="Freeform 13">
+                <a:extLst>
+                  <a:ext uri="{FF2B5EF4-FFF2-40B4-BE49-F238E27FC236}">
+                    <a16:creationId xmlns:a16="http://schemas.microsoft.com/office/drawing/2014/main" id="{A6F42038-BF59-409A-902B-AD7799149A22}"/>
+                  </a:ext>
+                  <a:ext uri="{C183D7F6-B498-43B3-948B-1728B52AA6E4}">
+                    <adec:decorative xmlns:adec="http://schemas.microsoft.com/office/drawing/2017/decorative" val="1"/>
+                  </a:ext>
+                </a:extLst>
+              </p:cNvPr>
+              <p:cNvSpPr>
+                <a:spLocks noEditPoints="1"/>
+              </p:cNvSpPr>
+              <p:nvPr>
+                <p:extLst>
+                  <p:ext uri="{386F3935-93C4-4BCD-93E2-E3B085C9AB24}">
+                    <p16:designElem xmlns:p16="http://schemas.microsoft.com/office/powerpoint/2015/main" val="1"/>
+                  </p:ext>
+                </p:extLst>
+              </p:nvPr>
+            </p:nvSpPr>
+            <p:spPr bwMode="auto">
+              <a:xfrm>
+                <a:off x="588962" y="903288"/>
+                <a:ext cx="190500" cy="190500"/>
+              </a:xfrm>
+              <a:custGeom>
+                <a:avLst/>
+                <a:gdLst/>
+                <a:ahLst/>
+                <a:cxnLst/>
+                <a:rect l="0" t="0" r="r" b="b"/>
+                <a:pathLst>
+                  <a:path w="40" h="40">
+                    <a:moveTo>
+                      <a:pt x="20" y="40"/>
+                    </a:moveTo>
+                    <a:cubicBezTo>
+                      <a:pt x="9" y="40"/>
+                      <a:pt x="0" y="31"/>
+                      <a:pt x="0" y="20"/>
+                    </a:cubicBezTo>
+                    <a:cubicBezTo>
+                      <a:pt x="0" y="9"/>
+                      <a:pt x="9" y="0"/>
+                      <a:pt x="20" y="0"/>
+                    </a:cubicBezTo>
+                    <a:cubicBezTo>
+                      <a:pt x="31" y="0"/>
+                      <a:pt x="40" y="9"/>
+                      <a:pt x="40" y="20"/>
+                    </a:cubicBezTo>
+                    <a:cubicBezTo>
+                      <a:pt x="40" y="31"/>
+                      <a:pt x="31" y="40"/>
+                      <a:pt x="20" y="40"/>
+                    </a:cubicBezTo>
+                    <a:close/>
+                    <a:moveTo>
+                      <a:pt x="20" y="4"/>
+                    </a:moveTo>
+                    <a:cubicBezTo>
+                      <a:pt x="11" y="4"/>
+                      <a:pt x="4" y="11"/>
+                      <a:pt x="4" y="20"/>
+                    </a:cubicBezTo>
+                    <a:cubicBezTo>
+                      <a:pt x="4" y="29"/>
+                      <a:pt x="11" y="36"/>
+                      <a:pt x="20" y="36"/>
+                    </a:cubicBezTo>
+                    <a:cubicBezTo>
+                      <a:pt x="29" y="36"/>
+                      <a:pt x="36" y="29"/>
+                      <a:pt x="36" y="20"/>
+                    </a:cubicBezTo>
+                    <a:cubicBezTo>
+                      <a:pt x="36" y="11"/>
+                      <a:pt x="29" y="4"/>
+                      <a:pt x="20" y="4"/>
+                    </a:cubicBezTo>
+                    <a:close/>
+                  </a:path>
+                </a:pathLst>
+              </a:custGeom>
+              <a:grpFill/>
+              <a:ln>
+                <a:noFill/>
+              </a:ln>
+              <a:extLst>
+                <a:ext uri="{91240B29-F687-4f45-9708-019B960494DF}">
+                  <a14:hiddenLine xmlns="" xmlns:a16="http://schemas.microsoft.com/office/drawing/2014/main" xmlns:p14="http://schemas.microsoft.com/office/powerpoint/2010/main" xmlns:a14="http://schemas.microsoft.com/office/drawing/2010/main" w="9525">
+                    <a:solidFill>
+                      <a:srgbClr val="000000"/>
+                    </a:solidFill>
+                    <a:round/>
+                    <a:headEnd/>
+                    <a:tailEnd/>
+                  </a14:hiddenLine>
+                </a:ext>
+              </a:extLst>
+            </p:spPr>
+          </p:sp>
+          <p:sp>
+            <p:nvSpPr>
+              <p:cNvPr id="37" name="Freeform 14">
+                <a:extLst>
+                  <a:ext uri="{FF2B5EF4-FFF2-40B4-BE49-F238E27FC236}">
+                    <a16:creationId xmlns:a16="http://schemas.microsoft.com/office/drawing/2014/main" id="{D8B0BD48-5982-4C95-A7C8-E0D230645382}"/>
+                  </a:ext>
+                  <a:ext uri="{C183D7F6-B498-43B3-948B-1728B52AA6E4}">
+                    <adec:decorative xmlns:adec="http://schemas.microsoft.com/office/drawing/2017/decorative" val="1"/>
+                  </a:ext>
+                </a:extLst>
+              </p:cNvPr>
+              <p:cNvSpPr/>
+              <p:nvPr>
+                <p:extLst>
+                  <p:ext uri="{386F3935-93C4-4BCD-93E2-E3B085C9AB24}">
+                    <p16:designElem xmlns:p16="http://schemas.microsoft.com/office/powerpoint/2015/main" val="1"/>
+                  </p:ext>
+                </p:extLst>
+              </p:nvPr>
+            </p:nvSpPr>
+            <p:spPr bwMode="auto">
+              <a:xfrm>
+                <a:off x="641350" y="0"/>
+                <a:ext cx="422275" cy="527050"/>
+              </a:xfrm>
+              <a:custGeom>
+                <a:avLst/>
+                <a:gdLst/>
+                <a:ahLst/>
+                <a:cxnLst/>
+                <a:rect l="0" t="0" r="r" b="b"/>
+                <a:pathLst>
+                  <a:path w="266" h="332">
+                    <a:moveTo>
+                      <a:pt x="257" y="332"/>
+                    </a:moveTo>
+                    <a:lnTo>
+                      <a:pt x="48" y="123"/>
+                    </a:lnTo>
+                    <a:lnTo>
+                      <a:pt x="0" y="6"/>
+                    </a:lnTo>
+                    <a:lnTo>
+                      <a:pt x="15" y="0"/>
+                    </a:lnTo>
+                    <a:lnTo>
+                      <a:pt x="63" y="114"/>
+                    </a:lnTo>
+                    <a:lnTo>
+                      <a:pt x="266" y="320"/>
+                    </a:lnTo>
+                    <a:lnTo>
+                      <a:pt x="257" y="332"/>
+                    </a:lnTo>
+                    <a:close/>
+                  </a:path>
+                </a:pathLst>
+              </a:custGeom>
+              <a:grpFill/>
+              <a:ln>
+                <a:noFill/>
+              </a:ln>
+              <a:extLst>
+                <a:ext uri="{91240B29-F687-4f45-9708-019B960494DF}">
+                  <a14:hiddenLine xmlns="" xmlns:a16="http://schemas.microsoft.com/office/drawing/2014/main" xmlns:p14="http://schemas.microsoft.com/office/powerpoint/2010/main" xmlns:a14="http://schemas.microsoft.com/office/drawing/2010/main" w="9525">
+                    <a:solidFill>
+                      <a:srgbClr val="000000"/>
+                    </a:solidFill>
+                    <a:round/>
+                    <a:headEnd/>
+                    <a:tailEnd/>
+                  </a14:hiddenLine>
+                </a:ext>
+              </a:extLst>
+            </p:spPr>
+          </p:sp>
+          <p:sp>
+            <p:nvSpPr>
+              <p:cNvPr id="38" name="Freeform 15">
+                <a:extLst>
+                  <a:ext uri="{FF2B5EF4-FFF2-40B4-BE49-F238E27FC236}">
+                    <a16:creationId xmlns:a16="http://schemas.microsoft.com/office/drawing/2014/main" id="{F6C539D3-C6BD-4FB0-AA91-5AF1BF14C5F5}"/>
+                  </a:ext>
+                  <a:ext uri="{C183D7F6-B498-43B3-948B-1728B52AA6E4}">
+                    <adec:decorative xmlns:adec="http://schemas.microsoft.com/office/drawing/2017/decorative" val="1"/>
+                  </a:ext>
+                </a:extLst>
+              </p:cNvPr>
+              <p:cNvSpPr>
+                <a:spLocks noEditPoints="1"/>
+              </p:cNvSpPr>
+              <p:nvPr>
+                <p:extLst>
+                  <p:ext uri="{386F3935-93C4-4BCD-93E2-E3B085C9AB24}">
+                    <p16:designElem xmlns:p16="http://schemas.microsoft.com/office/powerpoint/2015/main" val="1"/>
+                  </p:ext>
+                </p:extLst>
+              </p:nvPr>
+            </p:nvSpPr>
+            <p:spPr bwMode="auto">
+              <a:xfrm>
+                <a:off x="1020762" y="488950"/>
+                <a:ext cx="161925" cy="147638"/>
+              </a:xfrm>
+              <a:custGeom>
+                <a:avLst/>
+                <a:gdLst/>
+                <a:ahLst/>
+                <a:cxnLst/>
+                <a:rect l="0" t="0" r="r" b="b"/>
+                <a:pathLst>
+                  <a:path w="34" h="31">
+                    <a:moveTo>
+                      <a:pt x="17" y="31"/>
+                    </a:moveTo>
+                    <a:cubicBezTo>
+                      <a:pt x="13" y="31"/>
+                      <a:pt x="9" y="30"/>
+                      <a:pt x="6" y="27"/>
+                    </a:cubicBezTo>
+                    <a:cubicBezTo>
+                      <a:pt x="0" y="20"/>
+                      <a:pt x="0" y="10"/>
+                      <a:pt x="6" y="4"/>
+                    </a:cubicBezTo>
+                    <a:cubicBezTo>
+                      <a:pt x="9" y="1"/>
+                      <a:pt x="13" y="0"/>
+                      <a:pt x="17" y="0"/>
+                    </a:cubicBezTo>
+                    <a:cubicBezTo>
+                      <a:pt x="21" y="0"/>
+                      <a:pt x="25" y="1"/>
+                      <a:pt x="28" y="4"/>
+                    </a:cubicBezTo>
+                    <a:cubicBezTo>
+                      <a:pt x="34" y="10"/>
+                      <a:pt x="34" y="20"/>
+                      <a:pt x="28" y="27"/>
+                    </a:cubicBezTo>
+                    <a:cubicBezTo>
+                      <a:pt x="25" y="30"/>
+                      <a:pt x="21" y="31"/>
+                      <a:pt x="17" y="31"/>
+                    </a:cubicBezTo>
+                    <a:close/>
+                    <a:moveTo>
+                      <a:pt x="17" y="4"/>
+                    </a:moveTo>
+                    <a:cubicBezTo>
+                      <a:pt x="14" y="4"/>
+                      <a:pt x="11" y="5"/>
+                      <a:pt x="9" y="7"/>
+                    </a:cubicBezTo>
+                    <a:cubicBezTo>
+                      <a:pt x="4" y="12"/>
+                      <a:pt x="4" y="19"/>
+                      <a:pt x="9" y="24"/>
+                    </a:cubicBezTo>
+                    <a:cubicBezTo>
+                      <a:pt x="11" y="26"/>
+                      <a:pt x="14" y="27"/>
+                      <a:pt x="17" y="27"/>
+                    </a:cubicBezTo>
+                    <a:cubicBezTo>
+                      <a:pt x="20" y="27"/>
+                      <a:pt x="23" y="26"/>
+                      <a:pt x="25" y="24"/>
+                    </a:cubicBezTo>
+                    <a:cubicBezTo>
+                      <a:pt x="30" y="19"/>
+                      <a:pt x="30" y="12"/>
+                      <a:pt x="25" y="7"/>
+                    </a:cubicBezTo>
+                    <a:cubicBezTo>
+                      <a:pt x="23" y="5"/>
+                      <a:pt x="20" y="4"/>
+                      <a:pt x="17" y="4"/>
+                    </a:cubicBezTo>
+                    <a:close/>
+                  </a:path>
+                </a:pathLst>
+              </a:custGeom>
+              <a:grpFill/>
+              <a:ln>
+                <a:noFill/>
+              </a:ln>
+              <a:extLst>
+                <a:ext uri="{91240B29-F687-4f45-9708-019B960494DF}">
+                  <a14:hiddenLine xmlns="" xmlns:a16="http://schemas.microsoft.com/office/drawing/2014/main" xmlns:p14="http://schemas.microsoft.com/office/powerpoint/2010/main" xmlns:a14="http://schemas.microsoft.com/office/drawing/2010/main" w="9525">
+                    <a:solidFill>
+                      <a:srgbClr val="000000"/>
+                    </a:solidFill>
+                    <a:round/>
+                    <a:headEnd/>
+                    <a:tailEnd/>
+                  </a14:hiddenLine>
+                </a:ext>
+              </a:extLst>
+            </p:spPr>
+          </p:sp>
+          <p:sp>
+            <p:nvSpPr>
+              <p:cNvPr id="39" name="Line 16">
+                <a:extLst>
+                  <a:ext uri="{FF2B5EF4-FFF2-40B4-BE49-F238E27FC236}">
+                    <a16:creationId xmlns:a16="http://schemas.microsoft.com/office/drawing/2014/main" id="{34F70AD6-B8F4-4F9D-8593-D4047107BD90}"/>
+                  </a:ext>
+                  <a:ext uri="{C183D7F6-B498-43B3-948B-1728B52AA6E4}">
+                    <adec:decorative xmlns:adec="http://schemas.microsoft.com/office/drawing/2017/decorative" val="1"/>
+                  </a:ext>
+                </a:extLst>
+              </p:cNvPr>
+              <p:cNvSpPr>
+                <a:spLocks noChangeShapeType="1"/>
+              </p:cNvSpPr>
+              <p:nvPr>
+                <p:extLst>
+                  <p:ext uri="{386F3935-93C4-4BCD-93E2-E3B085C9AB24}">
+                    <p16:designElem xmlns:p16="http://schemas.microsoft.com/office/powerpoint/2015/main" val="1"/>
+                  </p:ext>
+                </p:extLst>
+              </p:nvPr>
+            </p:nvSpPr>
+            <p:spPr bwMode="auto">
+              <a:xfrm>
+                <a:off x="-4763" y="9525"/>
+                <a:ext cx="0" cy="0"/>
+              </a:xfrm>
+              <a:prstGeom prst="line">
+                <a:avLst/>
+              </a:prstGeom>
+              <a:grpFill/>
+              <a:ln w="15" cap="flat">
+                <a:solidFill>
+                  <a:srgbClr val="FFFFFF"/>
+                </a:solidFill>
+                <a:prstDash val="solid"/>
+                <a:miter lim="800000"/>
+                <a:headEnd/>
+                <a:tailEnd/>
+              </a:ln>
+            </p:spPr>
+          </p:sp>
+          <p:sp>
+            <p:nvSpPr>
+              <p:cNvPr id="40" name="Freeform 17">
+                <a:extLst>
+                  <a:ext uri="{FF2B5EF4-FFF2-40B4-BE49-F238E27FC236}">
+                    <a16:creationId xmlns:a16="http://schemas.microsoft.com/office/drawing/2014/main" id="{51EAB0E0-5DE2-4906-80B0-211A6247897C}"/>
+                  </a:ext>
+                  <a:ext uri="{C183D7F6-B498-43B3-948B-1728B52AA6E4}">
+                    <adec:decorative xmlns:adec="http://schemas.microsoft.com/office/drawing/2017/decorative" val="1"/>
+                  </a:ext>
+                </a:extLst>
+              </p:cNvPr>
+              <p:cNvSpPr/>
+              <p:nvPr>
+                <p:extLst>
+                  <p:ext uri="{386F3935-93C4-4BCD-93E2-E3B085C9AB24}">
+                    <p16:designElem xmlns:p16="http://schemas.microsoft.com/office/powerpoint/2015/main" val="1"/>
+                  </p:ext>
+                </p:extLst>
+              </p:nvPr>
+            </p:nvSpPr>
+            <p:spPr bwMode="auto">
+              <a:xfrm>
+                <a:off x="9525" y="1801813"/>
+                <a:ext cx="123825" cy="127000"/>
+              </a:xfrm>
+              <a:custGeom>
+                <a:avLst/>
+                <a:gdLst/>
+                <a:ahLst/>
+                <a:cxnLst/>
+                <a:rect l="0" t="0" r="r" b="b"/>
+                <a:pathLst>
+                  <a:path w="78" h="80">
+                    <a:moveTo>
+                      <a:pt x="6" y="80"/>
+                    </a:moveTo>
+                    <a:lnTo>
+                      <a:pt x="0" y="71"/>
+                    </a:lnTo>
+                    <a:lnTo>
+                      <a:pt x="69" y="0"/>
+                    </a:lnTo>
+                    <a:lnTo>
+                      <a:pt x="78" y="9"/>
+                    </a:lnTo>
+                    <a:lnTo>
+                      <a:pt x="6" y="80"/>
+                    </a:lnTo>
+                    <a:close/>
+                  </a:path>
+                </a:pathLst>
+              </a:custGeom>
+              <a:grpFill/>
+              <a:ln>
+                <a:noFill/>
+              </a:ln>
+              <a:extLst>
+                <a:ext uri="{91240B29-F687-4f45-9708-019B960494DF}">
+                  <a14:hiddenLine xmlns="" xmlns:a16="http://schemas.microsoft.com/office/drawing/2014/main" xmlns:p14="http://schemas.microsoft.com/office/powerpoint/2010/main" xmlns:a14="http://schemas.microsoft.com/office/drawing/2010/main" w="9525">
+                    <a:solidFill>
+                      <a:srgbClr val="000000"/>
+                    </a:solidFill>
+                    <a:round/>
+                    <a:headEnd/>
+                    <a:tailEnd/>
+                  </a14:hiddenLine>
+                </a:ext>
+              </a:extLst>
+            </p:spPr>
+          </p:sp>
+          <p:sp>
+            <p:nvSpPr>
+              <p:cNvPr id="41" name="Freeform 18">
+                <a:extLst>
+                  <a:ext uri="{FF2B5EF4-FFF2-40B4-BE49-F238E27FC236}">
+                    <a16:creationId xmlns:a16="http://schemas.microsoft.com/office/drawing/2014/main" id="{38E8B65E-526B-458D-85A5-21C0A1A74FE3}"/>
+                  </a:ext>
+                  <a:ext uri="{C183D7F6-B498-43B3-948B-1728B52AA6E4}">
+                    <adec:decorative xmlns:adec="http://schemas.microsoft.com/office/drawing/2017/decorative" val="1"/>
+                  </a:ext>
+                </a:extLst>
+              </p:cNvPr>
+              <p:cNvSpPr/>
+              <p:nvPr>
+                <p:extLst>
+                  <p:ext uri="{386F3935-93C4-4BCD-93E2-E3B085C9AB24}">
+                    <p16:designElem xmlns:p16="http://schemas.microsoft.com/office/powerpoint/2015/main" val="1"/>
+                  </p:ext>
+                </p:extLst>
+              </p:nvPr>
+            </p:nvSpPr>
+            <p:spPr bwMode="auto">
+              <a:xfrm>
+                <a:off x="-9525" y="3549650"/>
+                <a:ext cx="147638" cy="481013"/>
+              </a:xfrm>
+              <a:custGeom>
+                <a:avLst/>
+                <a:gdLst/>
+                <a:ahLst/>
+                <a:cxnLst/>
+                <a:rect l="0" t="0" r="r" b="b"/>
+                <a:pathLst>
+                  <a:path w="93" h="303">
+                    <a:moveTo>
+                      <a:pt x="93" y="303"/>
+                    </a:moveTo>
+                    <a:lnTo>
+                      <a:pt x="78" y="303"/>
+                    </a:lnTo>
+                    <a:lnTo>
+                      <a:pt x="78" y="78"/>
+                    </a:lnTo>
+                    <a:lnTo>
+                      <a:pt x="0" y="12"/>
+                    </a:lnTo>
+                    <a:lnTo>
+                      <a:pt x="12" y="0"/>
+                    </a:lnTo>
+                    <a:lnTo>
+                      <a:pt x="93" y="69"/>
+                    </a:lnTo>
+                    <a:lnTo>
+                      <a:pt x="93" y="303"/>
+                    </a:lnTo>
+                    <a:close/>
+                  </a:path>
+                </a:pathLst>
+              </a:custGeom>
+              <a:grpFill/>
+              <a:ln>
+                <a:noFill/>
+              </a:ln>
+              <a:extLst>
+                <a:ext uri="{91240B29-F687-4f45-9708-019B960494DF}">
+                  <a14:hiddenLine xmlns="" xmlns:a16="http://schemas.microsoft.com/office/drawing/2014/main" xmlns:p14="http://schemas.microsoft.com/office/powerpoint/2010/main" xmlns:a14="http://schemas.microsoft.com/office/drawing/2010/main" w="9525">
+                    <a:solidFill>
+                      <a:srgbClr val="000000"/>
+                    </a:solidFill>
+                    <a:round/>
+                    <a:headEnd/>
+                    <a:tailEnd/>
+                  </a14:hiddenLine>
+                </a:ext>
+              </a:extLst>
+            </p:spPr>
+          </p:sp>
+          <p:sp>
+            <p:nvSpPr>
+              <p:cNvPr id="42" name="Freeform 19">
+                <a:extLst>
+                  <a:ext uri="{FF2B5EF4-FFF2-40B4-BE49-F238E27FC236}">
+                    <a16:creationId xmlns:a16="http://schemas.microsoft.com/office/drawing/2014/main" id="{CCE331A2-5388-42F4-A175-69310C1BEF5B}"/>
+                  </a:ext>
+                  <a:ext uri="{C183D7F6-B498-43B3-948B-1728B52AA6E4}">
+                    <adec:decorative xmlns:adec="http://schemas.microsoft.com/office/drawing/2017/decorative" val="1"/>
+                  </a:ext>
+                </a:extLst>
+              </p:cNvPr>
+              <p:cNvSpPr/>
+              <p:nvPr>
+                <p:extLst>
+                  <p:ext uri="{386F3935-93C4-4BCD-93E2-E3B085C9AB24}">
+                    <p16:designElem xmlns:p16="http://schemas.microsoft.com/office/powerpoint/2015/main" val="1"/>
+                  </p:ext>
+                </p:extLst>
+              </p:nvPr>
+            </p:nvSpPr>
+            <p:spPr bwMode="auto">
+              <a:xfrm>
+                <a:off x="128587" y="1382713"/>
+                <a:ext cx="142875" cy="476250"/>
+              </a:xfrm>
+              <a:custGeom>
+                <a:avLst/>
+                <a:gdLst/>
+                <a:ahLst/>
+                <a:cxnLst/>
+                <a:rect l="0" t="0" r="r" b="b"/>
+                <a:pathLst>
+                  <a:path w="90" h="300">
+                    <a:moveTo>
+                      <a:pt x="90" y="300"/>
+                    </a:moveTo>
+                    <a:lnTo>
+                      <a:pt x="78" y="300"/>
+                    </a:lnTo>
+                    <a:lnTo>
+                      <a:pt x="78" y="84"/>
+                    </a:lnTo>
+                    <a:lnTo>
+                      <a:pt x="0" y="9"/>
+                    </a:lnTo>
+                    <a:lnTo>
+                      <a:pt x="9" y="0"/>
+                    </a:lnTo>
+                    <a:lnTo>
+                      <a:pt x="90" y="81"/>
+                    </a:lnTo>
+                    <a:lnTo>
+                      <a:pt x="90" y="300"/>
+                    </a:lnTo>
+                    <a:close/>
+                  </a:path>
+                </a:pathLst>
+              </a:custGeom>
+              <a:grpFill/>
+              <a:ln>
+                <a:noFill/>
+              </a:ln>
+              <a:extLst>
+                <a:ext uri="{91240B29-F687-4f45-9708-019B960494DF}">
+                  <a14:hiddenLine xmlns="" xmlns:a16="http://schemas.microsoft.com/office/drawing/2014/main" xmlns:p14="http://schemas.microsoft.com/office/powerpoint/2010/main" xmlns:a14="http://schemas.microsoft.com/office/drawing/2010/main" w="9525">
+                    <a:solidFill>
+                      <a:srgbClr val="000000"/>
+                    </a:solidFill>
+                    <a:round/>
+                    <a:headEnd/>
+                    <a:tailEnd/>
+                  </a14:hiddenLine>
+                </a:ext>
+              </a:extLst>
+            </p:spPr>
+          </p:sp>
+          <p:sp>
+            <p:nvSpPr>
+              <p:cNvPr id="43" name="Freeform 20">
+                <a:extLst>
+                  <a:ext uri="{FF2B5EF4-FFF2-40B4-BE49-F238E27FC236}">
+                    <a16:creationId xmlns:a16="http://schemas.microsoft.com/office/drawing/2014/main" id="{4E758D69-ACA2-4888-84BB-B05B1FAF2AE7}"/>
+                  </a:ext>
+                  <a:ext uri="{C183D7F6-B498-43B3-948B-1728B52AA6E4}">
+                    <adec:decorative xmlns:adec="http://schemas.microsoft.com/office/drawing/2017/decorative" val="1"/>
+                  </a:ext>
+                </a:extLst>
+              </p:cNvPr>
+              <p:cNvSpPr>
+                <a:spLocks noEditPoints="1"/>
+              </p:cNvSpPr>
+              <p:nvPr>
+                <p:extLst>
+                  <p:ext uri="{386F3935-93C4-4BCD-93E2-E3B085C9AB24}">
+                    <p16:designElem xmlns:p16="http://schemas.microsoft.com/office/powerpoint/2015/main" val="1"/>
+                  </p:ext>
+                </p:extLst>
+              </p:nvPr>
+            </p:nvSpPr>
+            <p:spPr bwMode="auto">
+              <a:xfrm>
+                <a:off x="204787" y="1849438"/>
+                <a:ext cx="114300" cy="107950"/>
+              </a:xfrm>
+              <a:custGeom>
+                <a:avLst/>
+                <a:gdLst/>
+                <a:ahLst/>
+                <a:cxnLst/>
+                <a:rect l="0" t="0" r="r" b="b"/>
+                <a:pathLst>
+                  <a:path w="24" h="23">
+                    <a:moveTo>
+                      <a:pt x="12" y="23"/>
+                    </a:moveTo>
+                    <a:cubicBezTo>
+                      <a:pt x="6" y="23"/>
+                      <a:pt x="0" y="18"/>
+                      <a:pt x="0" y="12"/>
+                    </a:cubicBezTo>
+                    <a:cubicBezTo>
+                      <a:pt x="0" y="5"/>
+                      <a:pt x="6" y="0"/>
+                      <a:pt x="12" y="0"/>
+                    </a:cubicBezTo>
+                    <a:cubicBezTo>
+                      <a:pt x="18" y="0"/>
+                      <a:pt x="24" y="5"/>
+                      <a:pt x="24" y="12"/>
+                    </a:cubicBezTo>
+                    <a:cubicBezTo>
+                      <a:pt x="24" y="18"/>
+                      <a:pt x="18" y="23"/>
+                      <a:pt x="12" y="23"/>
+                    </a:cubicBezTo>
+                    <a:close/>
+                    <a:moveTo>
+                      <a:pt x="12" y="4"/>
+                    </a:moveTo>
+                    <a:cubicBezTo>
+                      <a:pt x="8" y="4"/>
+                      <a:pt x="4" y="8"/>
+                      <a:pt x="4" y="12"/>
+                    </a:cubicBezTo>
+                    <a:cubicBezTo>
+                      <a:pt x="4" y="16"/>
+                      <a:pt x="8" y="19"/>
+                      <a:pt x="12" y="19"/>
+                    </a:cubicBezTo>
+                    <a:cubicBezTo>
+                      <a:pt x="16" y="19"/>
+                      <a:pt x="20" y="16"/>
+                      <a:pt x="20" y="12"/>
+                    </a:cubicBezTo>
+                    <a:cubicBezTo>
+                      <a:pt x="20" y="8"/>
+                      <a:pt x="16" y="4"/>
+                      <a:pt x="12" y="4"/>
+                    </a:cubicBezTo>
+                    <a:close/>
+                  </a:path>
+                </a:pathLst>
+              </a:custGeom>
+              <a:grpFill/>
+              <a:ln>
+                <a:noFill/>
+              </a:ln>
+              <a:extLst>
+                <a:ext uri="{91240B29-F687-4f45-9708-019B960494DF}">
+                  <a14:hiddenLine xmlns="" xmlns:a16="http://schemas.microsoft.com/office/drawing/2014/main" xmlns:p14="http://schemas.microsoft.com/office/powerpoint/2010/main" xmlns:a14="http://schemas.microsoft.com/office/drawing/2010/main" w="9525">
+                    <a:solidFill>
+                      <a:srgbClr val="000000"/>
+                    </a:solidFill>
+                    <a:round/>
+                    <a:headEnd/>
+                    <a:tailEnd/>
+                  </a14:hiddenLine>
+                </a:ext>
+              </a:extLst>
+            </p:spPr>
+          </p:sp>
+          <p:sp>
+            <p:nvSpPr>
+              <p:cNvPr id="44" name="Rectangle 21">
+                <a:extLst>
+                  <a:ext uri="{FF2B5EF4-FFF2-40B4-BE49-F238E27FC236}">
+                    <a16:creationId xmlns:a16="http://schemas.microsoft.com/office/drawing/2014/main" id="{078AAA22-796B-4F0E-85DA-B8B0E81115A7}"/>
+                  </a:ext>
+                  <a:ext uri="{C183D7F6-B498-43B3-948B-1728B52AA6E4}">
+                    <adec:decorative xmlns:adec="http://schemas.microsoft.com/office/drawing/2017/decorative" val="1"/>
+                  </a:ext>
+                </a:extLst>
+              </p:cNvPr>
+              <p:cNvSpPr>
+                <a:spLocks noChangeArrowheads="1"/>
+              </p:cNvSpPr>
+              <p:nvPr>
+                <p:extLst>
+                  <p:ext uri="{386F3935-93C4-4BCD-93E2-E3B085C9AB24}">
+                    <p16:designElem xmlns:p16="http://schemas.microsoft.com/office/powerpoint/2015/main" val="1"/>
+                  </p:ext>
+                </p:extLst>
+              </p:nvPr>
+            </p:nvSpPr>
+            <p:spPr bwMode="auto">
+              <a:xfrm>
+                <a:off x="133350" y="4662488"/>
+                <a:ext cx="23813" cy="2181225"/>
+              </a:xfrm>
+              <a:prstGeom prst="rect">
+                <a:avLst/>
+              </a:prstGeom>
+              <a:grpFill/>
+              <a:ln>
+                <a:noFill/>
+              </a:ln>
+              <a:extLst>
+                <a:ext uri="{91240B29-F687-4f45-9708-019B960494DF}">
+                  <a14:hiddenLine xmlns="" xmlns:a16="http://schemas.microsoft.com/office/drawing/2014/main" xmlns:p14="http://schemas.microsoft.com/office/powerpoint/2010/main" xmlns:a14="http://schemas.microsoft.com/office/drawing/2010/main" w="9525">
+                    <a:solidFill>
+                      <a:srgbClr val="000000"/>
+                    </a:solidFill>
+                    <a:miter lim="800000"/>
+                    <a:headEnd/>
+                    <a:tailEnd/>
+                  </a14:hiddenLine>
+                </a:ext>
+              </a:extLst>
+            </p:spPr>
+          </p:sp>
+          <p:sp>
+            <p:nvSpPr>
+              <p:cNvPr id="45" name="Freeform 22">
+                <a:extLst>
+                  <a:ext uri="{FF2B5EF4-FFF2-40B4-BE49-F238E27FC236}">
+                    <a16:creationId xmlns:a16="http://schemas.microsoft.com/office/drawing/2014/main" id="{D1254A9A-3E31-4A25-9A91-F9BC6CF6A358}"/>
+                  </a:ext>
+                  <a:ext uri="{C183D7F6-B498-43B3-948B-1728B52AA6E4}">
+                    <adec:decorative xmlns:adec="http://schemas.microsoft.com/office/drawing/2017/decorative" val="1"/>
+                  </a:ext>
+                </a:extLst>
+              </p:cNvPr>
+              <p:cNvSpPr/>
+              <p:nvPr>
+                <p:extLst>
+                  <p:ext uri="{386F3935-93C4-4BCD-93E2-E3B085C9AB24}">
+                    <p16:designElem xmlns:p16="http://schemas.microsoft.com/office/powerpoint/2015/main" val="1"/>
+                  </p:ext>
+                </p:extLst>
+              </p:nvPr>
+            </p:nvSpPr>
+            <p:spPr bwMode="auto">
+              <a:xfrm>
+                <a:off x="223837" y="5041900"/>
+                <a:ext cx="369888" cy="1801813"/>
+              </a:xfrm>
+              <a:custGeom>
+                <a:avLst/>
+                <a:gdLst/>
+                <a:ahLst/>
+                <a:cxnLst/>
+                <a:rect l="0" t="0" r="r" b="b"/>
+                <a:pathLst>
+                  <a:path w="233" h="1135">
+                    <a:moveTo>
+                      <a:pt x="15" y="1135"/>
+                    </a:moveTo>
+                    <a:lnTo>
+                      <a:pt x="0" y="1135"/>
+                    </a:lnTo>
+                    <a:lnTo>
+                      <a:pt x="0" y="515"/>
+                    </a:lnTo>
+                    <a:lnTo>
+                      <a:pt x="0" y="512"/>
+                    </a:lnTo>
+                    <a:lnTo>
+                      <a:pt x="218" y="0"/>
+                    </a:lnTo>
+                    <a:lnTo>
+                      <a:pt x="233" y="6"/>
+                    </a:lnTo>
+                    <a:lnTo>
+                      <a:pt x="15" y="518"/>
+                    </a:lnTo>
+                    <a:lnTo>
+                      <a:pt x="15" y="1135"/>
+                    </a:lnTo>
+                    <a:close/>
+                  </a:path>
+                </a:pathLst>
+              </a:custGeom>
+              <a:grpFill/>
+              <a:ln>
+                <a:noFill/>
+              </a:ln>
+              <a:extLst>
+                <a:ext uri="{91240B29-F687-4f45-9708-019B960494DF}">
+                  <a14:hiddenLine xmlns="" xmlns:a16="http://schemas.microsoft.com/office/drawing/2014/main" xmlns:p14="http://schemas.microsoft.com/office/powerpoint/2010/main" xmlns:a14="http://schemas.microsoft.com/office/drawing/2010/main" w="9525">
+                    <a:solidFill>
+                      <a:srgbClr val="000000"/>
+                    </a:solidFill>
+                    <a:round/>
+                    <a:headEnd/>
+                    <a:tailEnd/>
+                  </a14:hiddenLine>
+                </a:ext>
+              </a:extLst>
+            </p:spPr>
+          </p:sp>
+          <p:sp>
+            <p:nvSpPr>
+              <p:cNvPr id="46" name="Freeform 23">
+                <a:extLst>
+                  <a:ext uri="{FF2B5EF4-FFF2-40B4-BE49-F238E27FC236}">
+                    <a16:creationId xmlns:a16="http://schemas.microsoft.com/office/drawing/2014/main" id="{18CADB3C-936C-476A-A261-28DD5ABA734A}"/>
+                  </a:ext>
+                  <a:ext uri="{C183D7F6-B498-43B3-948B-1728B52AA6E4}">
+                    <adec:decorative xmlns:adec="http://schemas.microsoft.com/office/drawing/2017/decorative" val="1"/>
+                  </a:ext>
+                </a:extLst>
+              </p:cNvPr>
+              <p:cNvSpPr>
+                <a:spLocks noEditPoints="1"/>
+              </p:cNvSpPr>
+              <p:nvPr>
+                <p:extLst>
+                  <p:ext uri="{386F3935-93C4-4BCD-93E2-E3B085C9AB24}">
+                    <p16:designElem xmlns:p16="http://schemas.microsoft.com/office/powerpoint/2015/main" val="1"/>
+                  </p:ext>
+                </p:extLst>
+              </p:nvPr>
+            </p:nvSpPr>
+            <p:spPr bwMode="auto">
+              <a:xfrm>
+                <a:off x="52387" y="4481513"/>
+                <a:ext cx="190500" cy="190500"/>
+              </a:xfrm>
+              <a:custGeom>
+                <a:avLst/>
+                <a:gdLst/>
+                <a:ahLst/>
+                <a:cxnLst/>
+                <a:rect l="0" t="0" r="r" b="b"/>
+                <a:pathLst>
+                  <a:path w="40" h="40">
+                    <a:moveTo>
+                      <a:pt x="20" y="40"/>
+                    </a:moveTo>
+                    <a:cubicBezTo>
+                      <a:pt x="9" y="40"/>
+                      <a:pt x="0" y="31"/>
+                      <a:pt x="0" y="20"/>
+                    </a:cubicBezTo>
+                    <a:cubicBezTo>
+                      <a:pt x="0" y="9"/>
+                      <a:pt x="9" y="0"/>
+                      <a:pt x="20" y="0"/>
+                    </a:cubicBezTo>
+                    <a:cubicBezTo>
+                      <a:pt x="31" y="0"/>
+                      <a:pt x="40" y="9"/>
+                      <a:pt x="40" y="20"/>
+                    </a:cubicBezTo>
+                    <a:cubicBezTo>
+                      <a:pt x="40" y="31"/>
+                      <a:pt x="31" y="40"/>
+                      <a:pt x="20" y="40"/>
+                    </a:cubicBezTo>
+                    <a:close/>
+                    <a:moveTo>
+                      <a:pt x="20" y="4"/>
+                    </a:moveTo>
+                    <a:cubicBezTo>
+                      <a:pt x="11" y="4"/>
+                      <a:pt x="4" y="11"/>
+                      <a:pt x="4" y="20"/>
+                    </a:cubicBezTo>
+                    <a:cubicBezTo>
+                      <a:pt x="4" y="29"/>
+                      <a:pt x="11" y="36"/>
+                      <a:pt x="20" y="36"/>
+                    </a:cubicBezTo>
+                    <a:cubicBezTo>
+                      <a:pt x="28" y="36"/>
+                      <a:pt x="36" y="29"/>
+                      <a:pt x="36" y="20"/>
+                    </a:cubicBezTo>
+                    <a:cubicBezTo>
+                      <a:pt x="36" y="11"/>
+                      <a:pt x="28" y="4"/>
+                      <a:pt x="20" y="4"/>
+                    </a:cubicBezTo>
+                    <a:close/>
+                  </a:path>
+                </a:pathLst>
+              </a:custGeom>
+              <a:grpFill/>
+              <a:ln>
+                <a:noFill/>
+              </a:ln>
+              <a:extLst>
+                <a:ext uri="{91240B29-F687-4f45-9708-019B960494DF}">
+                  <a14:hiddenLine xmlns="" xmlns:a16="http://schemas.microsoft.com/office/drawing/2014/main" xmlns:p14="http://schemas.microsoft.com/office/powerpoint/2010/main" xmlns:a14="http://schemas.microsoft.com/office/drawing/2010/main" w="9525">
+                    <a:solidFill>
+                      <a:srgbClr val="000000"/>
+                    </a:solidFill>
+                    <a:round/>
+                    <a:headEnd/>
+                    <a:tailEnd/>
+                  </a14:hiddenLine>
+                </a:ext>
+              </a:extLst>
+            </p:spPr>
+          </p:sp>
+          <p:sp>
+            <p:nvSpPr>
+              <p:cNvPr id="47" name="Freeform 24">
+                <a:extLst>
+                  <a:ext uri="{FF2B5EF4-FFF2-40B4-BE49-F238E27FC236}">
+                    <a16:creationId xmlns:a16="http://schemas.microsoft.com/office/drawing/2014/main" id="{771961D1-28D7-4CC1-A720-2933E8B9135C}"/>
+                  </a:ext>
+                  <a:ext uri="{C183D7F6-B498-43B3-948B-1728B52AA6E4}">
+                    <adec:decorative xmlns:adec="http://schemas.microsoft.com/office/drawing/2017/decorative" val="1"/>
+                  </a:ext>
+                </a:extLst>
+              </p:cNvPr>
+              <p:cNvSpPr/>
+              <p:nvPr>
+                <p:extLst>
+                  <p:ext uri="{386F3935-93C4-4BCD-93E2-E3B085C9AB24}">
+                    <p16:designElem xmlns:p16="http://schemas.microsoft.com/office/powerpoint/2015/main" val="1"/>
+                  </p:ext>
+                </p:extLst>
+              </p:nvPr>
+            </p:nvSpPr>
+            <p:spPr bwMode="auto">
+              <a:xfrm>
+                <a:off x="-14288" y="5627688"/>
+                <a:ext cx="85725" cy="1216025"/>
+              </a:xfrm>
+              <a:custGeom>
+                <a:avLst/>
+                <a:gdLst/>
+                <a:ahLst/>
+                <a:cxnLst/>
+                <a:rect l="0" t="0" r="r" b="b"/>
+                <a:pathLst>
+                  <a:path w="54" h="766">
+                    <a:moveTo>
+                      <a:pt x="54" y="766"/>
+                    </a:moveTo>
+                    <a:lnTo>
+                      <a:pt x="36" y="766"/>
+                    </a:lnTo>
+                    <a:lnTo>
+                      <a:pt x="36" y="149"/>
+                    </a:lnTo>
+                    <a:lnTo>
+                      <a:pt x="0" y="3"/>
+                    </a:lnTo>
+                    <a:lnTo>
+                      <a:pt x="18" y="0"/>
+                    </a:lnTo>
+                    <a:lnTo>
+                      <a:pt x="54" y="146"/>
+                    </a:lnTo>
+                    <a:lnTo>
+                      <a:pt x="54" y="766"/>
+                    </a:lnTo>
+                    <a:close/>
+                  </a:path>
+                </a:pathLst>
+              </a:custGeom>
+              <a:grpFill/>
+              <a:ln>
+                <a:noFill/>
+              </a:ln>
+              <a:extLst>
+                <a:ext uri="{91240B29-F687-4f45-9708-019B960494DF}">
+                  <a14:hiddenLine xmlns="" xmlns:a16="http://schemas.microsoft.com/office/drawing/2014/main" xmlns:p14="http://schemas.microsoft.com/office/powerpoint/2010/main" xmlns:a14="http://schemas.microsoft.com/office/drawing/2010/main" w="9525">
+                    <a:solidFill>
+                      <a:srgbClr val="000000"/>
+                    </a:solidFill>
+                    <a:round/>
+                    <a:headEnd/>
+                    <a:tailEnd/>
+                  </a14:hiddenLine>
+                </a:ext>
+              </a:extLst>
+            </p:spPr>
+          </p:sp>
+          <p:sp>
+            <p:nvSpPr>
+              <p:cNvPr id="48" name="Freeform 25">
+                <a:extLst>
+                  <a:ext uri="{FF2B5EF4-FFF2-40B4-BE49-F238E27FC236}">
+                    <a16:creationId xmlns:a16="http://schemas.microsoft.com/office/drawing/2014/main" id="{E7B8B616-B89E-4A1C-98DE-13B8B9394778}"/>
+                  </a:ext>
+                  <a:ext uri="{C183D7F6-B498-43B3-948B-1728B52AA6E4}">
+                    <adec:decorative xmlns:adec="http://schemas.microsoft.com/office/drawing/2017/decorative" val="1"/>
+                  </a:ext>
+                </a:extLst>
+              </p:cNvPr>
+              <p:cNvSpPr>
+                <a:spLocks noEditPoints="1"/>
+              </p:cNvSpPr>
+              <p:nvPr>
+                <p:extLst>
+                  <p:ext uri="{386F3935-93C4-4BCD-93E2-E3B085C9AB24}">
+                    <p16:designElem xmlns:p16="http://schemas.microsoft.com/office/powerpoint/2015/main" val="1"/>
+                  </p:ext>
+                </p:extLst>
+              </p:nvPr>
+            </p:nvSpPr>
+            <p:spPr bwMode="auto">
+              <a:xfrm>
+                <a:off x="527050" y="4867275"/>
+                <a:ext cx="190500" cy="188913"/>
+              </a:xfrm>
+              <a:custGeom>
+                <a:avLst/>
+                <a:gdLst/>
+                <a:ahLst/>
+                <a:cxnLst/>
+                <a:rect l="0" t="0" r="r" b="b"/>
+                <a:pathLst>
+                  <a:path w="40" h="40">
+                    <a:moveTo>
+                      <a:pt x="20" y="40"/>
+                    </a:moveTo>
+                    <a:cubicBezTo>
+                      <a:pt x="9" y="40"/>
+                      <a:pt x="0" y="31"/>
+                      <a:pt x="0" y="20"/>
+                    </a:cubicBezTo>
+                    <a:cubicBezTo>
+                      <a:pt x="0" y="9"/>
+                      <a:pt x="9" y="0"/>
+                      <a:pt x="20" y="0"/>
+                    </a:cubicBezTo>
+                    <a:cubicBezTo>
+                      <a:pt x="31" y="0"/>
+                      <a:pt x="40" y="9"/>
+                      <a:pt x="40" y="20"/>
+                    </a:cubicBezTo>
+                    <a:cubicBezTo>
+                      <a:pt x="40" y="31"/>
+                      <a:pt x="31" y="40"/>
+                      <a:pt x="20" y="40"/>
+                    </a:cubicBezTo>
+                    <a:close/>
+                    <a:moveTo>
+                      <a:pt x="20" y="4"/>
+                    </a:moveTo>
+                    <a:cubicBezTo>
+                      <a:pt x="11" y="4"/>
+                      <a:pt x="4" y="11"/>
+                      <a:pt x="4" y="20"/>
+                    </a:cubicBezTo>
+                    <a:cubicBezTo>
+                      <a:pt x="4" y="29"/>
+                      <a:pt x="11" y="36"/>
+                      <a:pt x="20" y="36"/>
+                    </a:cubicBezTo>
+                    <a:cubicBezTo>
+                      <a:pt x="29" y="36"/>
+                      <a:pt x="36" y="29"/>
+                      <a:pt x="36" y="20"/>
+                    </a:cubicBezTo>
+                    <a:cubicBezTo>
+                      <a:pt x="36" y="11"/>
+                      <a:pt x="29" y="4"/>
+                      <a:pt x="20" y="4"/>
+                    </a:cubicBezTo>
+                    <a:close/>
+                  </a:path>
+                </a:pathLst>
+              </a:custGeom>
+              <a:grpFill/>
+              <a:ln>
+                <a:noFill/>
+              </a:ln>
+              <a:extLst>
+                <a:ext uri="{91240B29-F687-4f45-9708-019B960494DF}">
+                  <a14:hiddenLine xmlns="" xmlns:a16="http://schemas.microsoft.com/office/drawing/2014/main" xmlns:p14="http://schemas.microsoft.com/office/powerpoint/2010/main" xmlns:a14="http://schemas.microsoft.com/office/drawing/2010/main" w="9525">
+                    <a:solidFill>
+                      <a:srgbClr val="000000"/>
+                    </a:solidFill>
+                    <a:round/>
+                    <a:headEnd/>
+                    <a:tailEnd/>
+                  </a14:hiddenLine>
+                </a:ext>
+              </a:extLst>
+            </p:spPr>
+          </p:sp>
+          <p:sp>
+            <p:nvSpPr>
+              <p:cNvPr id="49" name="Freeform 26">
+                <a:extLst>
+                  <a:ext uri="{FF2B5EF4-FFF2-40B4-BE49-F238E27FC236}">
+                    <a16:creationId xmlns:a16="http://schemas.microsoft.com/office/drawing/2014/main" id="{5D6CC1A1-D003-44BA-87E4-B3A7F3D30045}"/>
+                  </a:ext>
+                  <a:ext uri="{C183D7F6-B498-43B3-948B-1728B52AA6E4}">
+                    <adec:decorative xmlns:adec="http://schemas.microsoft.com/office/drawing/2017/decorative" val="1"/>
+                  </a:ext>
+                </a:extLst>
+              </p:cNvPr>
+              <p:cNvSpPr/>
+              <p:nvPr>
+                <p:extLst>
+                  <p:ext uri="{386F3935-93C4-4BCD-93E2-E3B085C9AB24}">
+                    <p16:designElem xmlns:p16="http://schemas.microsoft.com/office/powerpoint/2015/main" val="1"/>
+                  </p:ext>
+                </p:extLst>
+              </p:nvPr>
+            </p:nvSpPr>
+            <p:spPr bwMode="auto">
+              <a:xfrm>
+                <a:off x="309562" y="5422900"/>
+                <a:ext cx="374650" cy="1425575"/>
+              </a:xfrm>
+              <a:custGeom>
+                <a:avLst/>
+                <a:gdLst/>
+                <a:ahLst/>
+                <a:cxnLst/>
+                <a:rect l="0" t="0" r="r" b="b"/>
+                <a:pathLst>
+                  <a:path w="236" h="898">
+                    <a:moveTo>
+                      <a:pt x="18" y="898"/>
+                    </a:moveTo>
+                    <a:lnTo>
+                      <a:pt x="0" y="898"/>
+                    </a:lnTo>
+                    <a:lnTo>
+                      <a:pt x="0" y="515"/>
+                    </a:lnTo>
+                    <a:lnTo>
+                      <a:pt x="3" y="512"/>
+                    </a:lnTo>
+                    <a:lnTo>
+                      <a:pt x="221" y="0"/>
+                    </a:lnTo>
+                    <a:lnTo>
+                      <a:pt x="236" y="6"/>
+                    </a:lnTo>
+                    <a:lnTo>
+                      <a:pt x="18" y="518"/>
+                    </a:lnTo>
+                    <a:lnTo>
+                      <a:pt x="18" y="898"/>
+                    </a:lnTo>
+                    <a:close/>
+                  </a:path>
+                </a:pathLst>
+              </a:custGeom>
+              <a:grpFill/>
+              <a:ln>
+                <a:noFill/>
+              </a:ln>
+              <a:extLst>
+                <a:ext uri="{91240B29-F687-4f45-9708-019B960494DF}">
+                  <a14:hiddenLine xmlns="" xmlns:a16="http://schemas.microsoft.com/office/drawing/2014/main" xmlns:p14="http://schemas.microsoft.com/office/powerpoint/2010/main" xmlns:a14="http://schemas.microsoft.com/office/drawing/2010/main" w="9525">
+                    <a:solidFill>
+                      <a:srgbClr val="000000"/>
+                    </a:solidFill>
+                    <a:round/>
+                    <a:headEnd/>
+                    <a:tailEnd/>
+                  </a14:hiddenLine>
+                </a:ext>
+              </a:extLst>
+            </p:spPr>
+          </p:sp>
+          <p:sp>
+            <p:nvSpPr>
+              <p:cNvPr id="50" name="Freeform 27">
+                <a:extLst>
+                  <a:ext uri="{FF2B5EF4-FFF2-40B4-BE49-F238E27FC236}">
+                    <a16:creationId xmlns:a16="http://schemas.microsoft.com/office/drawing/2014/main" id="{FF32749B-B34C-4FCB-A33A-0478844A93A9}"/>
+                  </a:ext>
+                  <a:ext uri="{C183D7F6-B498-43B3-948B-1728B52AA6E4}">
+                    <adec:decorative xmlns:adec="http://schemas.microsoft.com/office/drawing/2017/decorative" val="1"/>
+                  </a:ext>
+                </a:extLst>
+              </p:cNvPr>
+              <p:cNvSpPr/>
+              <p:nvPr>
+                <p:extLst>
+                  <p:ext uri="{386F3935-93C4-4BCD-93E2-E3B085C9AB24}">
+                    <p16:designElem xmlns:p16="http://schemas.microsoft.com/office/powerpoint/2015/main" val="1"/>
+                  </p:ext>
+                </p:extLst>
+              </p:nvPr>
+            </p:nvSpPr>
+            <p:spPr bwMode="auto">
+              <a:xfrm>
+                <a:off x="569912" y="5945188"/>
+                <a:ext cx="152400" cy="912813"/>
+              </a:xfrm>
+              <a:custGeom>
+                <a:avLst/>
+                <a:gdLst/>
+                <a:ahLst/>
+                <a:cxnLst/>
+                <a:rect l="0" t="0" r="r" b="b"/>
+                <a:pathLst>
+                  <a:path w="96" h="575">
+                    <a:moveTo>
+                      <a:pt x="15" y="575"/>
+                    </a:moveTo>
+                    <a:lnTo>
+                      <a:pt x="0" y="569"/>
+                    </a:lnTo>
+                    <a:lnTo>
+                      <a:pt x="81" y="383"/>
+                    </a:lnTo>
+                    <a:lnTo>
+                      <a:pt x="81" y="0"/>
+                    </a:lnTo>
+                    <a:lnTo>
+                      <a:pt x="96" y="0"/>
+                    </a:lnTo>
+                    <a:lnTo>
+                      <a:pt x="96" y="386"/>
+                    </a:lnTo>
+                    <a:lnTo>
+                      <a:pt x="15" y="575"/>
+                    </a:lnTo>
+                    <a:close/>
+                  </a:path>
+                </a:pathLst>
+              </a:custGeom>
+              <a:grpFill/>
+              <a:ln>
+                <a:noFill/>
+              </a:ln>
+              <a:extLst>
+                <a:ext uri="{91240B29-F687-4f45-9708-019B960494DF}">
+                  <a14:hiddenLine xmlns="" xmlns:a16="http://schemas.microsoft.com/office/drawing/2014/main" xmlns:p14="http://schemas.microsoft.com/office/powerpoint/2010/main" xmlns:a14="http://schemas.microsoft.com/office/drawing/2010/main" w="9525">
+                    <a:solidFill>
+                      <a:srgbClr val="000000"/>
+                    </a:solidFill>
+                    <a:round/>
+                    <a:headEnd/>
+                    <a:tailEnd/>
+                  </a14:hiddenLine>
+                </a:ext>
+              </a:extLst>
+            </p:spPr>
+          </p:sp>
+          <p:sp>
+            <p:nvSpPr>
+              <p:cNvPr id="51" name="Freeform 28">
+                <a:extLst>
+                  <a:ext uri="{FF2B5EF4-FFF2-40B4-BE49-F238E27FC236}">
+                    <a16:creationId xmlns:a16="http://schemas.microsoft.com/office/drawing/2014/main" id="{4455F261-AC57-4085-8989-4DBED747F150}"/>
+                  </a:ext>
+                  <a:ext uri="{C183D7F6-B498-43B3-948B-1728B52AA6E4}">
+                    <adec:decorative xmlns:adec="http://schemas.microsoft.com/office/drawing/2017/decorative" val="1"/>
+                  </a:ext>
+                </a:extLst>
+              </p:cNvPr>
+              <p:cNvSpPr>
+                <a:spLocks noEditPoints="1"/>
+              </p:cNvSpPr>
+              <p:nvPr>
+                <p:extLst>
+                  <p:ext uri="{386F3935-93C4-4BCD-93E2-E3B085C9AB24}">
+                    <p16:designElem xmlns:p16="http://schemas.microsoft.com/office/powerpoint/2015/main" val="1"/>
+                  </p:ext>
+                </p:extLst>
+              </p:nvPr>
+            </p:nvSpPr>
+            <p:spPr bwMode="auto">
+              <a:xfrm>
+                <a:off x="612775" y="5246688"/>
+                <a:ext cx="190500" cy="190500"/>
+              </a:xfrm>
+              <a:custGeom>
+                <a:avLst/>
+                <a:gdLst/>
+                <a:ahLst/>
+                <a:cxnLst/>
+                <a:rect l="0" t="0" r="r" b="b"/>
+                <a:pathLst>
+                  <a:path w="40" h="40">
+                    <a:moveTo>
+                      <a:pt x="20" y="40"/>
+                    </a:moveTo>
+                    <a:cubicBezTo>
+                      <a:pt x="9" y="40"/>
+                      <a:pt x="0" y="31"/>
+                      <a:pt x="0" y="20"/>
+                    </a:cubicBezTo>
+                    <a:cubicBezTo>
+                      <a:pt x="0" y="9"/>
+                      <a:pt x="9" y="0"/>
+                      <a:pt x="20" y="0"/>
+                    </a:cubicBezTo>
+                    <a:cubicBezTo>
+                      <a:pt x="31" y="0"/>
+                      <a:pt x="40" y="9"/>
+                      <a:pt x="40" y="20"/>
+                    </a:cubicBezTo>
+                    <a:cubicBezTo>
+                      <a:pt x="40" y="31"/>
+                      <a:pt x="31" y="40"/>
+                      <a:pt x="20" y="40"/>
+                    </a:cubicBezTo>
+                    <a:close/>
+                    <a:moveTo>
+                      <a:pt x="20" y="4"/>
+                    </a:moveTo>
+                    <a:cubicBezTo>
+                      <a:pt x="12" y="4"/>
+                      <a:pt x="4" y="11"/>
+                      <a:pt x="4" y="20"/>
+                    </a:cubicBezTo>
+                    <a:cubicBezTo>
+                      <a:pt x="4" y="29"/>
+                      <a:pt x="12" y="36"/>
+                      <a:pt x="20" y="36"/>
+                    </a:cubicBezTo>
+                    <a:cubicBezTo>
+                      <a:pt x="29" y="36"/>
+                      <a:pt x="36" y="29"/>
+                      <a:pt x="36" y="20"/>
+                    </a:cubicBezTo>
+                    <a:cubicBezTo>
+                      <a:pt x="36" y="11"/>
+                      <a:pt x="29" y="4"/>
+                      <a:pt x="20" y="4"/>
+                    </a:cubicBezTo>
+                    <a:close/>
+                  </a:path>
+                </a:pathLst>
+              </a:custGeom>
+              <a:grpFill/>
+              <a:ln>
+                <a:noFill/>
+              </a:ln>
+              <a:extLst>
+                <a:ext uri="{91240B29-F687-4f45-9708-019B960494DF}">
+                  <a14:hiddenLine xmlns="" xmlns:a16="http://schemas.microsoft.com/office/drawing/2014/main" xmlns:p14="http://schemas.microsoft.com/office/powerpoint/2010/main" xmlns:a14="http://schemas.microsoft.com/office/drawing/2010/main" w="9525">
+                    <a:solidFill>
+                      <a:srgbClr val="000000"/>
+                    </a:solidFill>
+                    <a:round/>
+                    <a:headEnd/>
+                    <a:tailEnd/>
+                  </a14:hiddenLine>
+                </a:ext>
+              </a:extLst>
+            </p:spPr>
+          </p:sp>
+          <p:sp>
+            <p:nvSpPr>
+              <p:cNvPr id="52" name="Freeform 29">
+                <a:extLst>
+                  <a:ext uri="{FF2B5EF4-FFF2-40B4-BE49-F238E27FC236}">
+                    <a16:creationId xmlns:a16="http://schemas.microsoft.com/office/drawing/2014/main" id="{57CEA90D-DB58-4EC0-A55C-15FAF59E046D}"/>
+                  </a:ext>
+                  <a:ext uri="{C183D7F6-B498-43B3-948B-1728B52AA6E4}">
+                    <adec:decorative xmlns:adec="http://schemas.microsoft.com/office/drawing/2017/decorative" val="1"/>
+                  </a:ext>
+                </a:extLst>
+              </p:cNvPr>
+              <p:cNvSpPr>
+                <a:spLocks noEditPoints="1"/>
+              </p:cNvSpPr>
+              <p:nvPr>
+                <p:extLst>
+                  <p:ext uri="{386F3935-93C4-4BCD-93E2-E3B085C9AB24}">
+                    <p16:designElem xmlns:p16="http://schemas.microsoft.com/office/powerpoint/2015/main" val="1"/>
+                  </p:ext>
+                </p:extLst>
+              </p:nvPr>
+            </p:nvSpPr>
+            <p:spPr bwMode="auto">
+              <a:xfrm>
+                <a:off x="612775" y="5764213"/>
+                <a:ext cx="190500" cy="190500"/>
+              </a:xfrm>
+              <a:custGeom>
+                <a:avLst/>
+                <a:gdLst/>
+                <a:ahLst/>
+                <a:cxnLst/>
+                <a:rect l="0" t="0" r="r" b="b"/>
+                <a:pathLst>
+                  <a:path w="40" h="40">
+                    <a:moveTo>
+                      <a:pt x="20" y="40"/>
+                    </a:moveTo>
+                    <a:cubicBezTo>
+                      <a:pt x="9" y="40"/>
+                      <a:pt x="0" y="31"/>
+                      <a:pt x="0" y="20"/>
+                    </a:cubicBezTo>
+                    <a:cubicBezTo>
+                      <a:pt x="0" y="9"/>
+                      <a:pt x="9" y="0"/>
+                      <a:pt x="20" y="0"/>
+                    </a:cubicBezTo>
+                    <a:cubicBezTo>
+                      <a:pt x="31" y="0"/>
+                      <a:pt x="40" y="9"/>
+                      <a:pt x="40" y="20"/>
+                    </a:cubicBezTo>
+                    <a:cubicBezTo>
+                      <a:pt x="40" y="31"/>
+                      <a:pt x="31" y="40"/>
+                      <a:pt x="20" y="40"/>
+                    </a:cubicBezTo>
+                    <a:close/>
+                    <a:moveTo>
+                      <a:pt x="20" y="4"/>
+                    </a:moveTo>
+                    <a:cubicBezTo>
+                      <a:pt x="12" y="4"/>
+                      <a:pt x="4" y="11"/>
+                      <a:pt x="4" y="20"/>
+                    </a:cubicBezTo>
+                    <a:cubicBezTo>
+                      <a:pt x="4" y="29"/>
+                      <a:pt x="12" y="36"/>
+                      <a:pt x="20" y="36"/>
+                    </a:cubicBezTo>
+                    <a:cubicBezTo>
+                      <a:pt x="29" y="36"/>
+                      <a:pt x="36" y="29"/>
+                      <a:pt x="36" y="20"/>
+                    </a:cubicBezTo>
+                    <a:cubicBezTo>
+                      <a:pt x="36" y="11"/>
+                      <a:pt x="29" y="4"/>
+                      <a:pt x="20" y="4"/>
+                    </a:cubicBezTo>
+                    <a:close/>
+                  </a:path>
+                </a:pathLst>
+              </a:custGeom>
+              <a:grpFill/>
+              <a:ln>
+                <a:noFill/>
+              </a:ln>
+              <a:extLst>
+                <a:ext uri="{91240B29-F687-4f45-9708-019B960494DF}">
+                  <a14:hiddenLine xmlns="" xmlns:a16="http://schemas.microsoft.com/office/drawing/2014/main" xmlns:p14="http://schemas.microsoft.com/office/powerpoint/2010/main" xmlns:a14="http://schemas.microsoft.com/office/drawing/2010/main" w="9525">
+                    <a:solidFill>
+                      <a:srgbClr val="000000"/>
+                    </a:solidFill>
+                    <a:round/>
+                    <a:headEnd/>
+                    <a:tailEnd/>
+                  </a14:hiddenLine>
+                </a:ext>
+              </a:extLst>
+            </p:spPr>
+          </p:sp>
+          <p:sp>
+            <p:nvSpPr>
+              <p:cNvPr id="53" name="Freeform 30">
+                <a:extLst>
+                  <a:ext uri="{FF2B5EF4-FFF2-40B4-BE49-F238E27FC236}">
+                    <a16:creationId xmlns:a16="http://schemas.microsoft.com/office/drawing/2014/main" id="{66BBB005-2E38-496A-A46C-FD2B0605C16B}"/>
+                  </a:ext>
+                  <a:ext uri="{C183D7F6-B498-43B3-948B-1728B52AA6E4}">
+                    <adec:decorative xmlns:adec="http://schemas.microsoft.com/office/drawing/2017/decorative" val="1"/>
+                  </a:ext>
+                </a:extLst>
+              </p:cNvPr>
+              <p:cNvSpPr/>
+              <p:nvPr>
+                <p:extLst>
+                  <p:ext uri="{386F3935-93C4-4BCD-93E2-E3B085C9AB24}">
+                    <p16:designElem xmlns:p16="http://schemas.microsoft.com/office/powerpoint/2015/main" val="1"/>
+                  </p:ext>
+                </p:extLst>
+              </p:nvPr>
+            </p:nvSpPr>
+            <p:spPr bwMode="auto">
+              <a:xfrm>
+                <a:off x="669925" y="6330950"/>
+                <a:ext cx="417513" cy="517525"/>
+              </a:xfrm>
+              <a:custGeom>
+                <a:avLst/>
+                <a:gdLst/>
+                <a:ahLst/>
+                <a:cxnLst/>
+                <a:rect l="0" t="0" r="r" b="b"/>
+                <a:pathLst>
+                  <a:path w="263" h="326">
+                    <a:moveTo>
+                      <a:pt x="15" y="326"/>
+                    </a:moveTo>
+                    <a:lnTo>
+                      <a:pt x="0" y="320"/>
+                    </a:lnTo>
+                    <a:lnTo>
+                      <a:pt x="45" y="206"/>
+                    </a:lnTo>
+                    <a:lnTo>
+                      <a:pt x="48" y="206"/>
+                    </a:lnTo>
+                    <a:lnTo>
+                      <a:pt x="254" y="0"/>
+                    </a:lnTo>
+                    <a:lnTo>
+                      <a:pt x="263" y="12"/>
+                    </a:lnTo>
+                    <a:lnTo>
+                      <a:pt x="60" y="215"/>
+                    </a:lnTo>
+                    <a:lnTo>
+                      <a:pt x="15" y="326"/>
+                    </a:lnTo>
+                    <a:close/>
+                  </a:path>
+                </a:pathLst>
+              </a:custGeom>
+              <a:grpFill/>
+              <a:ln>
+                <a:noFill/>
+              </a:ln>
+              <a:extLst>
+                <a:ext uri="{91240B29-F687-4f45-9708-019B960494DF}">
+                  <a14:hiddenLine xmlns="" xmlns:a16="http://schemas.microsoft.com/office/drawing/2014/main" xmlns:p14="http://schemas.microsoft.com/office/powerpoint/2010/main" xmlns:a14="http://schemas.microsoft.com/office/drawing/2010/main" w="9525">
+                    <a:solidFill>
+                      <a:srgbClr val="000000"/>
+                    </a:solidFill>
+                    <a:round/>
+                    <a:headEnd/>
+                    <a:tailEnd/>
+                  </a14:hiddenLine>
+                </a:ext>
+              </a:extLst>
+            </p:spPr>
+          </p:sp>
+          <p:sp>
+            <p:nvSpPr>
+              <p:cNvPr id="54" name="Freeform 31">
+                <a:extLst>
+                  <a:ext uri="{FF2B5EF4-FFF2-40B4-BE49-F238E27FC236}">
+                    <a16:creationId xmlns:a16="http://schemas.microsoft.com/office/drawing/2014/main" id="{E1A7618C-DE9D-401A-AD7A-784F19DA8560}"/>
+                  </a:ext>
+                  <a:ext uri="{C183D7F6-B498-43B3-948B-1728B52AA6E4}">
+                    <adec:decorative xmlns:adec="http://schemas.microsoft.com/office/drawing/2017/decorative" val="1"/>
+                  </a:ext>
+                </a:extLst>
+              </p:cNvPr>
+              <p:cNvSpPr>
+                <a:spLocks noEditPoints="1"/>
+              </p:cNvSpPr>
+              <p:nvPr>
+                <p:extLst>
+                  <p:ext uri="{386F3935-93C4-4BCD-93E2-E3B085C9AB24}">
+                    <p16:designElem xmlns:p16="http://schemas.microsoft.com/office/powerpoint/2015/main" val="1"/>
+                  </p:ext>
+                </p:extLst>
+              </p:nvPr>
+            </p:nvSpPr>
+            <p:spPr bwMode="auto">
+              <a:xfrm>
+                <a:off x="1049337" y="6221413"/>
+                <a:ext cx="157163" cy="147638"/>
+              </a:xfrm>
+              <a:custGeom>
+                <a:avLst/>
+                <a:gdLst/>
+                <a:ahLst/>
+                <a:cxnLst/>
+                <a:rect l="0" t="0" r="r" b="b"/>
+                <a:pathLst>
+                  <a:path w="33" h="31">
+                    <a:moveTo>
+                      <a:pt x="16" y="31"/>
+                    </a:moveTo>
+                    <a:cubicBezTo>
+                      <a:pt x="12" y="31"/>
+                      <a:pt x="8" y="29"/>
+                      <a:pt x="5" y="26"/>
+                    </a:cubicBezTo>
+                    <a:cubicBezTo>
+                      <a:pt x="2" y="24"/>
+                      <a:pt x="0" y="20"/>
+                      <a:pt x="0" y="15"/>
+                    </a:cubicBezTo>
+                    <a:cubicBezTo>
+                      <a:pt x="0" y="11"/>
+                      <a:pt x="2" y="7"/>
+                      <a:pt x="5" y="4"/>
+                    </a:cubicBezTo>
+                    <a:cubicBezTo>
+                      <a:pt x="8" y="1"/>
+                      <a:pt x="12" y="0"/>
+                      <a:pt x="16" y="0"/>
+                    </a:cubicBezTo>
+                    <a:cubicBezTo>
+                      <a:pt x="20" y="0"/>
+                      <a:pt x="24" y="1"/>
+                      <a:pt x="27" y="4"/>
+                    </a:cubicBezTo>
+                    <a:cubicBezTo>
+                      <a:pt x="33" y="10"/>
+                      <a:pt x="33" y="20"/>
+                      <a:pt x="27" y="26"/>
+                    </a:cubicBezTo>
+                    <a:cubicBezTo>
+                      <a:pt x="24" y="29"/>
+                      <a:pt x="20" y="31"/>
+                      <a:pt x="16" y="31"/>
+                    </a:cubicBezTo>
+                    <a:close/>
+                    <a:moveTo>
+                      <a:pt x="16" y="4"/>
+                    </a:moveTo>
+                    <a:cubicBezTo>
+                      <a:pt x="13" y="4"/>
+                      <a:pt x="10" y="5"/>
+                      <a:pt x="8" y="7"/>
+                    </a:cubicBezTo>
+                    <a:cubicBezTo>
+                      <a:pt x="6" y="9"/>
+                      <a:pt x="4" y="12"/>
+                      <a:pt x="4" y="15"/>
+                    </a:cubicBezTo>
+                    <a:cubicBezTo>
+                      <a:pt x="4" y="19"/>
+                      <a:pt x="6" y="21"/>
+                      <a:pt x="8" y="24"/>
+                    </a:cubicBezTo>
+                    <a:cubicBezTo>
+                      <a:pt x="10" y="26"/>
+                      <a:pt x="13" y="27"/>
+                      <a:pt x="16" y="27"/>
+                    </a:cubicBezTo>
+                    <a:cubicBezTo>
+                      <a:pt x="19" y="27"/>
+                      <a:pt x="22" y="26"/>
+                      <a:pt x="24" y="24"/>
+                    </a:cubicBezTo>
+                    <a:cubicBezTo>
+                      <a:pt x="29" y="19"/>
+                      <a:pt x="29" y="12"/>
+                      <a:pt x="24" y="7"/>
+                    </a:cubicBezTo>
+                    <a:cubicBezTo>
+                      <a:pt x="22" y="5"/>
+                      <a:pt x="19" y="4"/>
+                      <a:pt x="16" y="4"/>
+                    </a:cubicBezTo>
+                    <a:close/>
+                  </a:path>
+                </a:pathLst>
+              </a:custGeom>
+              <a:grpFill/>
+              <a:ln>
+                <a:noFill/>
+              </a:ln>
+              <a:extLst>
+                <a:ext uri="{91240B29-F687-4f45-9708-019B960494DF}">
+                  <a14:hiddenLine xmlns="" xmlns:a16="http://schemas.microsoft.com/office/drawing/2014/main" xmlns:p14="http://schemas.microsoft.com/office/powerpoint/2010/main" xmlns:a14="http://schemas.microsoft.com/office/drawing/2010/main" w="9525">
+                    <a:solidFill>
+                      <a:srgbClr val="000000"/>
+                    </a:solidFill>
+                    <a:round/>
+                    <a:headEnd/>
+                    <a:tailEnd/>
+                  </a14:hiddenLine>
+                </a:ext>
+              </a:extLst>
+            </p:spPr>
+          </p:sp>
+        </p:grpSp>
+        <p:grpSp>
+          <p:nvGrpSpPr>
+            <p:cNvPr id="17" name="Group 16">
+              <a:extLst>
+                <a:ext uri="{FF2B5EF4-FFF2-40B4-BE49-F238E27FC236}">
+                  <a16:creationId xmlns:a16="http://schemas.microsoft.com/office/drawing/2014/main" id="{5E441C57-A0CF-4D49-9609-55CB4646BD6A}"/>
+                </a:ext>
+                <a:ext uri="{C183D7F6-B498-43B3-948B-1728B52AA6E4}">
+                  <adec:decorative xmlns:adec="http://schemas.microsoft.com/office/drawing/2017/decorative" val="1"/>
+                </a:ext>
+              </a:extLst>
+            </p:cNvPr>
+            <p:cNvGrpSpPr/>
+            <p:nvPr>
+              <p:extLst>
+                <p:ext uri="{386F3935-93C4-4BCD-93E2-E3B085C9AB24}">
+                  <p16:designElem xmlns:p16="http://schemas.microsoft.com/office/powerpoint/2015/main" val="1"/>
+                </p:ext>
+              </p:extLst>
+            </p:nvPr>
+          </p:nvGrpSpPr>
+          <p:grpSpPr>
+            <a:xfrm>
+              <a:off x="11364912" y="0"/>
+              <a:ext cx="674688" cy="6848476"/>
+              <a:chOff x="11364912" y="0"/>
+              <a:chExt cx="674688" cy="6848476"/>
+            </a:xfrm>
+            <a:gradFill flip="none" rotWithShape="1">
+              <a:gsLst>
+                <a:gs pos="0">
+                  <a:schemeClr val="tx2">
+                    <a:alpha val="80000"/>
+                  </a:schemeClr>
+                </a:gs>
+                <a:gs pos="100000">
+                  <a:schemeClr val="bg2">
+                    <a:lumMod val="60000"/>
+                    <a:lumOff val="40000"/>
+                    <a:alpha val="60000"/>
+                  </a:schemeClr>
+                </a:gs>
+              </a:gsLst>
+              <a:lin ang="5400000" scaled="0"/>
+              <a:tileRect/>
+            </a:gradFill>
+          </p:grpSpPr>
+          <p:sp>
+            <p:nvSpPr>
+              <p:cNvPr id="18" name="Freeform 32">
+                <a:extLst>
+                  <a:ext uri="{FF2B5EF4-FFF2-40B4-BE49-F238E27FC236}">
+                    <a16:creationId xmlns:a16="http://schemas.microsoft.com/office/drawing/2014/main" id="{2D3240AD-75B9-452B-9967-D05B40DE5FBA}"/>
+                  </a:ext>
+                  <a:ext uri="{C183D7F6-B498-43B3-948B-1728B52AA6E4}">
+                    <adec:decorative xmlns:adec="http://schemas.microsoft.com/office/drawing/2017/decorative" val="1"/>
+                  </a:ext>
+                </a:extLst>
+              </p:cNvPr>
+              <p:cNvSpPr/>
+              <p:nvPr>
+                <p:extLst>
+                  <p:ext uri="{386F3935-93C4-4BCD-93E2-E3B085C9AB24}">
+                    <p16:designElem xmlns:p16="http://schemas.microsoft.com/office/powerpoint/2015/main" val="1"/>
+                  </p:ext>
+                </p:extLst>
+              </p:nvPr>
+            </p:nvSpPr>
+            <p:spPr bwMode="auto">
+              <a:xfrm>
+                <a:off x="11483975" y="0"/>
+                <a:ext cx="417513" cy="512763"/>
+              </a:xfrm>
+              <a:custGeom>
+                <a:avLst/>
+                <a:gdLst/>
+                <a:ahLst/>
+                <a:cxnLst/>
+                <a:rect l="0" t="0" r="r" b="b"/>
+                <a:pathLst>
+                  <a:path w="263" h="323">
+                    <a:moveTo>
+                      <a:pt x="12" y="323"/>
+                    </a:moveTo>
+                    <a:lnTo>
+                      <a:pt x="0" y="314"/>
+                    </a:lnTo>
+                    <a:lnTo>
+                      <a:pt x="203" y="108"/>
+                    </a:lnTo>
+                    <a:lnTo>
+                      <a:pt x="248" y="0"/>
+                    </a:lnTo>
+                    <a:lnTo>
+                      <a:pt x="263" y="6"/>
+                    </a:lnTo>
+                    <a:lnTo>
+                      <a:pt x="218" y="117"/>
+                    </a:lnTo>
+                    <a:lnTo>
+                      <a:pt x="218" y="117"/>
+                    </a:lnTo>
+                    <a:lnTo>
+                      <a:pt x="12" y="323"/>
+                    </a:lnTo>
+                    <a:close/>
+                  </a:path>
+                </a:pathLst>
+              </a:custGeom>
+              <a:grpFill/>
+              <a:ln>
+                <a:noFill/>
+              </a:ln>
+              <a:extLst>
+                <a:ext uri="{91240B29-F687-4f45-9708-019B960494DF}">
+                  <a14:hiddenLine xmlns="" xmlns:a16="http://schemas.microsoft.com/office/drawing/2014/main" xmlns:p14="http://schemas.microsoft.com/office/powerpoint/2010/main" xmlns:a14="http://schemas.microsoft.com/office/drawing/2010/main" w="9525">
+                    <a:solidFill>
+                      <a:srgbClr val="000000"/>
+                    </a:solidFill>
+                    <a:round/>
+                    <a:headEnd/>
+                    <a:tailEnd/>
+                  </a14:hiddenLine>
+                </a:ext>
+              </a:extLst>
+            </p:spPr>
+          </p:sp>
+          <p:sp>
+            <p:nvSpPr>
+              <p:cNvPr id="19" name="Freeform 33">
+                <a:extLst>
+                  <a:ext uri="{FF2B5EF4-FFF2-40B4-BE49-F238E27FC236}">
+                    <a16:creationId xmlns:a16="http://schemas.microsoft.com/office/drawing/2014/main" id="{6A557EE5-4777-4655-A433-05006D84104D}"/>
+                  </a:ext>
+                  <a:ext uri="{C183D7F6-B498-43B3-948B-1728B52AA6E4}">
+                    <adec:decorative xmlns:adec="http://schemas.microsoft.com/office/drawing/2017/decorative" val="1"/>
+                  </a:ext>
+                </a:extLst>
+              </p:cNvPr>
+              <p:cNvSpPr>
+                <a:spLocks noEditPoints="1"/>
+              </p:cNvSpPr>
+              <p:nvPr>
+                <p:extLst>
+                  <p:ext uri="{386F3935-93C4-4BCD-93E2-E3B085C9AB24}">
+                    <p16:designElem xmlns:p16="http://schemas.microsoft.com/office/powerpoint/2015/main" val="1"/>
+                  </p:ext>
+                </p:extLst>
+              </p:nvPr>
+            </p:nvSpPr>
+            <p:spPr bwMode="auto">
+              <a:xfrm>
+                <a:off x="11364912" y="474663"/>
+                <a:ext cx="157163" cy="152400"/>
+              </a:xfrm>
+              <a:custGeom>
+                <a:avLst/>
+                <a:gdLst/>
+                <a:ahLst/>
+                <a:cxnLst/>
+                <a:rect l="0" t="0" r="r" b="b"/>
+                <a:pathLst>
+                  <a:path w="33" h="32">
+                    <a:moveTo>
+                      <a:pt x="17" y="32"/>
+                    </a:moveTo>
+                    <a:cubicBezTo>
+                      <a:pt x="13" y="32"/>
+                      <a:pt x="9" y="30"/>
+                      <a:pt x="6" y="27"/>
+                    </a:cubicBezTo>
+                    <a:cubicBezTo>
+                      <a:pt x="0" y="21"/>
+                      <a:pt x="0" y="11"/>
+                      <a:pt x="6" y="5"/>
+                    </a:cubicBezTo>
+                    <a:cubicBezTo>
+                      <a:pt x="9" y="2"/>
+                      <a:pt x="13" y="0"/>
+                      <a:pt x="17" y="0"/>
+                    </a:cubicBezTo>
+                    <a:cubicBezTo>
+                      <a:pt x="21" y="0"/>
+                      <a:pt x="25" y="2"/>
+                      <a:pt x="28" y="5"/>
+                    </a:cubicBezTo>
+                    <a:cubicBezTo>
+                      <a:pt x="31" y="8"/>
+                      <a:pt x="33" y="12"/>
+                      <a:pt x="33" y="16"/>
+                    </a:cubicBezTo>
+                    <a:cubicBezTo>
+                      <a:pt x="33" y="20"/>
+                      <a:pt x="31" y="24"/>
+                      <a:pt x="28" y="27"/>
+                    </a:cubicBezTo>
+                    <a:cubicBezTo>
+                      <a:pt x="25" y="30"/>
+                      <a:pt x="21" y="32"/>
+                      <a:pt x="17" y="32"/>
+                    </a:cubicBezTo>
+                    <a:close/>
+                    <a:moveTo>
+                      <a:pt x="17" y="4"/>
+                    </a:moveTo>
+                    <a:cubicBezTo>
+                      <a:pt x="14" y="4"/>
+                      <a:pt x="11" y="6"/>
+                      <a:pt x="9" y="8"/>
+                    </a:cubicBezTo>
+                    <a:cubicBezTo>
+                      <a:pt x="4" y="12"/>
+                      <a:pt x="4" y="20"/>
+                      <a:pt x="9" y="24"/>
+                    </a:cubicBezTo>
+                    <a:cubicBezTo>
+                      <a:pt x="11" y="27"/>
+                      <a:pt x="14" y="28"/>
+                      <a:pt x="17" y="28"/>
+                    </a:cubicBezTo>
+                    <a:cubicBezTo>
+                      <a:pt x="20" y="28"/>
+                      <a:pt x="23" y="27"/>
+                      <a:pt x="26" y="24"/>
+                    </a:cubicBezTo>
+                    <a:cubicBezTo>
+                      <a:pt x="30" y="20"/>
+                      <a:pt x="30" y="12"/>
+                      <a:pt x="26" y="8"/>
+                    </a:cubicBezTo>
+                    <a:cubicBezTo>
+                      <a:pt x="23" y="6"/>
+                      <a:pt x="20" y="4"/>
+                      <a:pt x="17" y="4"/>
+                    </a:cubicBezTo>
+                    <a:close/>
+                  </a:path>
+                </a:pathLst>
+              </a:custGeom>
+              <a:grpFill/>
+              <a:ln>
+                <a:noFill/>
+              </a:ln>
+              <a:extLst>
+                <a:ext uri="{91240B29-F687-4f45-9708-019B960494DF}">
+                  <a14:hiddenLine xmlns="" xmlns:a16="http://schemas.microsoft.com/office/drawing/2014/main" xmlns:p14="http://schemas.microsoft.com/office/powerpoint/2010/main" xmlns:a14="http://schemas.microsoft.com/office/drawing/2010/main" w="9525">
+                    <a:solidFill>
+                      <a:srgbClr val="000000"/>
+                    </a:solidFill>
+                    <a:round/>
+                    <a:headEnd/>
+                    <a:tailEnd/>
+                  </a14:hiddenLine>
+                </a:ext>
+              </a:extLst>
+            </p:spPr>
+          </p:sp>
+          <p:sp>
+            <p:nvSpPr>
+              <p:cNvPr id="20" name="Freeform 34">
+                <a:extLst>
+                  <a:ext uri="{FF2B5EF4-FFF2-40B4-BE49-F238E27FC236}">
+                    <a16:creationId xmlns:a16="http://schemas.microsoft.com/office/drawing/2014/main" id="{6B721B6E-8FF2-470B-A180-C594E82718ED}"/>
+                  </a:ext>
+                  <a:ext uri="{C183D7F6-B498-43B3-948B-1728B52AA6E4}">
+                    <adec:decorative xmlns:adec="http://schemas.microsoft.com/office/drawing/2017/decorative" val="1"/>
+                  </a:ext>
+                </a:extLst>
+              </p:cNvPr>
+              <p:cNvSpPr>
+                <a:spLocks noEditPoints="1"/>
+              </p:cNvSpPr>
+              <p:nvPr>
+                <p:extLst>
+                  <p:ext uri="{386F3935-93C4-4BCD-93E2-E3B085C9AB24}">
+                    <p16:designElem xmlns:p16="http://schemas.microsoft.com/office/powerpoint/2015/main" val="1"/>
+                  </p:ext>
+                </p:extLst>
+              </p:nvPr>
+            </p:nvSpPr>
+            <p:spPr bwMode="auto">
+              <a:xfrm>
+                <a:off x="11631612" y="1539875"/>
+                <a:ext cx="188913" cy="190500"/>
+              </a:xfrm>
+              <a:custGeom>
+                <a:avLst/>
+                <a:gdLst/>
+                <a:ahLst/>
+                <a:cxnLst/>
+                <a:rect l="0" t="0" r="r" b="b"/>
+                <a:pathLst>
+                  <a:path w="40" h="40">
+                    <a:moveTo>
+                      <a:pt x="20" y="40"/>
+                    </a:moveTo>
+                    <a:cubicBezTo>
+                      <a:pt x="9" y="40"/>
+                      <a:pt x="0" y="31"/>
+                      <a:pt x="0" y="20"/>
+                    </a:cubicBezTo>
+                    <a:cubicBezTo>
+                      <a:pt x="0" y="9"/>
+                      <a:pt x="9" y="0"/>
+                      <a:pt x="20" y="0"/>
+                    </a:cubicBezTo>
+                    <a:cubicBezTo>
+                      <a:pt x="31" y="0"/>
+                      <a:pt x="40" y="9"/>
+                      <a:pt x="40" y="20"/>
+                    </a:cubicBezTo>
+                    <a:cubicBezTo>
+                      <a:pt x="40" y="31"/>
+                      <a:pt x="31" y="40"/>
+                      <a:pt x="20" y="40"/>
+                    </a:cubicBezTo>
+                    <a:close/>
+                    <a:moveTo>
+                      <a:pt x="20" y="4"/>
+                    </a:moveTo>
+                    <a:cubicBezTo>
+                      <a:pt x="11" y="4"/>
+                      <a:pt x="4" y="11"/>
+                      <a:pt x="4" y="20"/>
+                    </a:cubicBezTo>
+                    <a:cubicBezTo>
+                      <a:pt x="4" y="29"/>
+                      <a:pt x="11" y="36"/>
+                      <a:pt x="20" y="36"/>
+                    </a:cubicBezTo>
+                    <a:cubicBezTo>
+                      <a:pt x="29" y="36"/>
+                      <a:pt x="36" y="29"/>
+                      <a:pt x="36" y="20"/>
+                    </a:cubicBezTo>
+                    <a:cubicBezTo>
+                      <a:pt x="36" y="11"/>
+                      <a:pt x="29" y="4"/>
+                      <a:pt x="20" y="4"/>
+                    </a:cubicBezTo>
+                    <a:close/>
+                  </a:path>
+                </a:pathLst>
+              </a:custGeom>
+              <a:grpFill/>
+              <a:ln>
+                <a:noFill/>
+              </a:ln>
+              <a:extLst>
+                <a:ext uri="{91240B29-F687-4f45-9708-019B960494DF}">
+                  <a14:hiddenLine xmlns="" xmlns:a16="http://schemas.microsoft.com/office/drawing/2014/main" xmlns:p14="http://schemas.microsoft.com/office/powerpoint/2010/main" xmlns:a14="http://schemas.microsoft.com/office/drawing/2010/main" w="9525">
+                    <a:solidFill>
+                      <a:srgbClr val="000000"/>
+                    </a:solidFill>
+                    <a:round/>
+                    <a:headEnd/>
+                    <a:tailEnd/>
+                  </a14:hiddenLine>
+                </a:ext>
+              </a:extLst>
+            </p:spPr>
+          </p:sp>
+          <p:sp>
+            <p:nvSpPr>
+              <p:cNvPr id="21" name="Freeform 35">
+                <a:extLst>
+                  <a:ext uri="{FF2B5EF4-FFF2-40B4-BE49-F238E27FC236}">
+                    <a16:creationId xmlns:a16="http://schemas.microsoft.com/office/drawing/2014/main" id="{23E045A6-2D54-488D-B5F0-688518430889}"/>
+                  </a:ext>
+                  <a:ext uri="{C183D7F6-B498-43B3-948B-1728B52AA6E4}">
+                    <adec:decorative xmlns:adec="http://schemas.microsoft.com/office/drawing/2017/decorative" val="1"/>
+                  </a:ext>
+                </a:extLst>
+              </p:cNvPr>
+              <p:cNvSpPr/>
+              <p:nvPr>
+                <p:extLst>
+                  <p:ext uri="{386F3935-93C4-4BCD-93E2-E3B085C9AB24}">
+                    <p16:designElem xmlns:p16="http://schemas.microsoft.com/office/powerpoint/2015/main" val="1"/>
+                  </p:ext>
+                </p:extLst>
+              </p:nvPr>
+            </p:nvSpPr>
+            <p:spPr bwMode="auto">
+              <a:xfrm>
+                <a:off x="11531600" y="5694363"/>
+                <a:ext cx="298450" cy="1154113"/>
+              </a:xfrm>
+              <a:custGeom>
+                <a:avLst/>
+                <a:gdLst/>
+                <a:ahLst/>
+                <a:cxnLst/>
+                <a:rect l="0" t="0" r="r" b="b"/>
+                <a:pathLst>
+                  <a:path w="188" h="727">
+                    <a:moveTo>
+                      <a:pt x="15" y="727"/>
+                    </a:moveTo>
+                    <a:lnTo>
+                      <a:pt x="0" y="727"/>
+                    </a:lnTo>
+                    <a:lnTo>
+                      <a:pt x="0" y="407"/>
+                    </a:lnTo>
+                    <a:lnTo>
+                      <a:pt x="0" y="407"/>
+                    </a:lnTo>
+                    <a:lnTo>
+                      <a:pt x="176" y="0"/>
+                    </a:lnTo>
+                    <a:lnTo>
+                      <a:pt x="188" y="6"/>
+                    </a:lnTo>
+                    <a:lnTo>
+                      <a:pt x="15" y="410"/>
+                    </a:lnTo>
+                    <a:lnTo>
+                      <a:pt x="15" y="727"/>
+                    </a:lnTo>
+                    <a:close/>
+                  </a:path>
+                </a:pathLst>
+              </a:custGeom>
+              <a:grpFill/>
+              <a:ln>
+                <a:noFill/>
+              </a:ln>
+              <a:extLst>
+                <a:ext uri="{91240B29-F687-4f45-9708-019B960494DF}">
+                  <a14:hiddenLine xmlns="" xmlns:a16="http://schemas.microsoft.com/office/drawing/2014/main" xmlns:p14="http://schemas.microsoft.com/office/powerpoint/2010/main" xmlns:a14="http://schemas.microsoft.com/office/drawing/2010/main" w="9525">
+                    <a:solidFill>
+                      <a:srgbClr val="000000"/>
+                    </a:solidFill>
+                    <a:round/>
+                    <a:headEnd/>
+                    <a:tailEnd/>
+                  </a14:hiddenLine>
+                </a:ext>
+              </a:extLst>
+            </p:spPr>
+          </p:sp>
+          <p:sp>
+            <p:nvSpPr>
+              <p:cNvPr id="22" name="Freeform 36">
+                <a:extLst>
+                  <a:ext uri="{FF2B5EF4-FFF2-40B4-BE49-F238E27FC236}">
+                    <a16:creationId xmlns:a16="http://schemas.microsoft.com/office/drawing/2014/main" id="{2A4F07ED-57C7-4FF7-ABF8-793FC03A2470}"/>
+                  </a:ext>
+                  <a:ext uri="{C183D7F6-B498-43B3-948B-1728B52AA6E4}">
+                    <adec:decorative xmlns:adec="http://schemas.microsoft.com/office/drawing/2017/decorative" val="1"/>
+                  </a:ext>
+                </a:extLst>
+              </p:cNvPr>
+              <p:cNvSpPr>
+                <a:spLocks noEditPoints="1"/>
+              </p:cNvSpPr>
+              <p:nvPr>
+                <p:extLst>
+                  <p:ext uri="{386F3935-93C4-4BCD-93E2-E3B085C9AB24}">
+                    <p16:designElem xmlns:p16="http://schemas.microsoft.com/office/powerpoint/2015/main" val="1"/>
+                  </p:ext>
+                </p:extLst>
+              </p:nvPr>
+            </p:nvSpPr>
+            <p:spPr bwMode="auto">
+              <a:xfrm>
+                <a:off x="11772900" y="5551488"/>
+                <a:ext cx="157163" cy="155575"/>
+              </a:xfrm>
+              <a:custGeom>
+                <a:avLst/>
+                <a:gdLst/>
+                <a:ahLst/>
+                <a:cxnLst/>
+                <a:rect l="0" t="0" r="r" b="b"/>
+                <a:pathLst>
+                  <a:path w="33" h="33">
+                    <a:moveTo>
+                      <a:pt x="17" y="33"/>
+                    </a:moveTo>
+                    <a:cubicBezTo>
+                      <a:pt x="8" y="33"/>
+                      <a:pt x="0" y="25"/>
+                      <a:pt x="0" y="16"/>
+                    </a:cubicBezTo>
+                    <a:cubicBezTo>
+                      <a:pt x="0" y="7"/>
+                      <a:pt x="8" y="0"/>
+                      <a:pt x="17" y="0"/>
+                    </a:cubicBezTo>
+                    <a:cubicBezTo>
+                      <a:pt x="26" y="0"/>
+                      <a:pt x="33" y="7"/>
+                      <a:pt x="33" y="16"/>
+                    </a:cubicBezTo>
+                    <a:cubicBezTo>
+                      <a:pt x="33" y="25"/>
+                      <a:pt x="26" y="33"/>
+                      <a:pt x="17" y="33"/>
+                    </a:cubicBezTo>
+                    <a:close/>
+                    <a:moveTo>
+                      <a:pt x="17" y="4"/>
+                    </a:moveTo>
+                    <a:cubicBezTo>
+                      <a:pt x="10" y="4"/>
+                      <a:pt x="4" y="9"/>
+                      <a:pt x="4" y="16"/>
+                    </a:cubicBezTo>
+                    <a:cubicBezTo>
+                      <a:pt x="4" y="23"/>
+                      <a:pt x="10" y="29"/>
+                      <a:pt x="17" y="29"/>
+                    </a:cubicBezTo>
+                    <a:cubicBezTo>
+                      <a:pt x="23" y="29"/>
+                      <a:pt x="29" y="23"/>
+                      <a:pt x="29" y="16"/>
+                    </a:cubicBezTo>
+                    <a:cubicBezTo>
+                      <a:pt x="29" y="9"/>
+                      <a:pt x="23" y="4"/>
+                      <a:pt x="17" y="4"/>
+                    </a:cubicBezTo>
+                    <a:close/>
+                  </a:path>
+                </a:pathLst>
+              </a:custGeom>
+              <a:grpFill/>
+              <a:ln>
+                <a:noFill/>
+              </a:ln>
+              <a:extLst>
+                <a:ext uri="{91240B29-F687-4f45-9708-019B960494DF}">
+                  <a14:hiddenLine xmlns="" xmlns:a16="http://schemas.microsoft.com/office/drawing/2014/main" xmlns:p14="http://schemas.microsoft.com/office/powerpoint/2010/main" xmlns:a14="http://schemas.microsoft.com/office/drawing/2010/main" w="9525">
+                    <a:solidFill>
+                      <a:srgbClr val="000000"/>
+                    </a:solidFill>
+                    <a:round/>
+                    <a:headEnd/>
+                    <a:tailEnd/>
+                  </a14:hiddenLine>
+                </a:ext>
+              </a:extLst>
+            </p:spPr>
+          </p:sp>
+          <p:sp>
+            <p:nvSpPr>
+              <p:cNvPr id="23" name="Freeform 37">
+                <a:extLst>
+                  <a:ext uri="{FF2B5EF4-FFF2-40B4-BE49-F238E27FC236}">
+                    <a16:creationId xmlns:a16="http://schemas.microsoft.com/office/drawing/2014/main" id="{8829D0E6-D04F-4297-A784-6837F13ECABA}"/>
+                  </a:ext>
+                  <a:ext uri="{C183D7F6-B498-43B3-948B-1728B52AA6E4}">
+                    <adec:decorative xmlns:adec="http://schemas.microsoft.com/office/drawing/2017/decorative" val="1"/>
+                  </a:ext>
+                </a:extLst>
+              </p:cNvPr>
+              <p:cNvSpPr/>
+              <p:nvPr>
+                <p:extLst>
+                  <p:ext uri="{386F3935-93C4-4BCD-93E2-E3B085C9AB24}">
+                    <p16:designElem xmlns:p16="http://schemas.microsoft.com/office/powerpoint/2015/main" val="1"/>
+                  </p:ext>
+                </p:extLst>
+              </p:nvPr>
+            </p:nvSpPr>
+            <p:spPr bwMode="auto">
+              <a:xfrm>
+                <a:off x="11710987" y="4763"/>
+                <a:ext cx="304800" cy="1544638"/>
+              </a:xfrm>
+              <a:custGeom>
+                <a:avLst/>
+                <a:gdLst/>
+                <a:ahLst/>
+                <a:cxnLst/>
+                <a:rect l="0" t="0" r="r" b="b"/>
+                <a:pathLst>
+                  <a:path w="192" h="973">
+                    <a:moveTo>
+                      <a:pt x="15" y="973"/>
+                    </a:moveTo>
+                    <a:lnTo>
+                      <a:pt x="0" y="973"/>
+                    </a:lnTo>
+                    <a:lnTo>
+                      <a:pt x="0" y="790"/>
+                    </a:lnTo>
+                    <a:lnTo>
+                      <a:pt x="174" y="614"/>
+                    </a:lnTo>
+                    <a:lnTo>
+                      <a:pt x="174" y="0"/>
+                    </a:lnTo>
+                    <a:lnTo>
+                      <a:pt x="192" y="0"/>
+                    </a:lnTo>
+                    <a:lnTo>
+                      <a:pt x="192" y="620"/>
+                    </a:lnTo>
+                    <a:lnTo>
+                      <a:pt x="15" y="796"/>
+                    </a:lnTo>
+                    <a:lnTo>
+                      <a:pt x="15" y="973"/>
+                    </a:lnTo>
+                    <a:close/>
+                  </a:path>
+                </a:pathLst>
+              </a:custGeom>
+              <a:grpFill/>
+              <a:ln>
+                <a:noFill/>
+              </a:ln>
+              <a:extLst>
+                <a:ext uri="{91240B29-F687-4f45-9708-019B960494DF}">
+                  <a14:hiddenLine xmlns="" xmlns:a16="http://schemas.microsoft.com/office/drawing/2014/main" xmlns:p14="http://schemas.microsoft.com/office/powerpoint/2010/main" xmlns:a14="http://schemas.microsoft.com/office/drawing/2010/main" w="9525">
+                    <a:solidFill>
+                      <a:srgbClr val="000000"/>
+                    </a:solidFill>
+                    <a:round/>
+                    <a:headEnd/>
+                    <a:tailEnd/>
+                  </a14:hiddenLine>
+                </a:ext>
+              </a:extLst>
+            </p:spPr>
+          </p:sp>
+          <p:sp>
+            <p:nvSpPr>
+              <p:cNvPr id="24" name="Freeform 38">
+                <a:extLst>
+                  <a:ext uri="{FF2B5EF4-FFF2-40B4-BE49-F238E27FC236}">
+                    <a16:creationId xmlns:a16="http://schemas.microsoft.com/office/drawing/2014/main" id="{9477D3D3-AA00-446F-B05D-EBBA25D3C98D}"/>
+                  </a:ext>
+                  <a:ext uri="{C183D7F6-B498-43B3-948B-1728B52AA6E4}">
+                    <adec:decorative xmlns:adec="http://schemas.microsoft.com/office/drawing/2017/decorative" val="1"/>
+                  </a:ext>
+                </a:extLst>
+              </p:cNvPr>
+              <p:cNvSpPr>
+                <a:spLocks noEditPoints="1"/>
+              </p:cNvSpPr>
+              <p:nvPr>
+                <p:extLst>
+                  <p:ext uri="{386F3935-93C4-4BCD-93E2-E3B085C9AB24}">
+                    <p16:designElem xmlns:p16="http://schemas.microsoft.com/office/powerpoint/2015/main" val="1"/>
+                  </p:ext>
+                </p:extLst>
+              </p:nvPr>
+            </p:nvSpPr>
+            <p:spPr bwMode="auto">
+              <a:xfrm>
+                <a:off x="11636375" y="4867275"/>
+                <a:ext cx="188913" cy="188913"/>
+              </a:xfrm>
+              <a:custGeom>
+                <a:avLst/>
+                <a:gdLst/>
+                <a:ahLst/>
+                <a:cxnLst/>
+                <a:rect l="0" t="0" r="r" b="b"/>
+                <a:pathLst>
+                  <a:path w="40" h="40">
+                    <a:moveTo>
+                      <a:pt x="20" y="40"/>
+                    </a:moveTo>
+                    <a:cubicBezTo>
+                      <a:pt x="9" y="40"/>
+                      <a:pt x="0" y="31"/>
+                      <a:pt x="0" y="20"/>
+                    </a:cubicBezTo>
+                    <a:cubicBezTo>
+                      <a:pt x="0" y="9"/>
+                      <a:pt x="9" y="0"/>
+                      <a:pt x="20" y="0"/>
+                    </a:cubicBezTo>
+                    <a:cubicBezTo>
+                      <a:pt x="31" y="0"/>
+                      <a:pt x="40" y="9"/>
+                      <a:pt x="40" y="20"/>
+                    </a:cubicBezTo>
+                    <a:cubicBezTo>
+                      <a:pt x="40" y="31"/>
+                      <a:pt x="31" y="40"/>
+                      <a:pt x="20" y="40"/>
+                    </a:cubicBezTo>
+                    <a:close/>
+                    <a:moveTo>
+                      <a:pt x="20" y="4"/>
+                    </a:moveTo>
+                    <a:cubicBezTo>
+                      <a:pt x="11" y="4"/>
+                      <a:pt x="4" y="11"/>
+                      <a:pt x="4" y="20"/>
+                    </a:cubicBezTo>
+                    <a:cubicBezTo>
+                      <a:pt x="4" y="29"/>
+                      <a:pt x="11" y="36"/>
+                      <a:pt x="20" y="36"/>
+                    </a:cubicBezTo>
+                    <a:cubicBezTo>
+                      <a:pt x="29" y="36"/>
+                      <a:pt x="36" y="29"/>
+                      <a:pt x="36" y="20"/>
+                    </a:cubicBezTo>
+                    <a:cubicBezTo>
+                      <a:pt x="36" y="11"/>
+                      <a:pt x="29" y="4"/>
+                      <a:pt x="20" y="4"/>
+                    </a:cubicBezTo>
+                    <a:close/>
+                  </a:path>
+                </a:pathLst>
+              </a:custGeom>
+              <a:grpFill/>
+              <a:ln>
+                <a:noFill/>
+              </a:ln>
+              <a:extLst>
+                <a:ext uri="{91240B29-F687-4f45-9708-019B960494DF}">
+                  <a14:hiddenLine xmlns="" xmlns:a16="http://schemas.microsoft.com/office/drawing/2014/main" xmlns:p14="http://schemas.microsoft.com/office/powerpoint/2010/main" xmlns:a14="http://schemas.microsoft.com/office/drawing/2010/main" w="9525">
+                    <a:solidFill>
+                      <a:srgbClr val="000000"/>
+                    </a:solidFill>
+                    <a:round/>
+                    <a:headEnd/>
+                    <a:tailEnd/>
+                  </a14:hiddenLine>
+                </a:ext>
+              </a:extLst>
+            </p:spPr>
+          </p:sp>
+          <p:sp>
+            <p:nvSpPr>
+              <p:cNvPr id="25" name="Freeform 39">
+                <a:extLst>
+                  <a:ext uri="{FF2B5EF4-FFF2-40B4-BE49-F238E27FC236}">
+                    <a16:creationId xmlns:a16="http://schemas.microsoft.com/office/drawing/2014/main" id="{5AC450AD-A350-42FA-B7EA-103D4416B467}"/>
+                  </a:ext>
+                  <a:ext uri="{C183D7F6-B498-43B3-948B-1728B52AA6E4}">
+                    <adec:decorative xmlns:adec="http://schemas.microsoft.com/office/drawing/2017/decorative" val="1"/>
+                  </a:ext>
+                </a:extLst>
+              </p:cNvPr>
+              <p:cNvSpPr/>
+              <p:nvPr>
+                <p:extLst>
+                  <p:ext uri="{386F3935-93C4-4BCD-93E2-E3B085C9AB24}">
+                    <p16:designElem xmlns:p16="http://schemas.microsoft.com/office/powerpoint/2015/main" val="1"/>
+                  </p:ext>
+                </p:extLst>
+              </p:nvPr>
+            </p:nvSpPr>
+            <p:spPr bwMode="auto">
+              <a:xfrm>
+                <a:off x="11441112" y="5046663"/>
+                <a:ext cx="307975" cy="1801813"/>
+              </a:xfrm>
+              <a:custGeom>
+                <a:avLst/>
+                <a:gdLst/>
+                <a:ahLst/>
+                <a:cxnLst/>
+                <a:rect l="0" t="0" r="r" b="b"/>
+                <a:pathLst>
+                  <a:path w="194" h="1135">
+                    <a:moveTo>
+                      <a:pt x="18" y="1135"/>
+                    </a:moveTo>
+                    <a:lnTo>
+                      <a:pt x="0" y="1135"/>
+                    </a:lnTo>
+                    <a:lnTo>
+                      <a:pt x="0" y="354"/>
+                    </a:lnTo>
+                    <a:lnTo>
+                      <a:pt x="176" y="177"/>
+                    </a:lnTo>
+                    <a:lnTo>
+                      <a:pt x="176" y="0"/>
+                    </a:lnTo>
+                    <a:lnTo>
+                      <a:pt x="194" y="0"/>
+                    </a:lnTo>
+                    <a:lnTo>
+                      <a:pt x="194" y="183"/>
+                    </a:lnTo>
+                    <a:lnTo>
+                      <a:pt x="18" y="360"/>
+                    </a:lnTo>
+                    <a:lnTo>
+                      <a:pt x="18" y="1135"/>
+                    </a:lnTo>
+                    <a:close/>
+                  </a:path>
+                </a:pathLst>
+              </a:custGeom>
+              <a:grpFill/>
+              <a:ln>
+                <a:noFill/>
+              </a:ln>
+              <a:extLst>
+                <a:ext uri="{91240B29-F687-4f45-9708-019B960494DF}">
+                  <a14:hiddenLine xmlns="" xmlns:a16="http://schemas.microsoft.com/office/drawing/2014/main" xmlns:p14="http://schemas.microsoft.com/office/powerpoint/2010/main" xmlns:a14="http://schemas.microsoft.com/office/drawing/2010/main" w="9525">
+                    <a:solidFill>
+                      <a:srgbClr val="000000"/>
+                    </a:solidFill>
+                    <a:round/>
+                    <a:headEnd/>
+                    <a:tailEnd/>
+                  </a14:hiddenLine>
+                </a:ext>
+              </a:extLst>
+            </p:spPr>
+          </p:sp>
+          <p:sp>
+            <p:nvSpPr>
+              <p:cNvPr id="26" name="Freeform 40">
+                <a:extLst>
+                  <a:ext uri="{FF2B5EF4-FFF2-40B4-BE49-F238E27FC236}">
+                    <a16:creationId xmlns:a16="http://schemas.microsoft.com/office/drawing/2014/main" id="{A10F783A-EC27-47BE-A21D-3531A036FA6F}"/>
+                  </a:ext>
+                  <a:ext uri="{C183D7F6-B498-43B3-948B-1728B52AA6E4}">
+                    <adec:decorative xmlns:adec="http://schemas.microsoft.com/office/drawing/2017/decorative" val="1"/>
+                  </a:ext>
+                </a:extLst>
+              </p:cNvPr>
+              <p:cNvSpPr>
+                <a:spLocks noEditPoints="1"/>
+              </p:cNvSpPr>
+              <p:nvPr>
+                <p:extLst>
+                  <p:ext uri="{386F3935-93C4-4BCD-93E2-E3B085C9AB24}">
+                    <p16:designElem xmlns:p16="http://schemas.microsoft.com/office/powerpoint/2015/main" val="1"/>
+                  </p:ext>
+                </p:extLst>
+              </p:nvPr>
+            </p:nvSpPr>
+            <p:spPr bwMode="auto">
+              <a:xfrm>
+                <a:off x="11849100" y="6416675"/>
+                <a:ext cx="190500" cy="188913"/>
+              </a:xfrm>
+              <a:custGeom>
+                <a:avLst/>
+                <a:gdLst/>
+                <a:ahLst/>
+                <a:cxnLst/>
+                <a:rect l="0" t="0" r="r" b="b"/>
+                <a:pathLst>
+                  <a:path w="40" h="40">
+                    <a:moveTo>
+                      <a:pt x="20" y="40"/>
+                    </a:moveTo>
+                    <a:cubicBezTo>
+                      <a:pt x="9" y="40"/>
+                      <a:pt x="0" y="31"/>
+                      <a:pt x="0" y="20"/>
+                    </a:cubicBezTo>
+                    <a:cubicBezTo>
+                      <a:pt x="0" y="9"/>
+                      <a:pt x="9" y="0"/>
+                      <a:pt x="20" y="0"/>
+                    </a:cubicBezTo>
+                    <a:cubicBezTo>
+                      <a:pt x="31" y="0"/>
+                      <a:pt x="40" y="9"/>
+                      <a:pt x="40" y="20"/>
+                    </a:cubicBezTo>
+                    <a:cubicBezTo>
+                      <a:pt x="40" y="31"/>
+                      <a:pt x="31" y="40"/>
+                      <a:pt x="20" y="40"/>
+                    </a:cubicBezTo>
+                    <a:close/>
+                    <a:moveTo>
+                      <a:pt x="20" y="4"/>
+                    </a:moveTo>
+                    <a:cubicBezTo>
+                      <a:pt x="12" y="4"/>
+                      <a:pt x="4" y="11"/>
+                      <a:pt x="4" y="20"/>
+                    </a:cubicBezTo>
+                    <a:cubicBezTo>
+                      <a:pt x="4" y="29"/>
+                      <a:pt x="12" y="36"/>
+                      <a:pt x="20" y="36"/>
+                    </a:cubicBezTo>
+                    <a:cubicBezTo>
+                      <a:pt x="29" y="36"/>
+                      <a:pt x="36" y="29"/>
+                      <a:pt x="36" y="20"/>
+                    </a:cubicBezTo>
+                    <a:cubicBezTo>
+                      <a:pt x="36" y="11"/>
+                      <a:pt x="29" y="4"/>
+                      <a:pt x="20" y="4"/>
+                    </a:cubicBezTo>
+                    <a:close/>
+                  </a:path>
+                </a:pathLst>
+              </a:custGeom>
+              <a:grpFill/>
+              <a:ln>
+                <a:noFill/>
+              </a:ln>
+              <a:extLst>
+                <a:ext uri="{91240B29-F687-4f45-9708-019B960494DF}">
+                  <a14:hiddenLine xmlns="" xmlns:a16="http://schemas.microsoft.com/office/drawing/2014/main" xmlns:p14="http://schemas.microsoft.com/office/powerpoint/2010/main" xmlns:a14="http://schemas.microsoft.com/office/drawing/2010/main" w="9525">
+                    <a:solidFill>
+                      <a:srgbClr val="000000"/>
+                    </a:solidFill>
+                    <a:round/>
+                    <a:headEnd/>
+                    <a:tailEnd/>
+                  </a14:hiddenLine>
+                </a:ext>
+              </a:extLst>
+            </p:spPr>
+          </p:sp>
+          <p:sp>
+            <p:nvSpPr>
+              <p:cNvPr id="27" name="Rectangle 41">
+                <a:extLst>
+                  <a:ext uri="{FF2B5EF4-FFF2-40B4-BE49-F238E27FC236}">
+                    <a16:creationId xmlns:a16="http://schemas.microsoft.com/office/drawing/2014/main" id="{A2CBE444-D00C-4C80-9F29-42A250C500B8}"/>
+                  </a:ext>
+                  <a:ext uri="{C183D7F6-B498-43B3-948B-1728B52AA6E4}">
+                    <adec:decorative xmlns:adec="http://schemas.microsoft.com/office/drawing/2017/decorative" val="1"/>
+                  </a:ext>
+                </a:extLst>
+              </p:cNvPr>
+              <p:cNvSpPr>
+                <a:spLocks noChangeArrowheads="1"/>
+              </p:cNvSpPr>
+              <p:nvPr>
+                <p:extLst>
+                  <p:ext uri="{386F3935-93C4-4BCD-93E2-E3B085C9AB24}">
+                    <p16:designElem xmlns:p16="http://schemas.microsoft.com/office/powerpoint/2015/main" val="1"/>
+                  </p:ext>
+                </p:extLst>
+              </p:nvPr>
+            </p:nvSpPr>
+            <p:spPr bwMode="auto">
+              <a:xfrm>
+                <a:off x="11939587" y="6596063"/>
+                <a:ext cx="23813" cy="252413"/>
+              </a:xfrm>
+              <a:prstGeom prst="rect">
+                <a:avLst/>
+              </a:prstGeom>
+              <a:grpFill/>
+              <a:ln>
+                <a:noFill/>
+              </a:ln>
+              <a:extLst>
+                <a:ext uri="{91240B29-F687-4f45-9708-019B960494DF}">
+                  <a14:hiddenLine xmlns="" xmlns:a16="http://schemas.microsoft.com/office/drawing/2014/main" xmlns:p14="http://schemas.microsoft.com/office/powerpoint/2010/main" xmlns:a14="http://schemas.microsoft.com/office/drawing/2010/main" w="9525">
+                    <a:solidFill>
+                      <a:srgbClr val="000000"/>
+                    </a:solidFill>
+                    <a:miter lim="800000"/>
+                    <a:headEnd/>
+                    <a:tailEnd/>
+                  </a14:hiddenLine>
+                </a:ext>
+              </a:extLst>
+            </p:spPr>
+          </p:sp>
+        </p:grpSp>
+      </p:grpSp>
+      <p:grpSp>
+        <p:nvGrpSpPr>
+          <p:cNvPr id="56" name="Group 55">
+            <a:extLst>
+              <a:ext uri="{FF2B5EF4-FFF2-40B4-BE49-F238E27FC236}">
+                <a16:creationId xmlns:a16="http://schemas.microsoft.com/office/drawing/2014/main" id="{08AFDCCA-EC08-414E-B480-1D1877FE7448}"/>
+              </a:ext>
+              <a:ext uri="{C183D7F6-B498-43B3-948B-1728B52AA6E4}">
+                <adec:decorative xmlns:adec="http://schemas.microsoft.com/office/drawing/2017/decorative" val="1"/>
+              </a:ext>
+            </a:extLst>
+          </p:cNvPr>
+          <p:cNvGrpSpPr>
+            <a:grpSpLocks noGrp="1" noUngrp="1" noRot="1" noChangeAspect="1" noMove="1" noResize="1"/>
+          </p:cNvGrpSpPr>
+          <p:nvPr>
+            <p:extLst>
+              <p:ext uri="{386F3935-93C4-4BCD-93E2-E3B085C9AB24}">
+                <p16:designElem xmlns:p16="http://schemas.microsoft.com/office/powerpoint/2015/main" val="1"/>
+              </p:ext>
+            </p:extLst>
+          </p:nvPr>
+        </p:nvGrpSpPr>
+        <p:grpSpPr>
+          <a:xfrm>
+            <a:off x="0" y="0"/>
+            <a:ext cx="9144002" cy="6858001"/>
+            <a:chOff x="0" y="-1"/>
+            <a:chExt cx="12192003" cy="6858001"/>
+          </a:xfrm>
+        </p:grpSpPr>
+        <p:sp useBgFill="1">
+          <p:nvSpPr>
+            <p:cNvPr id="57" name="Rectangle 56">
+              <a:extLst>
+                <a:ext uri="{FF2B5EF4-FFF2-40B4-BE49-F238E27FC236}">
+                  <a16:creationId xmlns:a16="http://schemas.microsoft.com/office/drawing/2014/main" id="{98030F13-6DC8-412D-A37E-D6C832600937}"/>
+                </a:ext>
+                <a:ext uri="{C183D7F6-B498-43B3-948B-1728B52AA6E4}">
+                  <adec:decorative xmlns:adec="http://schemas.microsoft.com/office/drawing/2017/decorative" val="1"/>
+                </a:ext>
+              </a:extLst>
+            </p:cNvPr>
+            <p:cNvSpPr/>
+            <p:nvPr>
+              <p:extLst>
+                <p:ext uri="{386F3935-93C4-4BCD-93E2-E3B085C9AB24}">
+                  <p16:designElem xmlns:p16="http://schemas.microsoft.com/office/powerpoint/2015/main" val="1"/>
+                </p:ext>
+              </p:extLst>
+            </p:nvPr>
+          </p:nvSpPr>
+          <p:spPr>
+            <a:xfrm>
+              <a:off x="1" y="-1"/>
+              <a:ext cx="12192000" cy="6858000"/>
+            </a:xfrm>
+            <a:prstGeom prst="rect">
+              <a:avLst/>
+            </a:prstGeom>
+            <a:ln>
+              <a:noFill/>
+            </a:ln>
+          </p:spPr>
+          <p:style>
+            <a:lnRef idx="2">
+              <a:schemeClr val="accent1">
+                <a:shade val="50000"/>
+              </a:schemeClr>
+            </a:lnRef>
+            <a:fillRef idx="1">
+              <a:schemeClr val="accent1"/>
+            </a:fillRef>
+            <a:effectRef idx="0">
+              <a:schemeClr val="accent1"/>
+            </a:effectRef>
+            <a:fontRef idx="minor">
+              <a:schemeClr val="lt1"/>
+            </a:fontRef>
+          </p:style>
+          <p:txBody>
+            <a:bodyPr rtlCol="0" anchor="ctr"/>
+            <a:lstStyle/>
+            <a:p>
+              <a:pPr algn="ctr"/>
+              <a:endParaRPr lang="en-US"/>
+            </a:p>
+          </p:txBody>
+        </p:sp>
+        <p:pic>
+          <p:nvPicPr>
+            <p:cNvPr id="58" name="Picture 2">
+              <a:extLst>
+                <a:ext uri="{FF2B5EF4-FFF2-40B4-BE49-F238E27FC236}">
+                  <a16:creationId xmlns:a16="http://schemas.microsoft.com/office/drawing/2014/main" id="{49F8A5B6-B5E2-4326-8F6F-A93A10030542}"/>
+                </a:ext>
+                <a:ext uri="{C183D7F6-B498-43B3-948B-1728B52AA6E4}">
+                  <adec:decorative xmlns:adec="http://schemas.microsoft.com/office/drawing/2017/decorative" val="1"/>
+                </a:ext>
+              </a:extLst>
+            </p:cNvPr>
+            <p:cNvPicPr>
+              <a:picLocks noChangeAspect="1" noChangeArrowheads="1"/>
+            </p:cNvPicPr>
+            <p:nvPr>
+              <p:extLst>
+                <p:ext uri="{386F3935-93C4-4BCD-93E2-E3B085C9AB24}">
+                  <p16:designElem xmlns:p16="http://schemas.microsoft.com/office/powerpoint/2015/main" val="1"/>
+                </p:ext>
+              </p:extLst>
+            </p:nvPr>
+          </p:nvPicPr>
+          <p:blipFill>
+            <a:blip r:embed="rId2">
+              <a:alphaModFix amt="30000"/>
+              <a:duotone>
+                <a:prstClr val="black"/>
+                <a:schemeClr val="tx2">
+                  <a:tint val="45000"/>
+                  <a:satMod val="400000"/>
+                </a:schemeClr>
+              </a:duotone>
+              <a:extLst>
+                <a:ext uri="{28A0092B-C50C-407E-A947-70E740481C1C}">
+                  <a14:useLocalDpi xmlns:a14="http://schemas.microsoft.com/office/drawing/2010/main" val="0"/>
+                </a:ext>
+              </a:extLst>
+            </a:blip>
+            <a:srcRect/>
+            <a:stretch>
+              <a:fillRect/>
+            </a:stretch>
+          </p:blipFill>
+          <p:spPr bwMode="auto">
+            <a:xfrm>
+              <a:off x="0" y="-1"/>
+              <a:ext cx="12192003" cy="6858001"/>
+            </a:xfrm>
+            <a:prstGeom prst="rect">
+              <a:avLst/>
+            </a:prstGeom>
+            <a:noFill/>
+            <a:extLst>
+              <a:ext uri="{909E8E84-426E-40dd-AFC4-6F175D3DCCD1}">
+                <a14:hiddenFill xmlns="" xmlns:a16="http://schemas.microsoft.com/office/drawing/2014/main" xmlns:p14="http://schemas.microsoft.com/office/powerpoint/2010/main" xmlns:a14="http://schemas.microsoft.com/office/drawing/2010/main">
+                  <a:solidFill>
+                    <a:srgbClr val="FFFFFF"/>
+                  </a:solidFill>
+                </a14:hiddenFill>
+              </a:ext>
+            </a:extLst>
+          </p:spPr>
+        </p:pic>
+      </p:grpSp>
+      <p:pic>
+        <p:nvPicPr>
+          <p:cNvPr id="60" name="Picture 2">
+            <a:extLst>
+              <a:ext uri="{FF2B5EF4-FFF2-40B4-BE49-F238E27FC236}">
+                <a16:creationId xmlns:a16="http://schemas.microsoft.com/office/drawing/2014/main" id="{1DE10DE7-9D2C-4BED-BB15-10A57A4852D5}"/>
+              </a:ext>
+              <a:ext uri="{C183D7F6-B498-43B3-948B-1728B52AA6E4}">
+                <adec:decorative xmlns:adec="http://schemas.microsoft.com/office/drawing/2017/decorative" val="1"/>
+              </a:ext>
+            </a:extLst>
+          </p:cNvPr>
+          <p:cNvPicPr>
+            <a:picLocks noGrp="1" noRot="1" noChangeAspect="1" noMove="1" noResize="1" noEditPoints="1" noAdjustHandles="1" noChangeArrowheads="1" noChangeShapeType="1" noCrop="1"/>
+          </p:cNvPicPr>
+          <p:nvPr>
+            <p:extLst>
+              <p:ext uri="{386F3935-93C4-4BCD-93E2-E3B085C9AB24}">
+                <p16:designElem xmlns:p16="http://schemas.microsoft.com/office/powerpoint/2015/main" val="1"/>
+              </p:ext>
+            </p:extLst>
+          </p:nvPr>
+        </p:nvPicPr>
+        <p:blipFill>
+          <a:blip r:embed="rId2">
+            <a:alphaModFix amt="30000"/>
+            <a:extLst>
+              <a:ext uri="{28A0092B-C50C-407E-A947-70E740481C1C}">
+                <a14:useLocalDpi xmlns:a14="http://schemas.microsoft.com/office/drawing/2010/main" val="0"/>
+              </a:ext>
+            </a:extLst>
+          </a:blip>
+          <a:srcRect/>
+          <a:stretch>
+            <a:fillRect/>
+          </a:stretch>
+        </p:blipFill>
+        <p:spPr bwMode="auto">
+          <a:xfrm>
+            <a:off x="0" y="-1"/>
+            <a:ext cx="9144002" cy="6858001"/>
+          </a:xfrm>
+          <a:prstGeom prst="rect">
+            <a:avLst/>
+          </a:prstGeom>
+          <a:noFill/>
+          <a:extLst>
+            <a:ext uri="{909E8E84-426E-40dd-AFC4-6F175D3DCCD1}">
+              <a14:hiddenFill xmlns="" xmlns:a16="http://schemas.microsoft.com/office/drawing/2014/main" xmlns:p14="http://schemas.microsoft.com/office/powerpoint/2010/main" xmlns:a14="http://schemas.microsoft.com/office/drawing/2010/main">
+                <a:solidFill>
+                  <a:srgbClr val="FFFFFF"/>
+                </a:solidFill>
+              </a14:hiddenFill>
+            </a:ext>
+          </a:extLst>
+        </p:spPr>
+      </p:pic>
+      <p:pic>
+        <p:nvPicPr>
+          <p:cNvPr id="8" name="Picture 7">
+            <a:extLst>
+              <a:ext uri="{FF2B5EF4-FFF2-40B4-BE49-F238E27FC236}">
+                <a16:creationId xmlns:a16="http://schemas.microsoft.com/office/drawing/2014/main" id="{EBF00785-A90A-1743-9B63-EEA030709B9B}"/>
+              </a:ext>
+            </a:extLst>
+          </p:cNvPr>
+          <p:cNvPicPr>
+            <a:picLocks noChangeAspect="1"/>
+          </p:cNvPicPr>
+          <p:nvPr/>
+        </p:nvPicPr>
+        <p:blipFill rotWithShape="1">
+          <a:blip r:embed="rId3"/>
+          <a:srcRect l="10723" r="1" b="1"/>
+          <a:stretch/>
+        </p:blipFill>
+        <p:spPr>
+          <a:xfrm>
+            <a:off x="1368193" y="4072731"/>
+            <a:ext cx="6289741" cy="2712132"/>
+          </a:xfrm>
+          <a:prstGeom prst="round2DiagRect">
+            <a:avLst>
+              <a:gd name="adj1" fmla="val 50000"/>
+              <a:gd name="adj2" fmla="val 0"/>
+            </a:avLst>
+          </a:prstGeom>
+          <a:ln w="19050" cap="sq">
+            <a:solidFill>
+              <a:schemeClr val="tx2">
+                <a:lumMod val="60000"/>
+                <a:lumOff val="40000"/>
+                <a:alpha val="60000"/>
+              </a:schemeClr>
+            </a:solidFill>
+            <a:miter lim="800000"/>
+          </a:ln>
+          <a:effectLst>
+            <a:outerShdw blurRad="88900" dist="38100" dir="5400000" algn="t" rotWithShape="0">
+              <a:prstClr val="black">
+                <a:alpha val="40000"/>
+              </a:prstClr>
+            </a:outerShdw>
+          </a:effectLst>
+        </p:spPr>
+      </p:pic>
+      <p:pic>
+        <p:nvPicPr>
+          <p:cNvPr id="12" name="Picture 11">
+            <a:extLst>
+              <a:ext uri="{FF2B5EF4-FFF2-40B4-BE49-F238E27FC236}">
+                <a16:creationId xmlns:a16="http://schemas.microsoft.com/office/drawing/2014/main" id="{34F9CE91-0A30-A64D-B717-A494F556EEB4}"/>
+              </a:ext>
+            </a:extLst>
+          </p:cNvPr>
+          <p:cNvPicPr>
+            <a:picLocks noChangeAspect="1"/>
+          </p:cNvPicPr>
+          <p:nvPr/>
+        </p:nvPicPr>
+        <p:blipFill>
+          <a:blip r:embed="rId4"/>
+          <a:stretch>
+            <a:fillRect/>
+          </a:stretch>
+        </p:blipFill>
+        <p:spPr>
+          <a:xfrm>
+            <a:off x="5528157" y="2389043"/>
+            <a:ext cx="3715094" cy="1479013"/>
+          </a:xfrm>
+          <a:prstGeom prst="rect">
+            <a:avLst/>
+          </a:prstGeom>
+        </p:spPr>
+      </p:pic>
+      <p:pic>
+        <p:nvPicPr>
+          <p:cNvPr id="55" name="Picture 54">
+            <a:extLst>
+              <a:ext uri="{FF2B5EF4-FFF2-40B4-BE49-F238E27FC236}">
+                <a16:creationId xmlns:a16="http://schemas.microsoft.com/office/drawing/2014/main" id="{109249F3-809F-FE4A-861C-76F732BD1A89}"/>
+              </a:ext>
+            </a:extLst>
+          </p:cNvPr>
+          <p:cNvPicPr>
+            <a:picLocks noChangeAspect="1"/>
+          </p:cNvPicPr>
+          <p:nvPr/>
+        </p:nvPicPr>
+        <p:blipFill>
+          <a:blip r:embed="rId5"/>
+          <a:stretch>
+            <a:fillRect/>
+          </a:stretch>
+        </p:blipFill>
+        <p:spPr>
+          <a:xfrm>
+            <a:off x="556024" y="364793"/>
+            <a:ext cx="3138488" cy="892508"/>
+          </a:xfrm>
+          <a:prstGeom prst="rect">
+            <a:avLst/>
+          </a:prstGeom>
+        </p:spPr>
+      </p:pic>
+      <p:pic>
+        <p:nvPicPr>
+          <p:cNvPr id="61" name="Picture 60">
+            <a:extLst>
+              <a:ext uri="{FF2B5EF4-FFF2-40B4-BE49-F238E27FC236}">
+                <a16:creationId xmlns:a16="http://schemas.microsoft.com/office/drawing/2014/main" id="{FD88DE5F-CF5A-4E4D-A937-57314540D424}"/>
+              </a:ext>
+            </a:extLst>
+          </p:cNvPr>
+          <p:cNvPicPr>
+            <a:picLocks noChangeAspect="1"/>
+          </p:cNvPicPr>
+          <p:nvPr/>
+        </p:nvPicPr>
+        <p:blipFill>
+          <a:blip r:embed="rId6"/>
+          <a:stretch>
+            <a:fillRect/>
+          </a:stretch>
+        </p:blipFill>
+        <p:spPr>
+          <a:xfrm>
+            <a:off x="2637926" y="1611313"/>
+            <a:ext cx="3547872" cy="1231900"/>
+          </a:xfrm>
+          <a:prstGeom prst="rect">
+            <a:avLst/>
+          </a:prstGeom>
+        </p:spPr>
+      </p:pic>
+    </p:spTree>
+    <p:extLst>
+      <p:ext uri="{BB962C8B-B14F-4D97-AF65-F5344CB8AC3E}">
+        <p14:creationId xmlns:p14="http://schemas.microsoft.com/office/powerpoint/2010/main" val="4263443251"/>
+      </p:ext>
+    </p:extLst>
+  </p:cSld>
+  <p:clrMapOvr>
+    <a:masterClrMapping/>
+  </p:clrMapOvr>
+</p:sld>
+</file>
+
+<file path=ppt/slides/slide3.xml><?xml version="1.0" encoding="utf-8"?>
+<p:sld xmlns:a="http://schemas.openxmlformats.org/drawingml/2006/main" xmlns:r="http://schemas.openxmlformats.org/officeDocument/2006/relationships" xmlns:p="http://schemas.openxmlformats.org/presentationml/2006/main">
+  <p:cSld>
     <p:spTree>
       <p:nvGrpSpPr>
         <p:cNvPr id="1" name=""/>
@@ -26371,7 +30271,7 @@
 </p:sld>
 </file>
 
-<file path=ppt/slides/slide3.xml><?xml version="1.0" encoding="utf-8"?>
+<file path=ppt/slides/slide4.xml><?xml version="1.0" encoding="utf-8"?>
 <p:sld xmlns:a="http://schemas.openxmlformats.org/drawingml/2006/main" xmlns:r="http://schemas.openxmlformats.org/officeDocument/2006/relationships" xmlns:p="http://schemas.openxmlformats.org/presentationml/2006/main">
   <p:cSld>
     <p:bg>
